--- a/1-2/CB1501010/Introduction to Electrical and Electronic Engineering/005/EE_ch4_Transient Analysis.pptx
+++ b/1-2/CB1501010/Introduction to Electrical and Electronic Engineering/005/EE_ch4_Transient Analysis.pptx
@@ -482,11 +482,6 @@
         </p:txBody>
       </p:sp>
     </p:spTree>
-    <p:extLst>
-      <p:ext uri="{BB962C8B-B14F-4D97-AF65-F5344CB8AC3E}">
-        <p14:creationId xmlns:p14="http://schemas.microsoft.com/office/powerpoint/2010/main" val="1"/>
-      </p:ext>
-    </p:extLst>
   </p:cSld>
   <p:clrMap bg1="lt1" tx1="dk1" bg2="lt2" tx2="dk2" accent1="accent1" accent2="accent2" accent3="accent3" accent4="accent4" accent5="accent5" accent6="accent6" hlink="hlink" folHlink="folHlink"/>
 </p:handoutMaster>
@@ -690,35 +685,35 @@
           <a:p>
             <a:pPr lvl="0"/>
             <a:r>
-              <a:rPr lang="ko-KR" altLang="en-US" noProof="0"/>
+              <a:rPr lang="ko-KR" altLang="en-US" noProof="0" smtClean="0"/>
               <a:t>마스터 텍스트 스타일을 편집합니다</a:t>
             </a:r>
           </a:p>
           <a:p>
             <a:pPr lvl="1"/>
             <a:r>
-              <a:rPr lang="ko-KR" altLang="en-US" noProof="0"/>
+              <a:rPr lang="ko-KR" altLang="en-US" noProof="0" smtClean="0"/>
               <a:t>둘째 수준</a:t>
             </a:r>
           </a:p>
           <a:p>
             <a:pPr lvl="2"/>
             <a:r>
-              <a:rPr lang="ko-KR" altLang="en-US" noProof="0"/>
+              <a:rPr lang="ko-KR" altLang="en-US" noProof="0" smtClean="0"/>
               <a:t>셋째 수준</a:t>
             </a:r>
           </a:p>
           <a:p>
             <a:pPr lvl="3"/>
             <a:r>
-              <a:rPr lang="ko-KR" altLang="en-US" noProof="0"/>
+              <a:rPr lang="ko-KR" altLang="en-US" noProof="0" smtClean="0"/>
               <a:t>넷째 수준</a:t>
             </a:r>
           </a:p>
           <a:p>
             <a:pPr lvl="4"/>
             <a:r>
-              <a:rPr lang="ko-KR" altLang="en-US" noProof="0"/>
+              <a:rPr lang="ko-KR" altLang="en-US" noProof="0" smtClean="0"/>
               <a:t>다섯째 수준</a:t>
             </a:r>
           </a:p>
@@ -1122,7 +1117,7 @@
             <a:pPr eaLnBrk="1" latinLnBrk="1" hangingPunct="1">
               <a:defRPr/>
             </a:pPr>
-            <a:endParaRPr lang="ko-KR" altLang="ko-KR" sz="1800">
+            <a:endParaRPr lang="ko-KR" altLang="ko-KR" sz="1800" smtClean="0">
               <a:solidFill>
                 <a:schemeClr val="bg1"/>
               </a:solidFill>
@@ -1447,14 +1442,14 @@
               <a:defRPr/>
             </a:pPr>
             <a:r>
-              <a:rPr lang="en-US" altLang="ko-KR" sz="1600" i="1">
+              <a:rPr lang="en-US" altLang="ko-KR" sz="1600" i="1" smtClean="0">
                 <a:solidFill>
                   <a:schemeClr val="bg1"/>
                 </a:solidFill>
               </a:rPr>
               <a:t>Pusan National University </a:t>
             </a:r>
-            <a:endParaRPr lang="en-US" altLang="ko-KR" sz="1000">
+            <a:endParaRPr lang="en-US" altLang="ko-KR" sz="1000" smtClean="0">
               <a:solidFill>
                 <a:schemeClr val="bg1"/>
               </a:solidFill>
@@ -1941,7 +1936,7 @@
               <a:defRPr/>
             </a:pPr>
             <a:r>
-              <a:rPr lang="en-US" altLang="ko-KR" sz="3400" i="1">
+              <a:rPr lang="en-US" altLang="ko-KR" sz="3400" i="1" smtClean="0">
                 <a:solidFill>
                   <a:srgbClr val="99CC00"/>
                 </a:solidFill>
@@ -2108,7 +2103,7 @@
               <a:defRPr/>
             </a:pPr>
             <a:r>
-              <a:rPr lang="en-US" altLang="ko-KR" sz="4600" i="1">
+              <a:rPr lang="en-US" altLang="ko-KR" sz="4600" i="1" smtClean="0">
                 <a:latin typeface="Arial Black" pitchFamily="34" charset="0"/>
               </a:rPr>
               <a:t>PNU</a:t>
@@ -2272,7 +2267,7 @@
               <a:defRPr/>
             </a:pPr>
             <a:r>
-              <a:rPr lang="en-US" altLang="ko-KR" sz="1600" i="1">
+              <a:rPr lang="en-US" altLang="ko-KR" sz="1600" i="1" smtClean="0">
                 <a:solidFill>
                   <a:schemeClr val="bg2"/>
                 </a:solidFill>
@@ -2281,7 +2276,7 @@
               <a:t> </a:t>
             </a:r>
             <a:r>
-              <a:rPr lang="ko-KR" altLang="en-US" sz="1600" i="1">
+              <a:rPr lang="ko-KR" altLang="en-US" sz="1600" i="1" smtClean="0">
                 <a:solidFill>
                   <a:schemeClr val="bg2"/>
                 </a:solidFill>
@@ -2405,18 +2400,7 @@
   <p:clrMapOvr>
     <a:masterClrMapping/>
   </p:clrMapOvr>
-  <mc:AlternateContent xmlns:mc="http://schemas.openxmlformats.org/markup-compatibility/2006">
-    <mc:Choice xmlns:p159="http://schemas.microsoft.com/office/powerpoint/2015/09/main" Requires="p159">
-      <p:transition>
-        <p159:morph option="byChar"/>
-      </p:transition>
-    </mc:Choice>
-    <mc:Fallback>
-      <p:transition>
-        <p:fade/>
-      </p:transition>
-    </mc:Fallback>
-  </mc:AlternateContent>
+  <p:transition spd="med"/>
 </p:sldLayout>
 </file>
 
@@ -2458,9 +2442,10 @@
           <a:lstStyle/>
           <a:p>
             <a:r>
-              <a:rPr lang="ko-KR" altLang="en-US"/>
+              <a:rPr lang="ko-KR" altLang="en-US" smtClean="0"/>
               <a:t>마스터 제목 스타일 편집</a:t>
             </a:r>
+            <a:endParaRPr lang="ko-KR" altLang="en-US"/>
           </a:p>
         </p:txBody>
       </p:sp>
@@ -2486,37 +2471,38 @@
           <a:p>
             <a:pPr lvl="0"/>
             <a:r>
-              <a:rPr lang="ko-KR" altLang="en-US"/>
+              <a:rPr lang="ko-KR" altLang="en-US" smtClean="0"/>
               <a:t>마스터 텍스트 스타일을 편집합니다</a:t>
             </a:r>
           </a:p>
           <a:p>
             <a:pPr lvl="1"/>
             <a:r>
-              <a:rPr lang="ko-KR" altLang="en-US"/>
+              <a:rPr lang="ko-KR" altLang="en-US" smtClean="0"/>
               <a:t>둘째 수준</a:t>
             </a:r>
           </a:p>
           <a:p>
             <a:pPr lvl="2"/>
             <a:r>
-              <a:rPr lang="ko-KR" altLang="en-US"/>
+              <a:rPr lang="ko-KR" altLang="en-US" smtClean="0"/>
               <a:t>셋째 수준</a:t>
             </a:r>
           </a:p>
           <a:p>
             <a:pPr lvl="3"/>
             <a:r>
-              <a:rPr lang="ko-KR" altLang="en-US"/>
+              <a:rPr lang="ko-KR" altLang="en-US" smtClean="0"/>
               <a:t>넷째 수준</a:t>
             </a:r>
           </a:p>
           <a:p>
             <a:pPr lvl="4"/>
             <a:r>
-              <a:rPr lang="ko-KR" altLang="en-US"/>
+              <a:rPr lang="ko-KR" altLang="en-US" smtClean="0"/>
               <a:t>다섯째 수준</a:t>
             </a:r>
+            <a:endParaRPr lang="ko-KR" altLang="en-US"/>
           </a:p>
         </p:txBody>
       </p:sp>
@@ -2530,18 +2516,7 @@
   <p:clrMapOvr>
     <a:masterClrMapping/>
   </p:clrMapOvr>
-  <mc:AlternateContent xmlns:mc="http://schemas.openxmlformats.org/markup-compatibility/2006">
-    <mc:Choice xmlns:p159="http://schemas.microsoft.com/office/powerpoint/2015/09/main" Requires="p159">
-      <p:transition>
-        <p159:morph option="byChar"/>
-      </p:transition>
-    </mc:Choice>
-    <mc:Fallback>
-      <p:transition>
-        <p:fade/>
-      </p:transition>
-    </mc:Fallback>
-  </mc:AlternateContent>
+  <p:transition spd="med"/>
 </p:sldLayout>
 </file>
 
@@ -2583,9 +2558,10 @@
           <a:lstStyle/>
           <a:p>
             <a:r>
-              <a:rPr lang="ko-KR" altLang="en-US"/>
+              <a:rPr lang="ko-KR" altLang="en-US" smtClean="0"/>
               <a:t>마스터 제목 스타일 편집</a:t>
             </a:r>
+            <a:endParaRPr lang="ko-KR" altLang="en-US"/>
           </a:p>
         </p:txBody>
       </p:sp>
@@ -2611,37 +2587,38 @@
           <a:p>
             <a:pPr lvl="0"/>
             <a:r>
-              <a:rPr lang="ko-KR" altLang="en-US"/>
+              <a:rPr lang="ko-KR" altLang="en-US" smtClean="0"/>
               <a:t>마스터 텍스트 스타일을 편집합니다</a:t>
             </a:r>
           </a:p>
           <a:p>
             <a:pPr lvl="1"/>
             <a:r>
-              <a:rPr lang="ko-KR" altLang="en-US"/>
+              <a:rPr lang="ko-KR" altLang="en-US" smtClean="0"/>
               <a:t>둘째 수준</a:t>
             </a:r>
           </a:p>
           <a:p>
             <a:pPr lvl="2"/>
             <a:r>
-              <a:rPr lang="ko-KR" altLang="en-US"/>
+              <a:rPr lang="ko-KR" altLang="en-US" smtClean="0"/>
               <a:t>셋째 수준</a:t>
             </a:r>
           </a:p>
           <a:p>
             <a:pPr lvl="3"/>
             <a:r>
-              <a:rPr lang="ko-KR" altLang="en-US"/>
+              <a:rPr lang="ko-KR" altLang="en-US" smtClean="0"/>
               <a:t>넷째 수준</a:t>
             </a:r>
           </a:p>
           <a:p>
             <a:pPr lvl="4"/>
             <a:r>
-              <a:rPr lang="ko-KR" altLang="en-US"/>
+              <a:rPr lang="ko-KR" altLang="en-US" smtClean="0"/>
               <a:t>다섯째 수준</a:t>
             </a:r>
+            <a:endParaRPr lang="ko-KR" altLang="en-US"/>
           </a:p>
         </p:txBody>
       </p:sp>
@@ -2667,37 +2644,38 @@
           <a:p>
             <a:pPr lvl="0"/>
             <a:r>
-              <a:rPr lang="ko-KR" altLang="en-US"/>
+              <a:rPr lang="ko-KR" altLang="en-US" smtClean="0"/>
               <a:t>마스터 텍스트 스타일을 편집합니다</a:t>
             </a:r>
           </a:p>
           <a:p>
             <a:pPr lvl="1"/>
             <a:r>
-              <a:rPr lang="ko-KR" altLang="en-US"/>
+              <a:rPr lang="ko-KR" altLang="en-US" smtClean="0"/>
               <a:t>둘째 수준</a:t>
             </a:r>
           </a:p>
           <a:p>
             <a:pPr lvl="2"/>
             <a:r>
-              <a:rPr lang="ko-KR" altLang="en-US"/>
+              <a:rPr lang="ko-KR" altLang="en-US" smtClean="0"/>
               <a:t>셋째 수준</a:t>
             </a:r>
           </a:p>
           <a:p>
             <a:pPr lvl="3"/>
             <a:r>
-              <a:rPr lang="ko-KR" altLang="en-US"/>
+              <a:rPr lang="ko-KR" altLang="en-US" smtClean="0"/>
               <a:t>넷째 수준</a:t>
             </a:r>
           </a:p>
           <a:p>
             <a:pPr lvl="4"/>
             <a:r>
-              <a:rPr lang="ko-KR" altLang="en-US"/>
+              <a:rPr lang="ko-KR" altLang="en-US" smtClean="0"/>
               <a:t>다섯째 수준</a:t>
             </a:r>
+            <a:endParaRPr lang="ko-KR" altLang="en-US"/>
           </a:p>
         </p:txBody>
       </p:sp>
@@ -2711,18 +2689,7 @@
   <p:clrMapOvr>
     <a:masterClrMapping/>
   </p:clrMapOvr>
-  <mc:AlternateContent xmlns:mc="http://schemas.openxmlformats.org/markup-compatibility/2006">
-    <mc:Choice xmlns:p159="http://schemas.microsoft.com/office/powerpoint/2015/09/main" Requires="p159">
-      <p:transition>
-        <p159:morph option="byChar"/>
-      </p:transition>
-    </mc:Choice>
-    <mc:Fallback>
-      <p:transition>
-        <p:fade/>
-      </p:transition>
-    </mc:Fallback>
-  </mc:AlternateContent>
+  <p:transition spd="med"/>
 </p:sldLayout>
 </file>
 
@@ -2764,9 +2731,10 @@
           <a:lstStyle/>
           <a:p>
             <a:r>
-              <a:rPr lang="ko-KR" altLang="en-US"/>
+              <a:rPr lang="ko-KR" altLang="en-US" smtClean="0"/>
               <a:t>마스터 제목 스타일 편집</a:t>
             </a:r>
+            <a:endParaRPr lang="ko-KR" altLang="en-US"/>
           </a:p>
         </p:txBody>
       </p:sp>
@@ -2792,37 +2760,38 @@
           <a:p>
             <a:pPr lvl="0"/>
             <a:r>
-              <a:rPr lang="ko-KR" altLang="en-US"/>
+              <a:rPr lang="ko-KR" altLang="en-US" smtClean="0"/>
               <a:t>마스터 텍스트 스타일을 편집합니다</a:t>
             </a:r>
           </a:p>
           <a:p>
             <a:pPr lvl="1"/>
             <a:r>
-              <a:rPr lang="ko-KR" altLang="en-US"/>
+              <a:rPr lang="ko-KR" altLang="en-US" smtClean="0"/>
               <a:t>둘째 수준</a:t>
             </a:r>
           </a:p>
           <a:p>
             <a:pPr lvl="2"/>
             <a:r>
-              <a:rPr lang="ko-KR" altLang="en-US"/>
+              <a:rPr lang="ko-KR" altLang="en-US" smtClean="0"/>
               <a:t>셋째 수준</a:t>
             </a:r>
           </a:p>
           <a:p>
             <a:pPr lvl="3"/>
             <a:r>
-              <a:rPr lang="ko-KR" altLang="en-US"/>
+              <a:rPr lang="ko-KR" altLang="en-US" smtClean="0"/>
               <a:t>넷째 수준</a:t>
             </a:r>
           </a:p>
           <a:p>
             <a:pPr lvl="4"/>
             <a:r>
-              <a:rPr lang="ko-KR" altLang="en-US"/>
+              <a:rPr lang="ko-KR" altLang="en-US" smtClean="0"/>
               <a:t>다섯째 수준</a:t>
             </a:r>
+            <a:endParaRPr lang="ko-KR" altLang="en-US"/>
           </a:p>
         </p:txBody>
       </p:sp>
@@ -2848,37 +2817,38 @@
           <a:p>
             <a:pPr lvl="0"/>
             <a:r>
-              <a:rPr lang="ko-KR" altLang="en-US"/>
+              <a:rPr lang="ko-KR" altLang="en-US" smtClean="0"/>
               <a:t>마스터 텍스트 스타일을 편집합니다</a:t>
             </a:r>
           </a:p>
           <a:p>
             <a:pPr lvl="1"/>
             <a:r>
-              <a:rPr lang="ko-KR" altLang="en-US"/>
+              <a:rPr lang="ko-KR" altLang="en-US" smtClean="0"/>
               <a:t>둘째 수준</a:t>
             </a:r>
           </a:p>
           <a:p>
             <a:pPr lvl="2"/>
             <a:r>
-              <a:rPr lang="ko-KR" altLang="en-US"/>
+              <a:rPr lang="ko-KR" altLang="en-US" smtClean="0"/>
               <a:t>셋째 수준</a:t>
             </a:r>
           </a:p>
           <a:p>
             <a:pPr lvl="3"/>
             <a:r>
-              <a:rPr lang="ko-KR" altLang="en-US"/>
+              <a:rPr lang="ko-KR" altLang="en-US" smtClean="0"/>
               <a:t>넷째 수준</a:t>
             </a:r>
           </a:p>
           <a:p>
             <a:pPr lvl="4"/>
             <a:r>
-              <a:rPr lang="ko-KR" altLang="en-US"/>
+              <a:rPr lang="ko-KR" altLang="en-US" smtClean="0"/>
               <a:t>다섯째 수준</a:t>
             </a:r>
+            <a:endParaRPr lang="ko-KR" altLang="en-US"/>
           </a:p>
         </p:txBody>
       </p:sp>
@@ -2904,37 +2874,38 @@
           <a:p>
             <a:pPr lvl="0"/>
             <a:r>
-              <a:rPr lang="ko-KR" altLang="en-US"/>
+              <a:rPr lang="ko-KR" altLang="en-US" smtClean="0"/>
               <a:t>마스터 텍스트 스타일을 편집합니다</a:t>
             </a:r>
           </a:p>
           <a:p>
             <a:pPr lvl="1"/>
             <a:r>
-              <a:rPr lang="ko-KR" altLang="en-US"/>
+              <a:rPr lang="ko-KR" altLang="en-US" smtClean="0"/>
               <a:t>둘째 수준</a:t>
             </a:r>
           </a:p>
           <a:p>
             <a:pPr lvl="2"/>
             <a:r>
-              <a:rPr lang="ko-KR" altLang="en-US"/>
+              <a:rPr lang="ko-KR" altLang="en-US" smtClean="0"/>
               <a:t>셋째 수준</a:t>
             </a:r>
           </a:p>
           <a:p>
             <a:pPr lvl="3"/>
             <a:r>
-              <a:rPr lang="ko-KR" altLang="en-US"/>
+              <a:rPr lang="ko-KR" altLang="en-US" smtClean="0"/>
               <a:t>넷째 수준</a:t>
             </a:r>
           </a:p>
           <a:p>
             <a:pPr lvl="4"/>
             <a:r>
-              <a:rPr lang="ko-KR" altLang="en-US"/>
+              <a:rPr lang="ko-KR" altLang="en-US" smtClean="0"/>
               <a:t>다섯째 수준</a:t>
             </a:r>
+            <a:endParaRPr lang="ko-KR" altLang="en-US"/>
           </a:p>
         </p:txBody>
       </p:sp>
@@ -2948,18 +2919,7 @@
   <p:clrMapOvr>
     <a:masterClrMapping/>
   </p:clrMapOvr>
-  <mc:AlternateContent xmlns:mc="http://schemas.openxmlformats.org/markup-compatibility/2006">
-    <mc:Choice xmlns:p159="http://schemas.microsoft.com/office/powerpoint/2015/09/main" Requires="p159">
-      <p:transition>
-        <p159:morph option="byChar"/>
-      </p:transition>
-    </mc:Choice>
-    <mc:Fallback>
-      <p:transition>
-        <p:fade/>
-      </p:transition>
-    </mc:Fallback>
-  </mc:AlternateContent>
+  <p:transition spd="med"/>
 </p:sldLayout>
 </file>
 
@@ -3001,9 +2961,10 @@
           <a:lstStyle/>
           <a:p>
             <a:r>
-              <a:rPr lang="ko-KR" altLang="en-US"/>
+              <a:rPr lang="ko-KR" altLang="en-US" smtClean="0"/>
               <a:t>마스터 제목 스타일 편집</a:t>
             </a:r>
+            <a:endParaRPr lang="ko-KR" altLang="en-US"/>
           </a:p>
         </p:txBody>
       </p:sp>
@@ -3065,9 +3026,10 @@
           </a:lstStyle>
           <a:p>
             <a:r>
-              <a:rPr lang="ko-KR" altLang="en-US"/>
+              <a:rPr lang="ko-KR" altLang="en-US" smtClean="0"/>
               <a:t>마스터 부제목 스타일 편집</a:t>
             </a:r>
+            <a:endParaRPr lang="ko-KR" altLang="en-US"/>
           </a:p>
         </p:txBody>
       </p:sp>
@@ -3081,18 +3043,7 @@
   <p:clrMapOvr>
     <a:masterClrMapping/>
   </p:clrMapOvr>
-  <mc:AlternateContent xmlns:mc="http://schemas.openxmlformats.org/markup-compatibility/2006">
-    <mc:Choice xmlns:p159="http://schemas.microsoft.com/office/powerpoint/2015/09/main" Requires="p159">
-      <p:transition>
-        <p159:morph option="byChar"/>
-      </p:transition>
-    </mc:Choice>
-    <mc:Fallback>
-      <p:transition>
-        <p:fade/>
-      </p:transition>
-    </mc:Fallback>
-  </mc:AlternateContent>
+  <p:transition spd="med"/>
 </p:sldLayout>
 </file>
 
@@ -3129,9 +3080,10 @@
           <a:lstStyle/>
           <a:p>
             <a:r>
-              <a:rPr lang="ko-KR" altLang="en-US"/>
+              <a:rPr lang="ko-KR" altLang="en-US" smtClean="0"/>
               <a:t>마스터 제목 스타일 편집</a:t>
             </a:r>
+            <a:endParaRPr lang="ko-KR" altLang="en-US"/>
           </a:p>
         </p:txBody>
       </p:sp>
@@ -3152,37 +3104,38 @@
           <a:p>
             <a:pPr lvl="0"/>
             <a:r>
-              <a:rPr lang="ko-KR" altLang="en-US"/>
+              <a:rPr lang="ko-KR" altLang="en-US" smtClean="0"/>
               <a:t>마스터 텍스트 스타일을 편집합니다</a:t>
             </a:r>
           </a:p>
           <a:p>
             <a:pPr lvl="1"/>
             <a:r>
-              <a:rPr lang="ko-KR" altLang="en-US"/>
+              <a:rPr lang="ko-KR" altLang="en-US" smtClean="0"/>
               <a:t>둘째 수준</a:t>
             </a:r>
           </a:p>
           <a:p>
             <a:pPr lvl="2"/>
             <a:r>
-              <a:rPr lang="ko-KR" altLang="en-US"/>
+              <a:rPr lang="ko-KR" altLang="en-US" smtClean="0"/>
               <a:t>셋째 수준</a:t>
             </a:r>
           </a:p>
           <a:p>
             <a:pPr lvl="3"/>
             <a:r>
-              <a:rPr lang="ko-KR" altLang="en-US"/>
+              <a:rPr lang="ko-KR" altLang="en-US" smtClean="0"/>
               <a:t>넷째 수준</a:t>
             </a:r>
           </a:p>
           <a:p>
             <a:pPr lvl="4"/>
             <a:r>
-              <a:rPr lang="ko-KR" altLang="en-US"/>
+              <a:rPr lang="ko-KR" altLang="en-US" smtClean="0"/>
               <a:t>다섯째 수준</a:t>
             </a:r>
+            <a:endParaRPr lang="ko-KR" altLang="en-US"/>
           </a:p>
         </p:txBody>
       </p:sp>
@@ -3196,18 +3149,7 @@
   <p:clrMapOvr>
     <a:masterClrMapping/>
   </p:clrMapOvr>
-  <mc:AlternateContent xmlns:mc="http://schemas.openxmlformats.org/markup-compatibility/2006">
-    <mc:Choice xmlns:p159="http://schemas.microsoft.com/office/powerpoint/2015/09/main" Requires="p159">
-      <p:transition>
-        <p159:morph option="byChar"/>
-      </p:transition>
-    </mc:Choice>
-    <mc:Fallback>
-      <p:transition>
-        <p:fade/>
-      </p:transition>
-    </mc:Fallback>
-  </mc:AlternateContent>
+  <p:transition spd="med"/>
 </p:sldLayout>
 </file>
 
@@ -3253,9 +3195,10 @@
           </a:lstStyle>
           <a:p>
             <a:r>
-              <a:rPr lang="ko-KR" altLang="en-US"/>
+              <a:rPr lang="ko-KR" altLang="en-US" smtClean="0"/>
               <a:t>마스터 제목 스타일 편집</a:t>
             </a:r>
+            <a:endParaRPr lang="ko-KR" altLang="en-US"/>
           </a:p>
         </p:txBody>
       </p:sp>
@@ -3318,7 +3261,7 @@
           <a:p>
             <a:pPr lvl="0"/>
             <a:r>
-              <a:rPr lang="ko-KR" altLang="en-US"/>
+              <a:rPr lang="ko-KR" altLang="en-US" smtClean="0"/>
               <a:t>마스터 텍스트 스타일을 편집합니다</a:t>
             </a:r>
           </a:p>
@@ -3334,18 +3277,7 @@
   <p:clrMapOvr>
     <a:masterClrMapping/>
   </p:clrMapOvr>
-  <mc:AlternateContent xmlns:mc="http://schemas.openxmlformats.org/markup-compatibility/2006">
-    <mc:Choice xmlns:p159="http://schemas.microsoft.com/office/powerpoint/2015/09/main" Requires="p159">
-      <p:transition>
-        <p159:morph option="byChar"/>
-      </p:transition>
-    </mc:Choice>
-    <mc:Fallback>
-      <p:transition>
-        <p:fade/>
-      </p:transition>
-    </mc:Fallback>
-  </mc:AlternateContent>
+  <p:transition spd="med"/>
 </p:sldLayout>
 </file>
 
@@ -3382,9 +3314,10 @@
           <a:lstStyle/>
           <a:p>
             <a:r>
-              <a:rPr lang="ko-KR" altLang="en-US"/>
+              <a:rPr lang="ko-KR" altLang="en-US" smtClean="0"/>
               <a:t>마스터 제목 스타일 편집</a:t>
             </a:r>
+            <a:endParaRPr lang="ko-KR" altLang="en-US"/>
           </a:p>
         </p:txBody>
       </p:sp>
@@ -3438,37 +3371,38 @@
           <a:p>
             <a:pPr lvl="0"/>
             <a:r>
-              <a:rPr lang="ko-KR" altLang="en-US"/>
+              <a:rPr lang="ko-KR" altLang="en-US" smtClean="0"/>
               <a:t>마스터 텍스트 스타일을 편집합니다</a:t>
             </a:r>
           </a:p>
           <a:p>
             <a:pPr lvl="1"/>
             <a:r>
-              <a:rPr lang="ko-KR" altLang="en-US"/>
+              <a:rPr lang="ko-KR" altLang="en-US" smtClean="0"/>
               <a:t>둘째 수준</a:t>
             </a:r>
           </a:p>
           <a:p>
             <a:pPr lvl="2"/>
             <a:r>
-              <a:rPr lang="ko-KR" altLang="en-US"/>
+              <a:rPr lang="ko-KR" altLang="en-US" smtClean="0"/>
               <a:t>셋째 수준</a:t>
             </a:r>
           </a:p>
           <a:p>
             <a:pPr lvl="3"/>
             <a:r>
-              <a:rPr lang="ko-KR" altLang="en-US"/>
+              <a:rPr lang="ko-KR" altLang="en-US" smtClean="0"/>
               <a:t>넷째 수준</a:t>
             </a:r>
           </a:p>
           <a:p>
             <a:pPr lvl="4"/>
             <a:r>
-              <a:rPr lang="ko-KR" altLang="en-US"/>
+              <a:rPr lang="ko-KR" altLang="en-US" smtClean="0"/>
               <a:t>다섯째 수준</a:t>
             </a:r>
+            <a:endParaRPr lang="ko-KR" altLang="en-US"/>
           </a:p>
         </p:txBody>
       </p:sp>
@@ -3522,37 +3456,38 @@
           <a:p>
             <a:pPr lvl="0"/>
             <a:r>
-              <a:rPr lang="ko-KR" altLang="en-US"/>
+              <a:rPr lang="ko-KR" altLang="en-US" smtClean="0"/>
               <a:t>마스터 텍스트 스타일을 편집합니다</a:t>
             </a:r>
           </a:p>
           <a:p>
             <a:pPr lvl="1"/>
             <a:r>
-              <a:rPr lang="ko-KR" altLang="en-US"/>
+              <a:rPr lang="ko-KR" altLang="en-US" smtClean="0"/>
               <a:t>둘째 수준</a:t>
             </a:r>
           </a:p>
           <a:p>
             <a:pPr lvl="2"/>
             <a:r>
-              <a:rPr lang="ko-KR" altLang="en-US"/>
+              <a:rPr lang="ko-KR" altLang="en-US" smtClean="0"/>
               <a:t>셋째 수준</a:t>
             </a:r>
           </a:p>
           <a:p>
             <a:pPr lvl="3"/>
             <a:r>
-              <a:rPr lang="ko-KR" altLang="en-US"/>
+              <a:rPr lang="ko-KR" altLang="en-US" smtClean="0"/>
               <a:t>넷째 수준</a:t>
             </a:r>
           </a:p>
           <a:p>
             <a:pPr lvl="4"/>
             <a:r>
-              <a:rPr lang="ko-KR" altLang="en-US"/>
+              <a:rPr lang="ko-KR" altLang="en-US" smtClean="0"/>
               <a:t>다섯째 수준</a:t>
             </a:r>
+            <a:endParaRPr lang="ko-KR" altLang="en-US"/>
           </a:p>
         </p:txBody>
       </p:sp>
@@ -3566,18 +3501,7 @@
   <p:clrMapOvr>
     <a:masterClrMapping/>
   </p:clrMapOvr>
-  <mc:AlternateContent xmlns:mc="http://schemas.openxmlformats.org/markup-compatibility/2006">
-    <mc:Choice xmlns:p159="http://schemas.microsoft.com/office/powerpoint/2015/09/main" Requires="p159">
-      <p:transition>
-        <p159:morph option="byChar"/>
-      </p:transition>
-    </mc:Choice>
-    <mc:Fallback>
-      <p:transition>
-        <p:fade/>
-      </p:transition>
-    </mc:Fallback>
-  </mc:AlternateContent>
+  <p:transition spd="med"/>
 </p:sldLayout>
 </file>
 
@@ -3623,9 +3547,10 @@
           </a:lstStyle>
           <a:p>
             <a:r>
-              <a:rPr lang="ko-KR" altLang="en-US"/>
+              <a:rPr lang="ko-KR" altLang="en-US" smtClean="0"/>
               <a:t>마스터 제목 스타일 편집</a:t>
             </a:r>
+            <a:endParaRPr lang="ko-KR" altLang="en-US"/>
           </a:p>
         </p:txBody>
       </p:sp>
@@ -3688,7 +3613,7 @@
           <a:p>
             <a:pPr lvl="0"/>
             <a:r>
-              <a:rPr lang="ko-KR" altLang="en-US"/>
+              <a:rPr lang="ko-KR" altLang="en-US" smtClean="0"/>
               <a:t>마스터 텍스트 스타일을 편집합니다</a:t>
             </a:r>
           </a:p>
@@ -3744,37 +3669,38 @@
           <a:p>
             <a:pPr lvl="0"/>
             <a:r>
-              <a:rPr lang="ko-KR" altLang="en-US"/>
+              <a:rPr lang="ko-KR" altLang="en-US" smtClean="0"/>
               <a:t>마스터 텍스트 스타일을 편집합니다</a:t>
             </a:r>
           </a:p>
           <a:p>
             <a:pPr lvl="1"/>
             <a:r>
-              <a:rPr lang="ko-KR" altLang="en-US"/>
+              <a:rPr lang="ko-KR" altLang="en-US" smtClean="0"/>
               <a:t>둘째 수준</a:t>
             </a:r>
           </a:p>
           <a:p>
             <a:pPr lvl="2"/>
             <a:r>
-              <a:rPr lang="ko-KR" altLang="en-US"/>
+              <a:rPr lang="ko-KR" altLang="en-US" smtClean="0"/>
               <a:t>셋째 수준</a:t>
             </a:r>
           </a:p>
           <a:p>
             <a:pPr lvl="3"/>
             <a:r>
-              <a:rPr lang="ko-KR" altLang="en-US"/>
+              <a:rPr lang="ko-KR" altLang="en-US" smtClean="0"/>
               <a:t>넷째 수준</a:t>
             </a:r>
           </a:p>
           <a:p>
             <a:pPr lvl="4"/>
             <a:r>
-              <a:rPr lang="ko-KR" altLang="en-US"/>
+              <a:rPr lang="ko-KR" altLang="en-US" smtClean="0"/>
               <a:t>다섯째 수준</a:t>
             </a:r>
+            <a:endParaRPr lang="ko-KR" altLang="en-US"/>
           </a:p>
         </p:txBody>
       </p:sp>
@@ -3837,7 +3763,7 @@
           <a:p>
             <a:pPr lvl="0"/>
             <a:r>
-              <a:rPr lang="ko-KR" altLang="en-US"/>
+              <a:rPr lang="ko-KR" altLang="en-US" smtClean="0"/>
               <a:t>마스터 텍스트 스타일을 편집합니다</a:t>
             </a:r>
           </a:p>
@@ -3893,37 +3819,38 @@
           <a:p>
             <a:pPr lvl="0"/>
             <a:r>
-              <a:rPr lang="ko-KR" altLang="en-US"/>
+              <a:rPr lang="ko-KR" altLang="en-US" smtClean="0"/>
               <a:t>마스터 텍스트 스타일을 편집합니다</a:t>
             </a:r>
           </a:p>
           <a:p>
             <a:pPr lvl="1"/>
             <a:r>
-              <a:rPr lang="ko-KR" altLang="en-US"/>
+              <a:rPr lang="ko-KR" altLang="en-US" smtClean="0"/>
               <a:t>둘째 수준</a:t>
             </a:r>
           </a:p>
           <a:p>
             <a:pPr lvl="2"/>
             <a:r>
-              <a:rPr lang="ko-KR" altLang="en-US"/>
+              <a:rPr lang="ko-KR" altLang="en-US" smtClean="0"/>
               <a:t>셋째 수준</a:t>
             </a:r>
           </a:p>
           <a:p>
             <a:pPr lvl="3"/>
             <a:r>
-              <a:rPr lang="ko-KR" altLang="en-US"/>
+              <a:rPr lang="ko-KR" altLang="en-US" smtClean="0"/>
               <a:t>넷째 수준</a:t>
             </a:r>
           </a:p>
           <a:p>
             <a:pPr lvl="4"/>
             <a:r>
-              <a:rPr lang="ko-KR" altLang="en-US"/>
+              <a:rPr lang="ko-KR" altLang="en-US" smtClean="0"/>
               <a:t>다섯째 수준</a:t>
             </a:r>
+            <a:endParaRPr lang="ko-KR" altLang="en-US"/>
           </a:p>
         </p:txBody>
       </p:sp>
@@ -3937,18 +3864,7 @@
   <p:clrMapOvr>
     <a:masterClrMapping/>
   </p:clrMapOvr>
-  <mc:AlternateContent xmlns:mc="http://schemas.openxmlformats.org/markup-compatibility/2006">
-    <mc:Choice xmlns:p159="http://schemas.microsoft.com/office/powerpoint/2015/09/main" Requires="p159">
-      <p:transition>
-        <p159:morph option="byChar"/>
-      </p:transition>
-    </mc:Choice>
-    <mc:Fallback>
-      <p:transition>
-        <p:fade/>
-      </p:transition>
-    </mc:Fallback>
-  </mc:AlternateContent>
+  <p:transition spd="med"/>
 </p:sldLayout>
 </file>
 
@@ -3985,9 +3901,10 @@
           <a:lstStyle/>
           <a:p>
             <a:r>
-              <a:rPr lang="ko-KR" altLang="en-US"/>
+              <a:rPr lang="ko-KR" altLang="en-US" smtClean="0"/>
               <a:t>마스터 제목 스타일 편집</a:t>
             </a:r>
+            <a:endParaRPr lang="ko-KR" altLang="en-US"/>
           </a:p>
         </p:txBody>
       </p:sp>
@@ -4001,18 +3918,7 @@
   <p:clrMapOvr>
     <a:masterClrMapping/>
   </p:clrMapOvr>
-  <mc:AlternateContent xmlns:mc="http://schemas.openxmlformats.org/markup-compatibility/2006">
-    <mc:Choice xmlns:p159="http://schemas.microsoft.com/office/powerpoint/2015/09/main" Requires="p159">
-      <p:transition>
-        <p159:morph option="byChar"/>
-      </p:transition>
-    </mc:Choice>
-    <mc:Fallback>
-      <p:transition>
-        <p:fade/>
-      </p:transition>
-    </mc:Fallback>
-  </mc:AlternateContent>
+  <p:transition spd="med"/>
 </p:sldLayout>
 </file>
 
@@ -4043,18 +3949,7 @@
   <p:clrMapOvr>
     <a:masterClrMapping/>
   </p:clrMapOvr>
-  <mc:AlternateContent xmlns:mc="http://schemas.openxmlformats.org/markup-compatibility/2006">
-    <mc:Choice xmlns:p159="http://schemas.microsoft.com/office/powerpoint/2015/09/main" Requires="p159">
-      <p:transition>
-        <p159:morph option="byChar"/>
-      </p:transition>
-    </mc:Choice>
-    <mc:Fallback>
-      <p:transition>
-        <p:fade/>
-      </p:transition>
-    </mc:Fallback>
-  </mc:AlternateContent>
+  <p:transition spd="med"/>
 </p:sldLayout>
 </file>
 
@@ -4131,9 +4026,10 @@
           </a:lstStyle>
           <a:p>
             <a:r>
-              <a:rPr lang="ko-KR" altLang="en-US"/>
+              <a:rPr lang="ko-KR" altLang="en-US" smtClean="0"/>
               <a:t>마스터 제목 스타일 편집</a:t>
             </a:r>
+            <a:endParaRPr lang="ko-KR" altLang="en-US"/>
           </a:p>
         </p:txBody>
       </p:sp>
@@ -4190,37 +4086,38 @@
           <a:p>
             <a:pPr lvl="0"/>
             <a:r>
-              <a:rPr lang="ko-KR" altLang="en-US" dirty="0"/>
+              <a:rPr lang="ko-KR" altLang="en-US" dirty="0" smtClean="0"/>
               <a:t>마스터 텍스트 스타일을 편집합니다</a:t>
             </a:r>
           </a:p>
           <a:p>
             <a:pPr lvl="1"/>
             <a:r>
-              <a:rPr lang="ko-KR" altLang="en-US" dirty="0"/>
+              <a:rPr lang="ko-KR" altLang="en-US" dirty="0" smtClean="0"/>
               <a:t>둘째 수준</a:t>
             </a:r>
           </a:p>
           <a:p>
             <a:pPr lvl="2"/>
             <a:r>
-              <a:rPr lang="ko-KR" altLang="en-US" dirty="0"/>
+              <a:rPr lang="ko-KR" altLang="en-US" dirty="0" smtClean="0"/>
               <a:t>셋째 수준</a:t>
             </a:r>
           </a:p>
           <a:p>
             <a:pPr lvl="3"/>
             <a:r>
-              <a:rPr lang="ko-KR" altLang="en-US" dirty="0"/>
+              <a:rPr lang="ko-KR" altLang="en-US" dirty="0" smtClean="0"/>
               <a:t>넷째 수준</a:t>
             </a:r>
           </a:p>
           <a:p>
             <a:pPr lvl="4"/>
             <a:r>
-              <a:rPr lang="ko-KR" altLang="en-US" dirty="0"/>
+              <a:rPr lang="ko-KR" altLang="en-US" dirty="0" smtClean="0"/>
               <a:t>다섯째 수준</a:t>
             </a:r>
+            <a:endParaRPr lang="ko-KR" altLang="en-US" dirty="0"/>
           </a:p>
         </p:txBody>
       </p:sp>
@@ -4234,18 +4131,7 @@
   <p:clrMapOvr>
     <a:masterClrMapping/>
   </p:clrMapOvr>
-  <mc:AlternateContent xmlns:mc="http://schemas.openxmlformats.org/markup-compatibility/2006">
-    <mc:Choice xmlns:p159="http://schemas.microsoft.com/office/powerpoint/2015/09/main" Requires="p159">
-      <p:transition>
-        <p159:morph option="byChar"/>
-      </p:transition>
-    </mc:Choice>
-    <mc:Fallback>
-      <p:transition>
-        <p:fade/>
-      </p:transition>
-    </mc:Fallback>
-  </mc:AlternateContent>
+  <p:transition spd="med"/>
 </p:sldLayout>
 </file>
 
@@ -4291,9 +4177,10 @@
           </a:lstStyle>
           <a:p>
             <a:r>
-              <a:rPr lang="ko-KR" altLang="en-US"/>
+              <a:rPr lang="ko-KR" altLang="en-US" smtClean="0"/>
               <a:t>마스터 제목 스타일 편집</a:t>
             </a:r>
+            <a:endParaRPr lang="ko-KR" altLang="en-US"/>
           </a:p>
         </p:txBody>
       </p:sp>
@@ -4347,37 +4234,38 @@
           <a:p>
             <a:pPr lvl="0"/>
             <a:r>
-              <a:rPr lang="ko-KR" altLang="en-US"/>
+              <a:rPr lang="ko-KR" altLang="en-US" smtClean="0"/>
               <a:t>마스터 텍스트 스타일을 편집합니다</a:t>
             </a:r>
           </a:p>
           <a:p>
             <a:pPr lvl="1"/>
             <a:r>
-              <a:rPr lang="ko-KR" altLang="en-US"/>
+              <a:rPr lang="ko-KR" altLang="en-US" smtClean="0"/>
               <a:t>둘째 수준</a:t>
             </a:r>
           </a:p>
           <a:p>
             <a:pPr lvl="2"/>
             <a:r>
-              <a:rPr lang="ko-KR" altLang="en-US"/>
+              <a:rPr lang="ko-KR" altLang="en-US" smtClean="0"/>
               <a:t>셋째 수준</a:t>
             </a:r>
           </a:p>
           <a:p>
             <a:pPr lvl="3"/>
             <a:r>
-              <a:rPr lang="ko-KR" altLang="en-US"/>
+              <a:rPr lang="ko-KR" altLang="en-US" smtClean="0"/>
               <a:t>넷째 수준</a:t>
             </a:r>
           </a:p>
           <a:p>
             <a:pPr lvl="4"/>
             <a:r>
-              <a:rPr lang="ko-KR" altLang="en-US"/>
+              <a:rPr lang="ko-KR" altLang="en-US" smtClean="0"/>
               <a:t>다섯째 수준</a:t>
             </a:r>
+            <a:endParaRPr lang="ko-KR" altLang="en-US"/>
           </a:p>
         </p:txBody>
       </p:sp>
@@ -4440,7 +4328,7 @@
           <a:p>
             <a:pPr lvl="0"/>
             <a:r>
-              <a:rPr lang="ko-KR" altLang="en-US"/>
+              <a:rPr lang="ko-KR" altLang="en-US" smtClean="0"/>
               <a:t>마스터 텍스트 스타일을 편집합니다</a:t>
             </a:r>
           </a:p>
@@ -4456,18 +4344,7 @@
   <p:clrMapOvr>
     <a:masterClrMapping/>
   </p:clrMapOvr>
-  <mc:AlternateContent xmlns:mc="http://schemas.openxmlformats.org/markup-compatibility/2006">
-    <mc:Choice xmlns:p159="http://schemas.microsoft.com/office/powerpoint/2015/09/main" Requires="p159">
-      <p:transition>
-        <p159:morph option="byChar"/>
-      </p:transition>
-    </mc:Choice>
-    <mc:Fallback>
-      <p:transition>
-        <p:fade/>
-      </p:transition>
-    </mc:Fallback>
-  </mc:AlternateContent>
+  <p:transition spd="med"/>
 </p:sldLayout>
 </file>
 
@@ -4513,9 +4390,10 @@
           </a:lstStyle>
           <a:p>
             <a:r>
-              <a:rPr lang="ko-KR" altLang="en-US"/>
+              <a:rPr lang="ko-KR" altLang="en-US" smtClean="0"/>
               <a:t>마스터 제목 스타일 편집</a:t>
             </a:r>
+            <a:endParaRPr lang="ko-KR" altLang="en-US"/>
           </a:p>
         </p:txBody>
       </p:sp>
@@ -4577,7 +4455,7 @@
           </a:lstStyle>
           <a:p>
             <a:pPr lvl="0"/>
-            <a:endParaRPr lang="ko-KR" altLang="en-US" noProof="0"/>
+            <a:endParaRPr lang="ko-KR" altLang="en-US" noProof="0" smtClean="0"/>
           </a:p>
         </p:txBody>
       </p:sp>
@@ -4640,7 +4518,7 @@
           <a:p>
             <a:pPr lvl="0"/>
             <a:r>
-              <a:rPr lang="ko-KR" altLang="en-US"/>
+              <a:rPr lang="ko-KR" altLang="en-US" smtClean="0"/>
               <a:t>마스터 텍스트 스타일을 편집합니다</a:t>
             </a:r>
           </a:p>
@@ -4656,18 +4534,7 @@
   <p:clrMapOvr>
     <a:masterClrMapping/>
   </p:clrMapOvr>
-  <mc:AlternateContent xmlns:mc="http://schemas.openxmlformats.org/markup-compatibility/2006">
-    <mc:Choice xmlns:p159="http://schemas.microsoft.com/office/powerpoint/2015/09/main" Requires="p159">
-      <p:transition>
-        <p159:morph option="byChar"/>
-      </p:transition>
-    </mc:Choice>
-    <mc:Fallback>
-      <p:transition>
-        <p:fade/>
-      </p:transition>
-    </mc:Fallback>
-  </mc:AlternateContent>
+  <p:transition spd="med"/>
 </p:sldLayout>
 </file>
 
@@ -4704,9 +4571,10 @@
           <a:lstStyle/>
           <a:p>
             <a:r>
-              <a:rPr lang="ko-KR" altLang="en-US"/>
+              <a:rPr lang="ko-KR" altLang="en-US" smtClean="0"/>
               <a:t>마스터 제목 스타일 편집</a:t>
             </a:r>
+            <a:endParaRPr lang="ko-KR" altLang="en-US"/>
           </a:p>
         </p:txBody>
       </p:sp>
@@ -4727,37 +4595,38 @@
           <a:p>
             <a:pPr lvl="0"/>
             <a:r>
-              <a:rPr lang="ko-KR" altLang="en-US"/>
+              <a:rPr lang="ko-KR" altLang="en-US" smtClean="0"/>
               <a:t>마스터 텍스트 스타일을 편집합니다</a:t>
             </a:r>
           </a:p>
           <a:p>
             <a:pPr lvl="1"/>
             <a:r>
-              <a:rPr lang="ko-KR" altLang="en-US"/>
+              <a:rPr lang="ko-KR" altLang="en-US" smtClean="0"/>
               <a:t>둘째 수준</a:t>
             </a:r>
           </a:p>
           <a:p>
             <a:pPr lvl="2"/>
             <a:r>
-              <a:rPr lang="ko-KR" altLang="en-US"/>
+              <a:rPr lang="ko-KR" altLang="en-US" smtClean="0"/>
               <a:t>셋째 수준</a:t>
             </a:r>
           </a:p>
           <a:p>
             <a:pPr lvl="3"/>
             <a:r>
-              <a:rPr lang="ko-KR" altLang="en-US"/>
+              <a:rPr lang="ko-KR" altLang="en-US" smtClean="0"/>
               <a:t>넷째 수준</a:t>
             </a:r>
           </a:p>
           <a:p>
             <a:pPr lvl="4"/>
             <a:r>
-              <a:rPr lang="ko-KR" altLang="en-US"/>
+              <a:rPr lang="ko-KR" altLang="en-US" smtClean="0"/>
               <a:t>다섯째 수준</a:t>
             </a:r>
+            <a:endParaRPr lang="ko-KR" altLang="en-US"/>
           </a:p>
         </p:txBody>
       </p:sp>
@@ -4771,18 +4640,7 @@
   <p:clrMapOvr>
     <a:masterClrMapping/>
   </p:clrMapOvr>
-  <mc:AlternateContent xmlns:mc="http://schemas.openxmlformats.org/markup-compatibility/2006">
-    <mc:Choice xmlns:p159="http://schemas.microsoft.com/office/powerpoint/2015/09/main" Requires="p159">
-      <p:transition>
-        <p159:morph option="byChar"/>
-      </p:transition>
-    </mc:Choice>
-    <mc:Fallback>
-      <p:transition>
-        <p:fade/>
-      </p:transition>
-    </mc:Fallback>
-  </mc:AlternateContent>
+  <p:transition spd="med"/>
 </p:sldLayout>
 </file>
 
@@ -4824,9 +4682,10 @@
           <a:lstStyle/>
           <a:p>
             <a:r>
-              <a:rPr lang="ko-KR" altLang="en-US"/>
+              <a:rPr lang="ko-KR" altLang="en-US" smtClean="0"/>
               <a:t>마스터 제목 스타일 편집</a:t>
             </a:r>
+            <a:endParaRPr lang="ko-KR" altLang="en-US"/>
           </a:p>
         </p:txBody>
       </p:sp>
@@ -4852,37 +4711,38 @@
           <a:p>
             <a:pPr lvl="0"/>
             <a:r>
-              <a:rPr lang="ko-KR" altLang="en-US"/>
+              <a:rPr lang="ko-KR" altLang="en-US" smtClean="0"/>
               <a:t>마스터 텍스트 스타일을 편집합니다</a:t>
             </a:r>
           </a:p>
           <a:p>
             <a:pPr lvl="1"/>
             <a:r>
-              <a:rPr lang="ko-KR" altLang="en-US"/>
+              <a:rPr lang="ko-KR" altLang="en-US" smtClean="0"/>
               <a:t>둘째 수준</a:t>
             </a:r>
           </a:p>
           <a:p>
             <a:pPr lvl="2"/>
             <a:r>
-              <a:rPr lang="ko-KR" altLang="en-US"/>
+              <a:rPr lang="ko-KR" altLang="en-US" smtClean="0"/>
               <a:t>셋째 수준</a:t>
             </a:r>
           </a:p>
           <a:p>
             <a:pPr lvl="3"/>
             <a:r>
-              <a:rPr lang="ko-KR" altLang="en-US"/>
+              <a:rPr lang="ko-KR" altLang="en-US" smtClean="0"/>
               <a:t>넷째 수준</a:t>
             </a:r>
           </a:p>
           <a:p>
             <a:pPr lvl="4"/>
             <a:r>
-              <a:rPr lang="ko-KR" altLang="en-US"/>
+              <a:rPr lang="ko-KR" altLang="en-US" smtClean="0"/>
               <a:t>다섯째 수준</a:t>
             </a:r>
+            <a:endParaRPr lang="ko-KR" altLang="en-US"/>
           </a:p>
         </p:txBody>
       </p:sp>
@@ -4896,18 +4756,7 @@
   <p:clrMapOvr>
     <a:masterClrMapping/>
   </p:clrMapOvr>
-  <mc:AlternateContent xmlns:mc="http://schemas.openxmlformats.org/markup-compatibility/2006">
-    <mc:Choice xmlns:p159="http://schemas.microsoft.com/office/powerpoint/2015/09/main" Requires="p159">
-      <p:transition>
-        <p159:morph option="byChar"/>
-      </p:transition>
-    </mc:Choice>
-    <mc:Fallback>
-      <p:transition>
-        <p:fade/>
-      </p:transition>
-    </mc:Fallback>
-  </mc:AlternateContent>
+  <p:transition spd="med"/>
 </p:sldLayout>
 </file>
 
@@ -4953,9 +4802,10 @@
           </a:lstStyle>
           <a:p>
             <a:r>
-              <a:rPr lang="ko-KR" altLang="en-US"/>
+              <a:rPr lang="ko-KR" altLang="en-US" smtClean="0"/>
               <a:t>마스터 제목 스타일 편집</a:t>
             </a:r>
+            <a:endParaRPr lang="ko-KR" altLang="en-US"/>
           </a:p>
         </p:txBody>
       </p:sp>
@@ -5018,7 +4868,7 @@
           <a:p>
             <a:pPr lvl="0"/>
             <a:r>
-              <a:rPr lang="ko-KR" altLang="en-US"/>
+              <a:rPr lang="ko-KR" altLang="en-US" smtClean="0"/>
               <a:t>마스터 텍스트 스타일을 편집합니다</a:t>
             </a:r>
           </a:p>
@@ -5034,18 +4884,7 @@
   <p:clrMapOvr>
     <a:masterClrMapping/>
   </p:clrMapOvr>
-  <mc:AlternateContent xmlns:mc="http://schemas.openxmlformats.org/markup-compatibility/2006">
-    <mc:Choice xmlns:p159="http://schemas.microsoft.com/office/powerpoint/2015/09/main" Requires="p159">
-      <p:transition>
-        <p159:morph option="byChar"/>
-      </p:transition>
-    </mc:Choice>
-    <mc:Fallback>
-      <p:transition>
-        <p:fade/>
-      </p:transition>
-    </mc:Fallback>
-  </mc:AlternateContent>
+  <p:transition spd="med"/>
 </p:sldLayout>
 </file>
 
@@ -5082,9 +4921,10 @@
           <a:lstStyle/>
           <a:p>
             <a:r>
-              <a:rPr lang="ko-KR" altLang="en-US"/>
+              <a:rPr lang="ko-KR" altLang="en-US" smtClean="0"/>
               <a:t>마스터 제목 스타일 편집</a:t>
             </a:r>
+            <a:endParaRPr lang="ko-KR" altLang="en-US"/>
           </a:p>
         </p:txBody>
       </p:sp>
@@ -5138,37 +4978,38 @@
           <a:p>
             <a:pPr lvl="0"/>
             <a:r>
-              <a:rPr lang="ko-KR" altLang="en-US"/>
+              <a:rPr lang="ko-KR" altLang="en-US" smtClean="0"/>
               <a:t>마스터 텍스트 스타일을 편집합니다</a:t>
             </a:r>
           </a:p>
           <a:p>
             <a:pPr lvl="1"/>
             <a:r>
-              <a:rPr lang="ko-KR" altLang="en-US"/>
+              <a:rPr lang="ko-KR" altLang="en-US" smtClean="0"/>
               <a:t>둘째 수준</a:t>
             </a:r>
           </a:p>
           <a:p>
             <a:pPr lvl="2"/>
             <a:r>
-              <a:rPr lang="ko-KR" altLang="en-US"/>
+              <a:rPr lang="ko-KR" altLang="en-US" smtClean="0"/>
               <a:t>셋째 수준</a:t>
             </a:r>
           </a:p>
           <a:p>
             <a:pPr lvl="3"/>
             <a:r>
-              <a:rPr lang="ko-KR" altLang="en-US"/>
+              <a:rPr lang="ko-KR" altLang="en-US" smtClean="0"/>
               <a:t>넷째 수준</a:t>
             </a:r>
           </a:p>
           <a:p>
             <a:pPr lvl="4"/>
             <a:r>
-              <a:rPr lang="ko-KR" altLang="en-US"/>
+              <a:rPr lang="ko-KR" altLang="en-US" smtClean="0"/>
               <a:t>다섯째 수준</a:t>
             </a:r>
+            <a:endParaRPr lang="ko-KR" altLang="en-US"/>
           </a:p>
         </p:txBody>
       </p:sp>
@@ -5222,37 +5063,38 @@
           <a:p>
             <a:pPr lvl="0"/>
             <a:r>
-              <a:rPr lang="ko-KR" altLang="en-US"/>
+              <a:rPr lang="ko-KR" altLang="en-US" smtClean="0"/>
               <a:t>마스터 텍스트 스타일을 편집합니다</a:t>
             </a:r>
           </a:p>
           <a:p>
             <a:pPr lvl="1"/>
             <a:r>
-              <a:rPr lang="ko-KR" altLang="en-US"/>
+              <a:rPr lang="ko-KR" altLang="en-US" smtClean="0"/>
               <a:t>둘째 수준</a:t>
             </a:r>
           </a:p>
           <a:p>
             <a:pPr lvl="2"/>
             <a:r>
-              <a:rPr lang="ko-KR" altLang="en-US"/>
+              <a:rPr lang="ko-KR" altLang="en-US" smtClean="0"/>
               <a:t>셋째 수준</a:t>
             </a:r>
           </a:p>
           <a:p>
             <a:pPr lvl="3"/>
             <a:r>
-              <a:rPr lang="ko-KR" altLang="en-US"/>
+              <a:rPr lang="ko-KR" altLang="en-US" smtClean="0"/>
               <a:t>넷째 수준</a:t>
             </a:r>
           </a:p>
           <a:p>
             <a:pPr lvl="4"/>
             <a:r>
-              <a:rPr lang="ko-KR" altLang="en-US"/>
+              <a:rPr lang="ko-KR" altLang="en-US" smtClean="0"/>
               <a:t>다섯째 수준</a:t>
             </a:r>
+            <a:endParaRPr lang="ko-KR" altLang="en-US"/>
           </a:p>
         </p:txBody>
       </p:sp>
@@ -5266,18 +5108,7 @@
   <p:clrMapOvr>
     <a:masterClrMapping/>
   </p:clrMapOvr>
-  <mc:AlternateContent xmlns:mc="http://schemas.openxmlformats.org/markup-compatibility/2006">
-    <mc:Choice xmlns:p159="http://schemas.microsoft.com/office/powerpoint/2015/09/main" Requires="p159">
-      <p:transition>
-        <p159:morph option="byChar"/>
-      </p:transition>
-    </mc:Choice>
-    <mc:Fallback>
-      <p:transition>
-        <p:fade/>
-      </p:transition>
-    </mc:Fallback>
-  </mc:AlternateContent>
+  <p:transition spd="med"/>
 </p:sldLayout>
 </file>
 
@@ -5314,9 +5145,10 @@
           <a:lstStyle/>
           <a:p>
             <a:r>
-              <a:rPr lang="ko-KR" altLang="en-US"/>
+              <a:rPr lang="ko-KR" altLang="en-US" smtClean="0"/>
               <a:t>마스터 제목 스타일 편집</a:t>
             </a:r>
+            <a:endParaRPr lang="ko-KR" altLang="en-US"/>
           </a:p>
         </p:txBody>
       </p:sp>
@@ -5330,18 +5162,7 @@
   <p:clrMapOvr>
     <a:masterClrMapping/>
   </p:clrMapOvr>
-  <mc:AlternateContent xmlns:mc="http://schemas.openxmlformats.org/markup-compatibility/2006">
-    <mc:Choice xmlns:p159="http://schemas.microsoft.com/office/powerpoint/2015/09/main" Requires="p159">
-      <p:transition>
-        <p159:morph option="byChar"/>
-      </p:transition>
-    </mc:Choice>
-    <mc:Fallback>
-      <p:transition>
-        <p:fade/>
-      </p:transition>
-    </mc:Fallback>
-  </mc:AlternateContent>
+  <p:transition spd="med"/>
 </p:sldLayout>
 </file>
 
@@ -5372,18 +5193,7 @@
   <p:clrMapOvr>
     <a:masterClrMapping/>
   </p:clrMapOvr>
-  <mc:AlternateContent xmlns:mc="http://schemas.openxmlformats.org/markup-compatibility/2006">
-    <mc:Choice xmlns:p159="http://schemas.microsoft.com/office/powerpoint/2015/09/main" Requires="p159">
-      <p:transition>
-        <p159:morph option="byChar"/>
-      </p:transition>
-    </mc:Choice>
-    <mc:Fallback>
-      <p:transition>
-        <p:fade/>
-      </p:transition>
-    </mc:Fallback>
-  </mc:AlternateContent>
+  <p:transition spd="med"/>
 </p:sldLayout>
 </file>
 
@@ -5429,9 +5239,10 @@
           </a:lstStyle>
           <a:p>
             <a:r>
-              <a:rPr lang="ko-KR" altLang="en-US"/>
+              <a:rPr lang="ko-KR" altLang="en-US" smtClean="0"/>
               <a:t>마스터 제목 스타일 편집</a:t>
             </a:r>
+            <a:endParaRPr lang="ko-KR" altLang="en-US"/>
           </a:p>
         </p:txBody>
       </p:sp>
@@ -5485,37 +5296,38 @@
           <a:p>
             <a:pPr lvl="0"/>
             <a:r>
-              <a:rPr lang="ko-KR" altLang="en-US"/>
+              <a:rPr lang="ko-KR" altLang="en-US" smtClean="0"/>
               <a:t>마스터 텍스트 스타일을 편집합니다</a:t>
             </a:r>
           </a:p>
           <a:p>
             <a:pPr lvl="1"/>
             <a:r>
-              <a:rPr lang="ko-KR" altLang="en-US"/>
+              <a:rPr lang="ko-KR" altLang="en-US" smtClean="0"/>
               <a:t>둘째 수준</a:t>
             </a:r>
           </a:p>
           <a:p>
             <a:pPr lvl="2"/>
             <a:r>
-              <a:rPr lang="ko-KR" altLang="en-US"/>
+              <a:rPr lang="ko-KR" altLang="en-US" smtClean="0"/>
               <a:t>셋째 수준</a:t>
             </a:r>
           </a:p>
           <a:p>
             <a:pPr lvl="3"/>
             <a:r>
-              <a:rPr lang="ko-KR" altLang="en-US"/>
+              <a:rPr lang="ko-KR" altLang="en-US" smtClean="0"/>
               <a:t>넷째 수준</a:t>
             </a:r>
           </a:p>
           <a:p>
             <a:pPr lvl="4"/>
             <a:r>
-              <a:rPr lang="ko-KR" altLang="en-US"/>
+              <a:rPr lang="ko-KR" altLang="en-US" smtClean="0"/>
               <a:t>다섯째 수준</a:t>
             </a:r>
+            <a:endParaRPr lang="ko-KR" altLang="en-US"/>
           </a:p>
         </p:txBody>
       </p:sp>
@@ -5578,7 +5390,7 @@
           <a:p>
             <a:pPr lvl="0"/>
             <a:r>
-              <a:rPr lang="ko-KR" altLang="en-US"/>
+              <a:rPr lang="ko-KR" altLang="en-US" smtClean="0"/>
               <a:t>마스터 텍스트 스타일을 편집합니다</a:t>
             </a:r>
           </a:p>
@@ -5594,18 +5406,7 @@
   <p:clrMapOvr>
     <a:masterClrMapping/>
   </p:clrMapOvr>
-  <mc:AlternateContent xmlns:mc="http://schemas.openxmlformats.org/markup-compatibility/2006">
-    <mc:Choice xmlns:p159="http://schemas.microsoft.com/office/powerpoint/2015/09/main" Requires="p159">
-      <p:transition>
-        <p159:morph option="byChar"/>
-      </p:transition>
-    </mc:Choice>
-    <mc:Fallback>
-      <p:transition>
-        <p:fade/>
-      </p:transition>
-    </mc:Fallback>
-  </mc:AlternateContent>
+  <p:transition spd="med"/>
 </p:sldLayout>
 </file>
 
@@ -5651,9 +5452,10 @@
           </a:lstStyle>
           <a:p>
             <a:r>
-              <a:rPr lang="ko-KR" altLang="en-US"/>
+              <a:rPr lang="ko-KR" altLang="en-US" smtClean="0"/>
               <a:t>마스터 제목 스타일 편집</a:t>
             </a:r>
+            <a:endParaRPr lang="ko-KR" altLang="en-US"/>
           </a:p>
         </p:txBody>
       </p:sp>
@@ -5715,7 +5517,7 @@
           </a:lstStyle>
           <a:p>
             <a:pPr lvl="0"/>
-            <a:endParaRPr lang="ko-KR" altLang="en-US" noProof="0"/>
+            <a:endParaRPr lang="ko-KR" altLang="en-US" noProof="0" smtClean="0"/>
           </a:p>
         </p:txBody>
       </p:sp>
@@ -5778,7 +5580,7 @@
           <a:p>
             <a:pPr lvl="0"/>
             <a:r>
-              <a:rPr lang="ko-KR" altLang="en-US"/>
+              <a:rPr lang="ko-KR" altLang="en-US" smtClean="0"/>
               <a:t>마스터 텍스트 스타일을 편집합니다</a:t>
             </a:r>
           </a:p>
@@ -5794,18 +5596,7 @@
   <p:clrMapOvr>
     <a:masterClrMapping/>
   </p:clrMapOvr>
-  <mc:AlternateContent xmlns:mc="http://schemas.openxmlformats.org/markup-compatibility/2006">
-    <mc:Choice xmlns:p159="http://schemas.microsoft.com/office/powerpoint/2015/09/main" Requires="p159">
-      <p:transition>
-        <p159:morph option="byChar"/>
-      </p:transition>
-    </mc:Choice>
-    <mc:Fallback>
-      <p:transition>
-        <p:fade/>
-      </p:transition>
-    </mc:Fallback>
-  </mc:AlternateContent>
+  <p:transition spd="med"/>
 </p:sldLayout>
 </file>
 
@@ -5847,9 +5638,10 @@
           <a:lstStyle/>
           <a:p>
             <a:r>
-              <a:rPr lang="ko-KR" altLang="en-US"/>
+              <a:rPr lang="ko-KR" altLang="en-US" smtClean="0"/>
               <a:t>마스터 제목 스타일 편집</a:t>
             </a:r>
+            <a:endParaRPr lang="ko-KR" altLang="en-US"/>
           </a:p>
         </p:txBody>
       </p:sp>
@@ -5870,37 +5662,38 @@
           <a:p>
             <a:pPr lvl="0"/>
             <a:r>
-              <a:rPr lang="ko-KR" altLang="en-US"/>
+              <a:rPr lang="ko-KR" altLang="en-US" smtClean="0"/>
               <a:t>마스터 텍스트 스타일을 편집합니다</a:t>
             </a:r>
           </a:p>
           <a:p>
             <a:pPr lvl="1"/>
             <a:r>
-              <a:rPr lang="ko-KR" altLang="en-US"/>
+              <a:rPr lang="ko-KR" altLang="en-US" smtClean="0"/>
               <a:t>둘째 수준</a:t>
             </a:r>
           </a:p>
           <a:p>
             <a:pPr lvl="2"/>
             <a:r>
-              <a:rPr lang="ko-KR" altLang="en-US"/>
+              <a:rPr lang="ko-KR" altLang="en-US" smtClean="0"/>
               <a:t>셋째 수준</a:t>
             </a:r>
           </a:p>
           <a:p>
             <a:pPr lvl="3"/>
             <a:r>
-              <a:rPr lang="ko-KR" altLang="en-US"/>
+              <a:rPr lang="ko-KR" altLang="en-US" smtClean="0"/>
               <a:t>넷째 수준</a:t>
             </a:r>
           </a:p>
           <a:p>
             <a:pPr lvl="4"/>
             <a:r>
-              <a:rPr lang="ko-KR" altLang="en-US"/>
+              <a:rPr lang="ko-KR" altLang="en-US" smtClean="0"/>
               <a:t>다섯째 수준</a:t>
             </a:r>
+            <a:endParaRPr lang="ko-KR" altLang="en-US"/>
           </a:p>
         </p:txBody>
       </p:sp>
@@ -5914,18 +5707,7 @@
   <p:clrMapOvr>
     <a:masterClrMapping/>
   </p:clrMapOvr>
-  <mc:AlternateContent xmlns:mc="http://schemas.openxmlformats.org/markup-compatibility/2006">
-    <mc:Choice xmlns:p159="http://schemas.microsoft.com/office/powerpoint/2015/09/main" Requires="p159">
-      <p:transition>
-        <p159:morph option="byChar"/>
-      </p:transition>
-    </mc:Choice>
-    <mc:Fallback>
-      <p:transition>
-        <p:fade/>
-      </p:transition>
-    </mc:Fallback>
-  </mc:AlternateContent>
+  <p:transition spd="med"/>
 </p:sldLayout>
 </file>
 
@@ -6102,7 +5884,7 @@
             <a:pPr algn="ctr" eaLnBrk="1" latinLnBrk="1" hangingPunct="1">
               <a:defRPr/>
             </a:pPr>
-            <a:endParaRPr lang="ko-KR" altLang="ko-KR" sz="1800">
+            <a:endParaRPr lang="ko-KR" altLang="ko-KR" sz="1800" smtClean="0">
               <a:solidFill>
                 <a:schemeClr val="bg1"/>
               </a:solidFill>
@@ -6162,7 +5944,7 @@
           <a:p>
             <a:pPr lvl="0"/>
             <a:r>
-              <a:rPr lang="ko-KR" altLang="en-US"/>
+              <a:rPr lang="ko-KR" altLang="en-US" smtClean="0"/>
               <a:t>마스터 제목 스타일 편집</a:t>
             </a:r>
           </a:p>
@@ -6220,42 +6002,42 @@
           <a:p>
             <a:pPr lvl="0"/>
             <a:r>
-              <a:rPr lang="en-US" altLang="ko-KR"/>
+              <a:rPr lang="en-US" altLang="ko-KR" smtClean="0"/>
               <a:t>1</a:t>
             </a:r>
-            <a:endParaRPr lang="ko-KR" altLang="en-US"/>
+            <a:endParaRPr lang="ko-KR" altLang="en-US" smtClean="0"/>
           </a:p>
           <a:p>
             <a:pPr lvl="1"/>
             <a:r>
-              <a:rPr lang="en-US" altLang="ko-KR"/>
+              <a:rPr lang="en-US" altLang="ko-KR" smtClean="0"/>
               <a:t>2</a:t>
             </a:r>
-            <a:endParaRPr lang="ko-KR" altLang="en-US"/>
+            <a:endParaRPr lang="ko-KR" altLang="en-US" smtClean="0"/>
           </a:p>
           <a:p>
             <a:pPr lvl="2"/>
             <a:r>
-              <a:rPr lang="en-US" altLang="ko-KR"/>
+              <a:rPr lang="en-US" altLang="ko-KR" smtClean="0"/>
               <a:t>3</a:t>
             </a:r>
-            <a:endParaRPr lang="ko-KR" altLang="en-US"/>
+            <a:endParaRPr lang="ko-KR" altLang="en-US" smtClean="0"/>
           </a:p>
           <a:p>
             <a:pPr lvl="3"/>
             <a:r>
-              <a:rPr lang="en-US" altLang="ko-KR"/>
+              <a:rPr lang="en-US" altLang="ko-KR" smtClean="0"/>
               <a:t>4</a:t>
             </a:r>
-            <a:endParaRPr lang="ko-KR" altLang="en-US"/>
+            <a:endParaRPr lang="ko-KR" altLang="en-US" smtClean="0"/>
           </a:p>
           <a:p>
             <a:pPr lvl="4"/>
             <a:r>
-              <a:rPr lang="en-US" altLang="ko-KR"/>
+              <a:rPr lang="en-US" altLang="ko-KR" smtClean="0"/>
               <a:t>5</a:t>
             </a:r>
-            <a:endParaRPr lang="ko-KR" altLang="en-US"/>
+            <a:endParaRPr lang="ko-KR" altLang="en-US" smtClean="0"/>
           </a:p>
         </p:txBody>
       </p:sp>
@@ -6408,7 +6190,7 @@
               <a:defRPr/>
             </a:pPr>
             <a:r>
-              <a:rPr lang="en-US" altLang="ko-KR" sz="1200">
+              <a:rPr lang="en-US" altLang="ko-KR" sz="1200" smtClean="0">
                 <a:solidFill>
                   <a:schemeClr val="bg1"/>
                 </a:solidFill>
@@ -6417,7 +6199,7 @@
               </a:rPr>
               <a:t>      Advanced Broadcasting &amp; Communications Lab.</a:t>
             </a:r>
-            <a:endParaRPr lang="en-US" altLang="ko-KR" sz="1800">
+            <a:endParaRPr lang="en-US" altLang="ko-KR" sz="1800" smtClean="0">
               <a:solidFill>
                 <a:schemeClr val="bg1"/>
               </a:solidFill>
@@ -6594,7 +6376,7 @@
               </a:pPr>
               <a:t>‹#›</a:t>
             </a:fld>
-            <a:endParaRPr lang="en-US" altLang="ko-KR" sz="1200">
+            <a:endParaRPr lang="en-US" altLang="ko-KR" sz="1200" smtClean="0">
               <a:solidFill>
                 <a:schemeClr val="bg1"/>
               </a:solidFill>
@@ -7087,7 +6869,7 @@
                 <a:defRPr/>
               </a:pPr>
               <a:r>
-                <a:rPr lang="en-US" altLang="ko-KR" sz="1600" i="1">
+                <a:rPr lang="en-US" altLang="ko-KR" sz="1600" i="1" smtClean="0">
                   <a:solidFill>
                     <a:srgbClr val="99CC00"/>
                   </a:solidFill>
@@ -7254,7 +7036,7 @@
                 <a:defRPr/>
               </a:pPr>
               <a:r>
-                <a:rPr lang="en-US" altLang="ko-KR" sz="2200" i="1">
+                <a:rPr lang="en-US" altLang="ko-KR" sz="2200" i="1" smtClean="0">
                   <a:solidFill>
                     <a:schemeClr val="bg1"/>
                   </a:solidFill>
@@ -7421,7 +7203,7 @@
                 <a:defRPr/>
               </a:pPr>
               <a:r>
-                <a:rPr lang="ko-KR" altLang="en-US" sz="900" i="1">
+                <a:rPr lang="ko-KR" altLang="en-US" sz="900" i="1" smtClean="0">
                   <a:solidFill>
                     <a:schemeClr val="bg1"/>
                   </a:solidFill>
@@ -7430,7 +7212,7 @@
                 <a:t>세계로</a:t>
               </a:r>
               <a:r>
-                <a:rPr lang="ko-KR" altLang="en-US" sz="900" i="1">
+                <a:rPr lang="ko-KR" altLang="en-US" sz="900" i="1" smtClean="0">
                   <a:solidFill>
                     <a:schemeClr val="bg2"/>
                   </a:solidFill>
@@ -7439,7 +7221,7 @@
                 <a:t> </a:t>
               </a:r>
               <a:r>
-                <a:rPr lang="ko-KR" altLang="en-US" sz="900" i="1">
+                <a:rPr lang="ko-KR" altLang="en-US" sz="900" i="1" smtClean="0">
                   <a:solidFill>
                     <a:schemeClr val="bg1"/>
                   </a:solidFill>
@@ -7468,18 +7250,14 @@
     <p:sldLayoutId id="2147484488" r:id="rId11"/>
     <p:sldLayoutId id="2147484489" r:id="rId12"/>
   </p:sldLayoutIdLst>
-  <mc:AlternateContent xmlns:mc="http://schemas.openxmlformats.org/markup-compatibility/2006">
-    <mc:Choice xmlns:p159="http://schemas.microsoft.com/office/powerpoint/2015/09/main" Requires="p159">
-      <p:transition>
-        <p159:morph option="byChar"/>
-      </p:transition>
-    </mc:Choice>
-    <mc:Fallback>
-      <p:transition>
-        <p:fade/>
-      </p:transition>
-    </mc:Fallback>
-  </mc:AlternateContent>
+  <p:transition spd="med"/>
+  <p:timing>
+    <p:tnLst>
+      <p:par>
+        <p:cTn id="1" dur="indefinite" restart="never" nodeType="tmRoot"/>
+      </p:par>
+    </p:tnLst>
+  </p:timing>
   <p:txStyles>
     <p:titleStyle>
       <a:lvl1pPr algn="r" rtl="0" eaLnBrk="0" fontAlgn="base" latinLnBrk="1" hangingPunct="0">
@@ -8047,14 +7825,14 @@
               <a:defRPr/>
             </a:pPr>
             <a:r>
-              <a:rPr lang="en-US" altLang="ko-KR" sz="1200">
+              <a:rPr lang="en-US" altLang="ko-KR" sz="1200" smtClean="0">
                 <a:solidFill>
                   <a:schemeClr val="bg1"/>
                 </a:solidFill>
               </a:rPr>
               <a:t>Broadcasting &amp; Communication Systems Lab.</a:t>
             </a:r>
-            <a:endParaRPr lang="en-US" altLang="ko-KR" sz="1800">
+            <a:endParaRPr lang="en-US" altLang="ko-KR" sz="1800" smtClean="0">
               <a:solidFill>
                 <a:schemeClr val="bg1"/>
               </a:solidFill>
@@ -8229,7 +8007,7 @@
               </a:pPr>
               <a:t>‹#›</a:t>
             </a:fld>
-            <a:endParaRPr lang="en-US" altLang="ko-KR" sz="1200">
+            <a:endParaRPr lang="en-US" altLang="ko-KR" sz="1200" smtClean="0">
               <a:solidFill>
                 <a:schemeClr val="bg1"/>
               </a:solidFill>
@@ -8471,7 +8249,7 @@
             <a:pPr algn="r" eaLnBrk="1" latinLnBrk="1" hangingPunct="1">
               <a:defRPr/>
             </a:pPr>
-            <a:endParaRPr lang="ko-KR" altLang="ko-KR" sz="1000">
+            <a:endParaRPr lang="ko-KR" altLang="ko-KR" sz="1000" smtClean="0">
               <a:solidFill>
                 <a:schemeClr val="bg1"/>
               </a:solidFill>
@@ -8800,42 +8578,42 @@
           <a:p>
             <a:pPr lvl="0"/>
             <a:r>
-              <a:rPr lang="ko-KR" altLang="en-US"/>
+              <a:rPr lang="ko-KR" altLang="en-US" smtClean="0"/>
               <a:t>마스터 텍스트 스타일을 편집합니다</a:t>
             </a:r>
           </a:p>
           <a:p>
             <a:pPr lvl="1"/>
             <a:r>
-              <a:rPr lang="ko-KR" altLang="en-US"/>
+              <a:rPr lang="ko-KR" altLang="en-US" smtClean="0"/>
               <a:t>둘째 수준</a:t>
             </a:r>
           </a:p>
           <a:p>
             <a:pPr lvl="2"/>
             <a:r>
-              <a:rPr lang="ko-KR" altLang="en-US"/>
+              <a:rPr lang="ko-KR" altLang="en-US" smtClean="0"/>
               <a:t>셋째 수준</a:t>
             </a:r>
           </a:p>
           <a:p>
             <a:pPr lvl="3"/>
             <a:r>
-              <a:rPr lang="ko-KR" altLang="en-US"/>
+              <a:rPr lang="ko-KR" altLang="en-US" smtClean="0"/>
               <a:t>넷째 수준</a:t>
             </a:r>
           </a:p>
           <a:p>
             <a:pPr lvl="4"/>
             <a:r>
-              <a:rPr lang="ko-KR" altLang="en-US"/>
+              <a:rPr lang="ko-KR" altLang="en-US" smtClean="0"/>
               <a:t>다섯째 수준</a:t>
             </a:r>
             <a:r>
-              <a:rPr lang="en-US" altLang="ko-KR"/>
+              <a:rPr lang="en-US" altLang="ko-KR" smtClean="0"/>
               <a:t>z</a:t>
             </a:r>
-            <a:endParaRPr lang="ko-KR" altLang="en-US"/>
+            <a:endParaRPr lang="ko-KR" altLang="en-US" smtClean="0"/>
           </a:p>
         </p:txBody>
       </p:sp>
@@ -8891,7 +8669,7 @@
           <a:p>
             <a:pPr lvl="0"/>
             <a:r>
-              <a:rPr lang="en-US" altLang="ko-KR"/>
+              <a:rPr lang="en-US" altLang="ko-KR" smtClean="0"/>
               <a:t>Contents</a:t>
             </a:r>
           </a:p>
@@ -9059,7 +8837,7 @@
               <a:defRPr/>
             </a:pPr>
             <a:r>
-              <a:rPr lang="ko-KR" altLang="en-US" sz="2000" i="0">
+              <a:rPr lang="ko-KR" altLang="en-US" sz="2000" i="0" smtClean="0">
                 <a:solidFill>
                   <a:schemeClr val="bg1"/>
                 </a:solidFill>
@@ -9068,6 +8846,13 @@
               </a:rPr>
               <a:t>마스터 제목 스타일 편집</a:t>
             </a:r>
+            <a:endParaRPr lang="ko-KR" altLang="en-US" sz="2000" i="0">
+              <a:solidFill>
+                <a:schemeClr val="bg1"/>
+              </a:solidFill>
+              <a:latin typeface="Arial Black" pitchFamily="34" charset="0"/>
+              <a:ea typeface="HY견고딕" pitchFamily="18" charset="-127"/>
+            </a:endParaRPr>
           </a:p>
         </p:txBody>
       </p:sp>
@@ -9243,7 +9028,7 @@
                 <a:defRPr/>
               </a:pPr>
               <a:r>
-                <a:rPr lang="en-US" altLang="ko-KR" sz="1600" i="1">
+                <a:rPr lang="en-US" altLang="ko-KR" sz="1600" i="1" smtClean="0">
                   <a:solidFill>
                     <a:srgbClr val="99CC00"/>
                   </a:solidFill>
@@ -9410,7 +9195,7 @@
                 <a:defRPr/>
               </a:pPr>
               <a:r>
-                <a:rPr lang="en-US" altLang="ko-KR" sz="2200" i="1">
+                <a:rPr lang="en-US" altLang="ko-KR" sz="2200" i="1" smtClean="0">
                   <a:solidFill>
                     <a:schemeClr val="bg1"/>
                   </a:solidFill>
@@ -9577,7 +9362,7 @@
                 <a:defRPr/>
               </a:pPr>
               <a:r>
-                <a:rPr lang="ko-KR" altLang="en-US" sz="900" i="1">
+                <a:rPr lang="ko-KR" altLang="en-US" sz="900" i="1" smtClean="0">
                   <a:solidFill>
                     <a:schemeClr val="bg1"/>
                   </a:solidFill>
@@ -9586,7 +9371,7 @@
                 <a:t>세계로</a:t>
               </a:r>
               <a:r>
-                <a:rPr lang="ko-KR" altLang="en-US" sz="900" i="1">
+                <a:rPr lang="ko-KR" altLang="en-US" sz="900" i="1" smtClean="0">
                   <a:solidFill>
                     <a:schemeClr val="bg2"/>
                   </a:solidFill>
@@ -9595,7 +9380,7 @@
                 <a:t> </a:t>
               </a:r>
               <a:r>
-                <a:rPr lang="ko-KR" altLang="en-US" sz="900" i="1">
+                <a:rPr lang="ko-KR" altLang="en-US" sz="900" i="1" smtClean="0">
                   <a:solidFill>
                     <a:schemeClr val="bg1"/>
                   </a:solidFill>
@@ -9623,18 +9408,14 @@
     <p:sldLayoutId id="2147484499" r:id="rId10"/>
     <p:sldLayoutId id="2147484500" r:id="rId11"/>
   </p:sldLayoutIdLst>
-  <mc:AlternateContent xmlns:mc="http://schemas.openxmlformats.org/markup-compatibility/2006">
-    <mc:Choice xmlns:p159="http://schemas.microsoft.com/office/powerpoint/2015/09/main" Requires="p159">
-      <p:transition>
-        <p159:morph option="byChar"/>
-      </p:transition>
-    </mc:Choice>
-    <mc:Fallback>
-      <p:transition>
-        <p:fade/>
-      </p:transition>
-    </mc:Fallback>
-  </mc:AlternateContent>
+  <p:transition spd="med"/>
+  <p:timing>
+    <p:tnLst>
+      <p:par>
+        <p:cTn id="1" dur="indefinite" restart="never" nodeType="tmRoot"/>
+      </p:par>
+    </p:tnLst>
+  </p:timing>
   <p:txStyles>
     <p:titleStyle>
       <a:lvl1pPr algn="l" rtl="0" eaLnBrk="0" fontAlgn="base" latinLnBrk="1" hangingPunct="0">
@@ -10101,7 +9882,7 @@
                 <a:latin typeface="Arial Black" panose="020B0A04020102020204" pitchFamily="34" charset="0"/>
               </a:rPr>
             </a:br>
-            <a:endParaRPr lang="en-US" altLang="ko-KR" sz="2800" b="0" dirty="0">
+            <a:endParaRPr lang="en-US" altLang="ko-KR" sz="2800" b="0" dirty="0" smtClean="0">
               <a:solidFill>
                 <a:srgbClr val="A50021"/>
               </a:solidFill>
@@ -10138,7 +9919,7 @@
               </a:lnSpc>
             </a:pPr>
             <a:r>
-              <a:rPr lang="en-US" altLang="ko-KR" dirty="0"/>
+              <a:rPr lang="en-US" altLang="ko-KR" dirty="0" smtClean="0"/>
               <a:t>Chapter 4 – </a:t>
             </a:r>
           </a:p>
@@ -10149,10 +9930,10 @@
               </a:lnSpc>
             </a:pPr>
             <a:r>
-              <a:rPr lang="en-US" altLang="ko-KR" dirty="0"/>
+              <a:rPr lang="en-US" altLang="ko-KR" dirty="0" smtClean="0"/>
               <a:t>Transient Analysis</a:t>
             </a:r>
-            <a:endParaRPr lang="en-US" altLang="ko-KR" sz="3200" dirty="0"/>
+            <a:endParaRPr lang="en-US" altLang="ko-KR" sz="3200" dirty="0" smtClean="0"/>
           </a:p>
         </p:txBody>
       </p:sp>
@@ -10161,18 +9942,14 @@
   <p:clrMapOvr>
     <a:masterClrMapping/>
   </p:clrMapOvr>
-  <mc:AlternateContent xmlns:mc="http://schemas.openxmlformats.org/markup-compatibility/2006">
-    <mc:Choice xmlns:p159="http://schemas.microsoft.com/office/powerpoint/2015/09/main" Requires="p159">
-      <p:transition>
-        <p159:morph option="byChar"/>
-      </p:transition>
-    </mc:Choice>
-    <mc:Fallback>
-      <p:transition>
-        <p:fade/>
-      </p:transition>
-    </mc:Fallback>
-  </mc:AlternateContent>
+  <p:transition spd="med"/>
+  <p:timing>
+    <p:tnLst>
+      <p:par>
+        <p:cTn id="1" dur="indefinite" restart="never" nodeType="tmRoot"/>
+      </p:par>
+    </p:tnLst>
+  </p:timing>
 </p:sld>
 </file>
 
@@ -10210,12 +9987,12 @@
           <a:p>
             <a:pPr eaLnBrk="1" hangingPunct="1"/>
             <a:r>
-              <a:rPr lang="en-US" altLang="ko-KR" sz="1800" dirty="0">
+              <a:rPr lang="en-US" altLang="ko-KR" sz="1800" dirty="0" smtClean="0">
                 <a:ea typeface="굴림" panose="020B0600000101010101" pitchFamily="50" charset="-127"/>
               </a:rPr>
               <a:t>Capacitors</a:t>
             </a:r>
-            <a:endParaRPr lang="ko-KR" altLang="en-US" sz="1800" dirty="0"/>
+            <a:endParaRPr lang="ko-KR" altLang="en-US" sz="1800" dirty="0" smtClean="0"/>
           </a:p>
         </p:txBody>
       </p:sp>
@@ -10245,7 +10022,7 @@
               <a:defRPr/>
             </a:pPr>
             <a:r>
-              <a:rPr lang="en-US" altLang="ko-KR" sz="2800" b="1" dirty="0">
+              <a:rPr lang="en-US" altLang="ko-KR" sz="2800" b="1" dirty="0" smtClean="0">
                 <a:solidFill>
                   <a:srgbClr val="0070C0"/>
                 </a:solidFill>
@@ -10253,17 +10030,39 @@
               </a:rPr>
               <a:t>Example 4.1</a:t>
             </a:r>
+            <a:endParaRPr lang="en-US" altLang="ko-KR" sz="2800" b="1" dirty="0">
+              <a:solidFill>
+                <a:srgbClr val="0070C0"/>
+              </a:solidFill>
+              <a:ea typeface="굴림" charset="-127"/>
+            </a:endParaRPr>
           </a:p>
           <a:p>
             <a:pPr>
               <a:defRPr/>
             </a:pPr>
             <a:r>
-              <a:rPr lang="en-US" altLang="ko-KR" b="1" dirty="0">
+              <a:rPr lang="en-US" altLang="ko-KR" b="1" dirty="0" smtClean="0">
                 <a:ea typeface="굴림" panose="020B0600000101010101" pitchFamily="50" charset="-127"/>
               </a:rPr>
               <a:t>Determine equivalent capacitance between A-B</a:t>
             </a:r>
+          </a:p>
+          <a:p>
+            <a:pPr>
+              <a:defRPr/>
+            </a:pPr>
+            <a:endParaRPr lang="en-US" altLang="ko-KR" b="1" dirty="0" smtClean="0">
+              <a:ea typeface="굴림" panose="020B0600000101010101" pitchFamily="50" charset="-127"/>
+            </a:endParaRPr>
+          </a:p>
+          <a:p>
+            <a:pPr>
+              <a:defRPr/>
+            </a:pPr>
+            <a:endParaRPr lang="en-US" altLang="ko-KR" b="1" dirty="0" smtClean="0">
+              <a:ea typeface="굴림" panose="020B0600000101010101" pitchFamily="50" charset="-127"/>
+            </a:endParaRPr>
           </a:p>
           <a:p>
             <a:pPr>
@@ -10277,23 +10076,7 @@
             <a:pPr>
               <a:defRPr/>
             </a:pPr>
-            <a:endParaRPr lang="en-US" altLang="ko-KR" b="1" dirty="0">
-              <a:ea typeface="굴림" panose="020B0600000101010101" pitchFamily="50" charset="-127"/>
-            </a:endParaRPr>
-          </a:p>
-          <a:p>
-            <a:pPr>
-              <a:defRPr/>
-            </a:pPr>
-            <a:endParaRPr lang="en-US" altLang="ko-KR" b="1" dirty="0">
-              <a:ea typeface="굴림" panose="020B0600000101010101" pitchFamily="50" charset="-127"/>
-            </a:endParaRPr>
-          </a:p>
-          <a:p>
-            <a:pPr>
-              <a:defRPr/>
-            </a:pPr>
-            <a:endParaRPr lang="en-US" altLang="ko-KR" b="1" dirty="0">
+            <a:endParaRPr lang="en-US" altLang="ko-KR" b="1" dirty="0" smtClean="0">
               <a:ea typeface="굴림" panose="020B0600000101010101" pitchFamily="50" charset="-127"/>
             </a:endParaRPr>
           </a:p>
@@ -10347,18 +10130,14 @@
   <p:clrMapOvr>
     <a:masterClrMapping/>
   </p:clrMapOvr>
-  <mc:AlternateContent xmlns:mc="http://schemas.openxmlformats.org/markup-compatibility/2006">
-    <mc:Choice xmlns:p159="http://schemas.microsoft.com/office/powerpoint/2015/09/main" Requires="p159">
-      <p:transition>
-        <p159:morph option="byChar"/>
-      </p:transition>
-    </mc:Choice>
-    <mc:Fallback>
-      <p:transition>
-        <p:fade/>
-      </p:transition>
-    </mc:Fallback>
-  </mc:AlternateContent>
+  <p:transition spd="med"/>
+  <p:timing>
+    <p:tnLst>
+      <p:par>
+        <p:cTn id="1" dur="indefinite" restart="never" nodeType="tmRoot"/>
+      </p:par>
+    </p:tnLst>
+  </p:timing>
 </p:sld>
 </file>
 
@@ -10396,12 +10175,12 @@
           <a:p>
             <a:pPr eaLnBrk="1" hangingPunct="1"/>
             <a:r>
-              <a:rPr lang="en-US" altLang="ko-KR" sz="1800" dirty="0">
+              <a:rPr lang="en-US" altLang="ko-KR" sz="1800" dirty="0" smtClean="0">
                 <a:ea typeface="굴림" panose="020B0600000101010101" pitchFamily="50" charset="-127"/>
               </a:rPr>
               <a:t>Inductors</a:t>
             </a:r>
-            <a:endParaRPr lang="ko-KR" altLang="en-US" sz="1800" dirty="0"/>
+            <a:endParaRPr lang="ko-KR" altLang="en-US" sz="1800" dirty="0" smtClean="0"/>
           </a:p>
         </p:txBody>
       </p:sp>
@@ -10431,7 +10210,7 @@
               <a:defRPr/>
             </a:pPr>
             <a:r>
-              <a:rPr lang="en-US" altLang="ko-KR" sz="3200" b="1" dirty="0">
+              <a:rPr lang="en-US" altLang="ko-KR" sz="3200" b="1" dirty="0" smtClean="0">
                 <a:solidFill>
                   <a:srgbClr val="0070C0"/>
                 </a:solidFill>
@@ -10465,43 +10244,70 @@
               </a:rPr>
               <a:t> is a passive element </a:t>
             </a:r>
+            <a:r>
+              <a:rPr lang="en-US" altLang="ko-KR" dirty="0" smtClean="0">
+                <a:ea typeface="굴림" panose="020B0600000101010101" pitchFamily="50" charset="-127"/>
+              </a:rPr>
+              <a:t/>
+            </a:r>
             <a:br>
+              <a:rPr lang="en-US" altLang="ko-KR" dirty="0" smtClean="0">
+                <a:ea typeface="굴림" panose="020B0600000101010101" pitchFamily="50" charset="-127"/>
+              </a:rPr>
+            </a:br>
+            <a:r>
+              <a:rPr lang="en-US" altLang="ko-KR" dirty="0" smtClean="0">
+                <a:ea typeface="굴림" panose="020B0600000101010101" pitchFamily="50" charset="-127"/>
+              </a:rPr>
+              <a:t>that </a:t>
+            </a:r>
+            <a:r>
               <a:rPr lang="en-US" altLang="ko-KR" dirty="0">
                 <a:ea typeface="굴림" panose="020B0600000101010101" pitchFamily="50" charset="-127"/>
               </a:rPr>
+              <a:t>stores energy in its </a:t>
+            </a:r>
+            <a:r>
+              <a:rPr lang="en-US" altLang="ko-KR" b="1" i="1" dirty="0">
+                <a:solidFill>
+                  <a:srgbClr val="A50021"/>
+                </a:solidFill>
+                <a:ea typeface="굴림" panose="020B0600000101010101" pitchFamily="50" charset="-127"/>
+              </a:rPr>
+              <a:t>magnetic </a:t>
+            </a:r>
+            <a:r>
+              <a:rPr lang="en-US" altLang="ko-KR" b="1" i="1" dirty="0" smtClean="0">
+                <a:solidFill>
+                  <a:srgbClr val="A50021"/>
+                </a:solidFill>
+                <a:ea typeface="굴림" panose="020B0600000101010101" pitchFamily="50" charset="-127"/>
+              </a:rPr>
+              <a:t/>
+            </a:r>
+            <a:br>
+              <a:rPr lang="en-US" altLang="ko-KR" b="1" i="1" dirty="0" smtClean="0">
+                <a:solidFill>
+                  <a:srgbClr val="A50021"/>
+                </a:solidFill>
+                <a:ea typeface="굴림" panose="020B0600000101010101" pitchFamily="50" charset="-127"/>
+              </a:rPr>
             </a:br>
             <a:r>
-              <a:rPr lang="en-US" altLang="ko-KR" dirty="0">
-                <a:ea typeface="굴림" panose="020B0600000101010101" pitchFamily="50" charset="-127"/>
-              </a:rPr>
-              <a:t>that stores energy in its </a:t>
-            </a:r>
-            <a:r>
-              <a:rPr lang="en-US" altLang="ko-KR" b="1" i="1" dirty="0">
+              <a:rPr lang="en-US" altLang="ko-KR" b="1" i="1" dirty="0" smtClean="0">
                 <a:solidFill>
                   <a:srgbClr val="A50021"/>
                 </a:solidFill>
                 <a:ea typeface="굴림" panose="020B0600000101010101" pitchFamily="50" charset="-127"/>
               </a:rPr>
-              <a:t>magnetic </a:t>
-            </a:r>
-            <a:br>
-              <a:rPr lang="en-US" altLang="ko-KR" b="1" i="1" dirty="0">
-                <a:solidFill>
-                  <a:srgbClr val="A50021"/>
-                </a:solidFill>
-                <a:ea typeface="굴림" panose="020B0600000101010101" pitchFamily="50" charset="-127"/>
-              </a:rPr>
-            </a:br>
-            <a:r>
-              <a:rPr lang="en-US" altLang="ko-KR" b="1" i="1" dirty="0">
-                <a:solidFill>
-                  <a:srgbClr val="A50021"/>
-                </a:solidFill>
-                <a:ea typeface="굴림" panose="020B0600000101010101" pitchFamily="50" charset="-127"/>
-              </a:rPr>
               <a:t>field</a:t>
             </a:r>
+            <a:endParaRPr lang="en-US" altLang="ko-KR" b="1" i="1" dirty="0">
+              <a:solidFill>
+                <a:srgbClr val="A50021"/>
+              </a:solidFill>
+              <a:ea typeface="굴림" panose="020B0600000101010101" pitchFamily="50" charset="-127"/>
+            </a:endParaRPr>
           </a:p>
           <a:p>
             <a:pPr>
@@ -10530,11 +10336,37 @@
               <a:defRPr/>
             </a:pPr>
             <a:r>
+              <a:rPr lang="en-US" altLang="ko-KR" dirty="0" smtClean="0">
+                <a:ea typeface="굴림" panose="020B0600000101010101" pitchFamily="50" charset="-127"/>
+              </a:rPr>
+              <a:t>For </a:t>
+            </a:r>
+            <a:r>
               <a:rPr lang="en-US" altLang="ko-KR" dirty="0">
                 <a:ea typeface="굴림" panose="020B0600000101010101" pitchFamily="50" charset="-127"/>
               </a:rPr>
-              <a:t>For a solenoid the inductance is:</a:t>
-            </a:r>
+              <a:t>a solenoid the </a:t>
+            </a:r>
+            <a:r>
+              <a:rPr lang="en-US" altLang="ko-KR" dirty="0" smtClean="0">
+                <a:ea typeface="굴림" panose="020B0600000101010101" pitchFamily="50" charset="-127"/>
+              </a:rPr>
+              <a:t>inductance </a:t>
+            </a:r>
+            <a:r>
+              <a:rPr lang="en-US" altLang="ko-KR" dirty="0">
+                <a:ea typeface="굴림" panose="020B0600000101010101" pitchFamily="50" charset="-127"/>
+              </a:rPr>
+              <a:t>is:</a:t>
+            </a:r>
+          </a:p>
+          <a:p>
+            <a:pPr>
+              <a:defRPr/>
+            </a:pPr>
+            <a:endParaRPr lang="en-US" altLang="ko-KR" dirty="0" smtClean="0">
+              <a:ea typeface="굴림" panose="020B0600000101010101" pitchFamily="50" charset="-127"/>
+            </a:endParaRPr>
           </a:p>
           <a:p>
             <a:pPr>
@@ -10545,14 +10377,6 @@
             </a:endParaRPr>
           </a:p>
           <a:p>
-            <a:pPr>
-              <a:defRPr/>
-            </a:pPr>
-            <a:endParaRPr lang="en-US" altLang="ko-KR" dirty="0">
-              <a:ea typeface="굴림" panose="020B0600000101010101" pitchFamily="50" charset="-127"/>
-            </a:endParaRPr>
-          </a:p>
-          <a:p>
             <a:pPr lvl="1">
               <a:defRPr/>
             </a:pPr>
@@ -10572,7 +10396,19 @@
               <a:rPr lang="en-US" altLang="ko-KR" dirty="0">
                 <a:ea typeface="굴림" panose="020B0600000101010101" pitchFamily="50" charset="-127"/>
               </a:rPr>
-              <a:t> is the number of turns of the wire around the core of cross </a:t>
+              <a:t> is the number of turns of </a:t>
+            </a:r>
+            <a:r>
+              <a:rPr lang="en-US" altLang="ko-KR" dirty="0" smtClean="0">
+                <a:ea typeface="굴림" panose="020B0600000101010101" pitchFamily="50" charset="-127"/>
+              </a:rPr>
+              <a:t>the </a:t>
+            </a:r>
+            <a:r>
+              <a:rPr lang="en-US" altLang="ko-KR" dirty="0">
+                <a:ea typeface="굴림" panose="020B0600000101010101" pitchFamily="50" charset="-127"/>
+              </a:rPr>
+              <a:t>wire around the core of cross </a:t>
             </a:r>
             <a:br>
               <a:rPr lang="en-US" altLang="ko-KR" dirty="0">
@@ -10642,7 +10478,7 @@
           <p:nvPr/>
         </p:nvPicPr>
         <p:blipFill>
-          <a:blip r:embed="rId2">
+          <a:blip r:embed="rId3">
             <a:extLst>
               <a:ext uri="{28A0092B-C50C-407E-A947-70E740481C1C}">
                 <a14:useLocalDpi xmlns:a14="http://schemas.microsoft.com/office/drawing/2010/main" val="0"/>
@@ -10709,12 +10545,12 @@
           <a:graphicData uri="http://schemas.openxmlformats.org/presentationml/2006/ole">
             <mc:AlternateContent xmlns:mc="http://schemas.openxmlformats.org/markup-compatibility/2006">
               <mc:Choice xmlns:v="urn:schemas-microsoft-com:vml" Requires="v">
-                <p:oleObj name="Equation" r:id="rId3" imgW="698500" imgH="419100" progId="Equation.DSMT4">
+                <p:oleObj spid="_x0000_s24589" name="Equation" r:id="rId4" imgW="698500" imgH="419100" progId="Equation.DSMT4">
                   <p:embed/>
                 </p:oleObj>
               </mc:Choice>
               <mc:Fallback>
-                <p:oleObj name="Equation" r:id="rId3" imgW="698500" imgH="419100" progId="Equation.DSMT4">
+                <p:oleObj name="Equation" r:id="rId4" imgW="698500" imgH="419100" progId="Equation.DSMT4">
                   <p:embed/>
                   <p:pic>
                     <p:nvPicPr>
@@ -10725,7 +10561,7 @@
                       <p:nvPr/>
                     </p:nvPicPr>
                     <p:blipFill>
-                      <a:blip r:embed="rId4">
+                      <a:blip r:embed="rId5">
                         <a:extLst>
                           <a:ext uri="{28A0092B-C50C-407E-A947-70E740481C1C}">
                             <a14:useLocalDpi xmlns:a14="http://schemas.microsoft.com/office/drawing/2010/main" val="0"/>
@@ -10786,18 +10622,14 @@
   <p:clrMapOvr>
     <a:masterClrMapping/>
   </p:clrMapOvr>
-  <mc:AlternateContent xmlns:mc="http://schemas.openxmlformats.org/markup-compatibility/2006">
-    <mc:Choice xmlns:p159="http://schemas.microsoft.com/office/powerpoint/2015/09/main" Requires="p159">
-      <p:transition>
-        <p159:morph option="byChar"/>
-      </p:transition>
-    </mc:Choice>
-    <mc:Fallback>
-      <p:transition>
-        <p:fade/>
-      </p:transition>
-    </mc:Fallback>
-  </mc:AlternateContent>
+  <p:transition spd="med"/>
+  <p:timing>
+    <p:tnLst>
+      <p:par>
+        <p:cTn id="1" dur="indefinite" restart="never" nodeType="tmRoot"/>
+      </p:par>
+    </p:tnLst>
+  </p:timing>
 </p:sld>
 </file>
 
@@ -10835,12 +10667,12 @@
           <a:p>
             <a:pPr eaLnBrk="1" hangingPunct="1"/>
             <a:r>
-              <a:rPr lang="en-US" altLang="ko-KR" sz="1800">
+              <a:rPr lang="en-US" altLang="ko-KR" sz="1800" smtClean="0">
                 <a:ea typeface="굴림" panose="020B0600000101010101" pitchFamily="50" charset="-127"/>
               </a:rPr>
               <a:t>6.4 Inductors</a:t>
             </a:r>
-            <a:endParaRPr lang="ko-KR" altLang="en-US" sz="1800"/>
+            <a:endParaRPr lang="ko-KR" altLang="en-US" sz="1800" smtClean="0"/>
           </a:p>
         </p:txBody>
       </p:sp>
@@ -10873,7 +10705,7 @@
               <a:defRPr/>
             </a:pPr>
             <a:r>
-              <a:rPr lang="en-US" altLang="ko-KR" sz="2800" b="1" dirty="0">
+              <a:rPr lang="en-US" altLang="ko-KR" sz="2800" b="1" dirty="0" smtClean="0">
                 <a:solidFill>
                   <a:srgbClr val="0070C0"/>
                 </a:solidFill>
@@ -10887,10 +10719,16 @@
               <a:defRPr/>
             </a:pPr>
             <a:r>
+              <a:rPr lang="en-US" altLang="ko-KR" dirty="0" smtClean="0">
+                <a:ea typeface="굴림" panose="020B0600000101010101" pitchFamily="50" charset="-127"/>
+              </a:rPr>
+              <a:t>If </a:t>
+            </a:r>
+            <a:r>
               <a:rPr lang="en-US" altLang="ko-KR" dirty="0">
                 <a:ea typeface="굴림" panose="020B0600000101010101" pitchFamily="50" charset="-127"/>
               </a:rPr>
-              <a:t>If a current is passed through an inductor, the voltage across it is directly proportional to the time rate of change in current</a:t>
+              <a:t>a current is passed through an inductor, the voltage across it is directly proportional to the time rate of change in current</a:t>
             </a:r>
           </a:p>
           <a:p>
@@ -10990,8 +10828,17 @@
               <a:rPr lang="en-US" altLang="ko-KR" dirty="0">
                 <a:ea typeface="굴림" panose="020B0600000101010101" pitchFamily="50" charset="-127"/>
               </a:rPr>
-              <a:t>The voltage developed tends to oppose a changing flow of current.</a:t>
-            </a:r>
+              <a:t>The voltage developed tends to oppose a changing flow of current</a:t>
+            </a:r>
+            <a:r>
+              <a:rPr lang="en-US" altLang="ko-KR" dirty="0" smtClean="0">
+                <a:ea typeface="굴림" panose="020B0600000101010101" pitchFamily="50" charset="-127"/>
+              </a:rPr>
+              <a:t>.</a:t>
+            </a:r>
+            <a:endParaRPr lang="en-US" altLang="ko-KR" dirty="0">
+              <a:ea typeface="굴림" panose="020B0600000101010101" pitchFamily="50" charset="-127"/>
+            </a:endParaRPr>
           </a:p>
         </p:txBody>
       </p:sp>
@@ -11017,12 +10864,12 @@
           <a:graphicData uri="http://schemas.openxmlformats.org/presentationml/2006/ole">
             <mc:AlternateContent xmlns:mc="http://schemas.openxmlformats.org/markup-compatibility/2006">
               <mc:Choice xmlns:v="urn:schemas-microsoft-com:vml" Requires="v">
-                <p:oleObj name="Equation" r:id="rId2" imgW="533169" imgH="393529" progId="Equation.DSMT4">
+                <p:oleObj spid="_x0000_s25616" name="Equation" r:id="rId3" imgW="533169" imgH="393529" progId="Equation.DSMT4">
                   <p:embed/>
                 </p:oleObj>
               </mc:Choice>
               <mc:Fallback>
-                <p:oleObj name="Equation" r:id="rId2" imgW="533169" imgH="393529" progId="Equation.DSMT4">
+                <p:oleObj name="Equation" r:id="rId3" imgW="533169" imgH="393529" progId="Equation.DSMT4">
                   <p:embed/>
                   <p:pic>
                     <p:nvPicPr>
@@ -11033,7 +10880,7 @@
                       <p:nvPr/>
                     </p:nvPicPr>
                     <p:blipFill>
-                      <a:blip r:embed="rId3">
+                      <a:blip r:embed="rId4">
                         <a:extLst>
                           <a:ext uri="{28A0092B-C50C-407E-A947-70E740481C1C}">
                             <a14:useLocalDpi xmlns:a14="http://schemas.microsoft.com/office/drawing/2010/main" val="0"/>
@@ -11093,7 +10940,7 @@
           <p:nvPr/>
         </p:nvPicPr>
         <p:blipFill>
-          <a:blip r:embed="rId4" cstate="print">
+          <a:blip r:embed="rId5" cstate="print">
             <a:extLst>
               <a:ext uri="{28A0092B-C50C-407E-A947-70E740481C1C}">
                 <a14:useLocalDpi xmlns:a14="http://schemas.microsoft.com/office/drawing/2010/main" val="0"/>
@@ -11123,7 +10970,7 @@
           <p:nvPr/>
         </p:nvPicPr>
         <p:blipFill>
-          <a:blip r:embed="rId5" cstate="print">
+          <a:blip r:embed="rId6" cstate="print">
             <a:extLst>
               <a:ext uri="{28A0092B-C50C-407E-A947-70E740481C1C}">
                 <a14:useLocalDpi xmlns:a14="http://schemas.microsoft.com/office/drawing/2010/main" val="0"/>
@@ -11153,7 +11000,7 @@
           <p:nvPr/>
         </p:nvPicPr>
         <p:blipFill>
-          <a:blip r:embed="rId6"/>
+          <a:blip r:embed="rId7"/>
           <a:stretch>
             <a:fillRect/>
           </a:stretch>
@@ -11178,18 +11025,14 @@
   <p:clrMapOvr>
     <a:masterClrMapping/>
   </p:clrMapOvr>
-  <mc:AlternateContent xmlns:mc="http://schemas.openxmlformats.org/markup-compatibility/2006">
-    <mc:Choice xmlns:p159="http://schemas.microsoft.com/office/powerpoint/2015/09/main" Requires="p159">
-      <p:transition>
-        <p159:morph option="byChar"/>
-      </p:transition>
-    </mc:Choice>
-    <mc:Fallback>
-      <p:transition>
-        <p:fade/>
-      </p:transition>
-    </mc:Fallback>
-  </mc:AlternateContent>
+  <p:transition spd="med"/>
+  <p:timing>
+    <p:tnLst>
+      <p:par>
+        <p:cTn id="1" dur="indefinite" restart="never" nodeType="tmRoot"/>
+      </p:par>
+    </p:tnLst>
+  </p:timing>
 </p:sld>
 </file>
 
@@ -11227,12 +11070,12 @@
           <a:p>
             <a:pPr eaLnBrk="1" hangingPunct="1"/>
             <a:r>
-              <a:rPr lang="en-US" altLang="ko-KR" sz="1800" dirty="0">
+              <a:rPr lang="en-US" altLang="ko-KR" sz="1800" dirty="0" smtClean="0">
                 <a:ea typeface="굴림" panose="020B0600000101010101" pitchFamily="50" charset="-127"/>
               </a:rPr>
               <a:t>Inductors</a:t>
             </a:r>
-            <a:endParaRPr lang="ko-KR" altLang="en-US" sz="1800" dirty="0"/>
+            <a:endParaRPr lang="ko-KR" altLang="en-US" sz="1800" dirty="0" smtClean="0"/>
           </a:p>
         </p:txBody>
       </p:sp>
@@ -11265,7 +11108,7 @@
               <a:defRPr/>
             </a:pPr>
             <a:r>
-              <a:rPr lang="en-US" altLang="ko-KR" sz="2800" b="1" dirty="0">
+              <a:rPr lang="en-US" altLang="ko-KR" sz="2800" b="1" dirty="0" smtClean="0">
                 <a:solidFill>
                   <a:srgbClr val="0070C0"/>
                 </a:solidFill>
@@ -11279,10 +11122,16 @@
               <a:defRPr/>
             </a:pPr>
             <a:r>
+              <a:rPr lang="en-US" altLang="ko-KR" dirty="0" smtClean="0">
+                <a:ea typeface="굴림" panose="020B0600000101010101" pitchFamily="50" charset="-127"/>
+              </a:rPr>
+              <a:t>The </a:t>
+            </a:r>
+            <a:r>
               <a:rPr lang="en-US" altLang="ko-KR" dirty="0">
                 <a:ea typeface="굴림" panose="020B0600000101010101" pitchFamily="50" charset="-127"/>
               </a:rPr>
-              <a:t>The power delivered to the inductor is:</a:t>
+              <a:t>power delivered to the inductor is:</a:t>
             </a:r>
           </a:p>
           <a:p>
@@ -11297,7 +11146,7 @@
             <a:pPr>
               <a:defRPr/>
             </a:pPr>
-            <a:endParaRPr lang="en-US" altLang="ko-KR" dirty="0">
+            <a:endParaRPr lang="en-US" altLang="ko-KR" dirty="0" smtClean="0">
               <a:ea typeface="굴림" panose="020B0600000101010101" pitchFamily="50" charset="-127"/>
             </a:endParaRPr>
           </a:p>
@@ -11344,12 +11193,12 @@
           <a:graphicData uri="http://schemas.openxmlformats.org/presentationml/2006/ole">
             <mc:AlternateContent xmlns:mc="http://schemas.openxmlformats.org/markup-compatibility/2006">
               <mc:Choice xmlns:v="urn:schemas-microsoft-com:vml" Requires="v">
-                <p:oleObj name="Equation" r:id="rId2" imgW="1040948" imgH="431613" progId="Equation.DSMT4">
+                <p:oleObj spid="_x0000_s26646" name="Equation" r:id="rId3" imgW="1040948" imgH="431613" progId="Equation.DSMT4">
                   <p:embed/>
                 </p:oleObj>
               </mc:Choice>
               <mc:Fallback>
-                <p:oleObj name="Equation" r:id="rId2" imgW="1040948" imgH="431613" progId="Equation.DSMT4">
+                <p:oleObj name="Equation" r:id="rId3" imgW="1040948" imgH="431613" progId="Equation.DSMT4">
                   <p:embed/>
                   <p:pic>
                     <p:nvPicPr>
@@ -11360,7 +11209,7 @@
                       <p:nvPr/>
                     </p:nvPicPr>
                     <p:blipFill>
-                      <a:blip r:embed="rId3">
+                      <a:blip r:embed="rId4">
                         <a:extLst>
                           <a:ext uri="{28A0092B-C50C-407E-A947-70E740481C1C}">
                             <a14:useLocalDpi xmlns:a14="http://schemas.microsoft.com/office/drawing/2010/main" val="0"/>
@@ -11433,12 +11282,12 @@
           <a:graphicData uri="http://schemas.openxmlformats.org/presentationml/2006/ole">
             <mc:AlternateContent xmlns:mc="http://schemas.openxmlformats.org/markup-compatibility/2006">
               <mc:Choice xmlns:v="urn:schemas-microsoft-com:vml" Requires="v">
-                <p:oleObj name="Equation" r:id="rId4" imgW="609336" imgH="393529" progId="Equation.DSMT4">
+                <p:oleObj spid="_x0000_s26647" name="Equation" r:id="rId5" imgW="609336" imgH="393529" progId="Equation.DSMT4">
                   <p:embed/>
                 </p:oleObj>
               </mc:Choice>
               <mc:Fallback>
-                <p:oleObj name="Equation" r:id="rId4" imgW="609336" imgH="393529" progId="Equation.DSMT4">
+                <p:oleObj name="Equation" r:id="rId5" imgW="609336" imgH="393529" progId="Equation.DSMT4">
                   <p:embed/>
                   <p:pic>
                     <p:nvPicPr>
@@ -11449,7 +11298,7 @@
                       <p:nvPr/>
                     </p:nvPicPr>
                     <p:blipFill>
-                      <a:blip r:embed="rId5">
+                      <a:blip r:embed="rId6">
                         <a:extLst>
                           <a:ext uri="{28A0092B-C50C-407E-A947-70E740481C1C}">
                             <a14:useLocalDpi xmlns:a14="http://schemas.microsoft.com/office/drawing/2010/main" val="0"/>
@@ -11491,18 +11340,14 @@
   <p:clrMapOvr>
     <a:masterClrMapping/>
   </p:clrMapOvr>
-  <mc:AlternateContent xmlns:mc="http://schemas.openxmlformats.org/markup-compatibility/2006">
-    <mc:Choice xmlns:p159="http://schemas.microsoft.com/office/powerpoint/2015/09/main" Requires="p159">
-      <p:transition>
-        <p159:morph option="byChar"/>
-      </p:transition>
-    </mc:Choice>
-    <mc:Fallback>
-      <p:transition>
-        <p:fade/>
-      </p:transition>
-    </mc:Fallback>
-  </mc:AlternateContent>
+  <p:transition spd="med"/>
+  <p:timing>
+    <p:tnLst>
+      <p:par>
+        <p:cTn id="1" dur="indefinite" restart="never" nodeType="tmRoot"/>
+      </p:par>
+    </p:tnLst>
+  </p:timing>
 </p:sld>
 </file>
 
@@ -11544,7 +11389,7 @@
               </a:lnSpc>
             </a:pPr>
             <a:r>
-              <a:rPr lang="en-US" altLang="ko-KR" sz="1800" dirty="0">
+              <a:rPr lang="en-US" altLang="ko-KR" sz="1800" dirty="0" smtClean="0">
                 <a:ea typeface="굴림" panose="020B0600000101010101" pitchFamily="50" charset="-127"/>
               </a:rPr>
               <a:t>Inductors</a:t>
@@ -11578,7 +11423,7 @@
               <a:defRPr/>
             </a:pPr>
             <a:r>
-              <a:rPr lang="en-US" altLang="ko-KR" sz="2800" b="1" dirty="0">
+              <a:rPr lang="en-US" altLang="ko-KR" sz="2800" b="1" dirty="0" smtClean="0">
                 <a:solidFill>
                   <a:srgbClr val="0070C0"/>
                 </a:solidFill>
@@ -11586,6 +11431,12 @@
               </a:rPr>
               <a:t>Series Inductors</a:t>
             </a:r>
+            <a:endParaRPr lang="en-US" altLang="ko-KR" sz="2800" b="1" dirty="0">
+              <a:solidFill>
+                <a:srgbClr val="0070C0"/>
+              </a:solidFill>
+              <a:ea typeface="굴림" charset="-127"/>
+            </a:endParaRPr>
           </a:p>
           <a:p>
             <a:pPr>
@@ -11606,8 +11457,17 @@
               </a:rPr>
               <a:t>series </a:t>
             </a:r>
+            <a:r>
+              <a:rPr lang="en-US" altLang="ko-KR" b="1" i="1" dirty="0" smtClean="0">
+                <a:solidFill>
+                  <a:srgbClr val="A50021"/>
+                </a:solidFill>
+                <a:ea typeface="굴림" panose="020B0600000101010101" pitchFamily="50" charset="-127"/>
+              </a:rPr>
+              <a:t/>
+            </a:r>
             <a:br>
-              <a:rPr lang="en-US" altLang="ko-KR" b="1" i="1" dirty="0">
+              <a:rPr lang="en-US" altLang="ko-KR" b="1" i="1" dirty="0" smtClean="0">
                 <a:solidFill>
                   <a:srgbClr val="A50021"/>
                 </a:solidFill>
@@ -11615,7 +11475,7 @@
               </a:rPr>
             </a:br>
             <a:r>
-              <a:rPr lang="en-US" altLang="ko-KR" b="1" i="1" dirty="0">
+              <a:rPr lang="en-US" altLang="ko-KR" b="1" i="1" dirty="0" smtClean="0">
                 <a:solidFill>
                   <a:srgbClr val="A50021"/>
                 </a:solidFill>
@@ -11624,10 +11484,16 @@
               <a:t>combinations</a:t>
             </a:r>
             <a:r>
+              <a:rPr lang="en-US" altLang="ko-KR" dirty="0" smtClean="0">
+                <a:ea typeface="굴림" panose="020B0600000101010101" pitchFamily="50" charset="-127"/>
+              </a:rPr>
+              <a:t> </a:t>
+            </a:r>
+            <a:r>
               <a:rPr lang="en-US" altLang="ko-KR" dirty="0">
                 <a:ea typeface="굴림" panose="020B0600000101010101" pitchFamily="50" charset="-127"/>
               </a:rPr>
-              <a:t> to inductors</a:t>
+              <a:t>to inductors</a:t>
             </a:r>
           </a:p>
           <a:p>
@@ -11635,25 +11501,61 @@
               <a:defRPr/>
             </a:pPr>
             <a:r>
+              <a:rPr lang="en-US" altLang="ko-KR" dirty="0" smtClean="0">
+                <a:ea typeface="굴림" panose="020B0600000101010101" pitchFamily="50" charset="-127"/>
+              </a:rPr>
+              <a:t>Applying </a:t>
+            </a:r>
+            <a:r>
+              <a:rPr lang="en-US" altLang="ko-KR" b="1" i="1" dirty="0">
+                <a:solidFill>
+                  <a:srgbClr val="A50021"/>
+                </a:solidFill>
+                <a:ea typeface="굴림" panose="020B0600000101010101" pitchFamily="50" charset="-127"/>
+              </a:rPr>
+              <a:t>KVL</a:t>
+            </a:r>
+            <a:r>
               <a:rPr lang="en-US" altLang="ko-KR" dirty="0">
                 <a:ea typeface="굴림" panose="020B0600000101010101" pitchFamily="50" charset="-127"/>
               </a:rPr>
-              <a:t>Applying </a:t>
-            </a:r>
-            <a:r>
-              <a:rPr lang="en-US" altLang="ko-KR" b="1" i="1" dirty="0">
-                <a:solidFill>
-                  <a:srgbClr val="A50021"/>
-                </a:solidFill>
-                <a:ea typeface="굴림" panose="020B0600000101010101" pitchFamily="50" charset="-127"/>
-              </a:rPr>
-              <a:t>KVL</a:t>
-            </a:r>
-            <a:r>
-              <a:rPr lang="en-US" altLang="ko-KR" dirty="0">
-                <a:ea typeface="굴림" panose="020B0600000101010101" pitchFamily="50" charset="-127"/>
-              </a:rPr>
-              <a:t> to the loop:</a:t>
+              <a:t> to the loop</a:t>
+            </a:r>
+            <a:r>
+              <a:rPr lang="en-US" altLang="ko-KR" dirty="0" smtClean="0">
+                <a:ea typeface="굴림" panose="020B0600000101010101" pitchFamily="50" charset="-127"/>
+              </a:rPr>
+              <a:t>:</a:t>
+            </a:r>
+          </a:p>
+          <a:p>
+            <a:pPr>
+              <a:defRPr/>
+            </a:pPr>
+            <a:endParaRPr lang="en-US" altLang="ko-KR" dirty="0" smtClean="0">
+              <a:ea typeface="굴림" panose="020B0600000101010101" pitchFamily="50" charset="-127"/>
+            </a:endParaRPr>
+          </a:p>
+          <a:p>
+            <a:pPr>
+              <a:defRPr/>
+            </a:pPr>
+            <a:r>
+              <a:rPr lang="en-US" altLang="ko-KR" dirty="0" smtClean="0">
+                <a:ea typeface="굴림" panose="020B0600000101010101" pitchFamily="50" charset="-127"/>
+              </a:rPr>
+              <a:t>Taking the voltage current </a:t>
+            </a:r>
+            <a:br>
+              <a:rPr lang="en-US" altLang="ko-KR" dirty="0" smtClean="0">
+                <a:ea typeface="굴림" panose="020B0600000101010101" pitchFamily="50" charset="-127"/>
+              </a:rPr>
+            </a:br>
+            <a:r>
+              <a:rPr lang="en-US" altLang="ko-KR" dirty="0" smtClean="0">
+                <a:ea typeface="굴림" panose="020B0600000101010101" pitchFamily="50" charset="-127"/>
+              </a:rPr>
+              <a:t>relationship</a:t>
             </a:r>
           </a:p>
           <a:p>
@@ -11668,23 +11570,9 @@
             <a:pPr>
               <a:defRPr/>
             </a:pPr>
-            <a:r>
-              <a:rPr lang="en-US" altLang="ko-KR" dirty="0">
-                <a:ea typeface="굴림" panose="020B0600000101010101" pitchFamily="50" charset="-127"/>
-              </a:rPr>
-              <a:t>Taking the voltage current </a:t>
-            </a:r>
-            <a:br>
-              <a:rPr lang="en-US" altLang="ko-KR" dirty="0">
-                <a:ea typeface="굴림" panose="020B0600000101010101" pitchFamily="50" charset="-127"/>
-              </a:rPr>
-            </a:br>
-            <a:r>
-              <a:rPr lang="en-US" altLang="ko-KR" dirty="0">
-                <a:ea typeface="굴림" panose="020B0600000101010101" pitchFamily="50" charset="-127"/>
-              </a:rPr>
-              <a:t>relationship</a:t>
-            </a:r>
+            <a:endParaRPr lang="en-US" altLang="ko-KR" dirty="0" smtClean="0">
+              <a:ea typeface="굴림" panose="020B0600000101010101" pitchFamily="50" charset="-127"/>
+            </a:endParaRPr>
           </a:p>
           <a:p>
             <a:pPr>
@@ -11698,28 +11586,15 @@
             <a:pPr>
               <a:defRPr/>
             </a:pPr>
+            <a:r>
+              <a:rPr lang="en-US" altLang="ko-KR" dirty="0" smtClean="0">
+                <a:ea typeface="굴림" panose="020B0600000101010101" pitchFamily="50" charset="-127"/>
+              </a:rPr>
+              <a:t>Thus </a:t>
+            </a:r>
             <a:endParaRPr lang="en-US" altLang="ko-KR" dirty="0">
               <a:ea typeface="굴림" panose="020B0600000101010101" pitchFamily="50" charset="-127"/>
             </a:endParaRPr>
-          </a:p>
-          <a:p>
-            <a:pPr>
-              <a:defRPr/>
-            </a:pPr>
-            <a:endParaRPr lang="en-US" altLang="ko-KR" dirty="0">
-              <a:ea typeface="굴림" panose="020B0600000101010101" pitchFamily="50" charset="-127"/>
-            </a:endParaRPr>
-          </a:p>
-          <a:p>
-            <a:pPr>
-              <a:defRPr/>
-            </a:pPr>
-            <a:r>
-              <a:rPr lang="en-US" altLang="ko-KR" dirty="0">
-                <a:ea typeface="굴림" panose="020B0600000101010101" pitchFamily="50" charset="-127"/>
-              </a:rPr>
-              <a:t>Thus </a:t>
-            </a:r>
           </a:p>
           <a:p>
             <a:pPr marL="0" indent="0">
@@ -11868,18 +11743,14 @@
   <p:clrMapOvr>
     <a:masterClrMapping/>
   </p:clrMapOvr>
-  <mc:AlternateContent xmlns:mc="http://schemas.openxmlformats.org/markup-compatibility/2006">
-    <mc:Choice xmlns:p159="http://schemas.microsoft.com/office/powerpoint/2015/09/main" Requires="p159">
-      <p:transition>
-        <p159:morph option="byChar"/>
-      </p:transition>
-    </mc:Choice>
-    <mc:Fallback>
-      <p:transition>
-        <p:fade/>
-      </p:transition>
-    </mc:Fallback>
-  </mc:AlternateContent>
+  <p:transition spd="med"/>
+  <p:timing>
+    <p:tnLst>
+      <p:par>
+        <p:cTn id="1" dur="indefinite" restart="never" nodeType="tmRoot"/>
+      </p:par>
+    </p:tnLst>
+  </p:timing>
 </p:sld>
 </file>
 
@@ -11921,7 +11792,7 @@
               </a:lnSpc>
             </a:pPr>
             <a:r>
-              <a:rPr lang="en-US" altLang="ko-KR" sz="1800" dirty="0">
+              <a:rPr lang="en-US" altLang="ko-KR" sz="1800" dirty="0" smtClean="0">
                 <a:ea typeface="굴림" panose="020B0600000101010101" pitchFamily="50" charset="-127"/>
               </a:rPr>
               <a:t>Inductors</a:t>
@@ -11961,7 +11832,7 @@
               <a:defRPr/>
             </a:pPr>
             <a:r>
-              <a:rPr lang="en-US" altLang="ko-KR" sz="2800" b="1" dirty="0">
+              <a:rPr lang="en-US" altLang="ko-KR" sz="2800" b="1" dirty="0" smtClean="0">
                 <a:solidFill>
                   <a:srgbClr val="0070C0"/>
                 </a:solidFill>
@@ -11969,17 +11840,37 @@
               </a:rPr>
               <a:t>Parallel Inductors</a:t>
             </a:r>
+            <a:endParaRPr lang="en-US" altLang="ko-KR" sz="2800" b="1" dirty="0">
+              <a:solidFill>
+                <a:srgbClr val="0070C0"/>
+              </a:solidFill>
+              <a:ea typeface="굴림" charset="-127"/>
+            </a:endParaRPr>
           </a:p>
           <a:p>
             <a:pPr>
               <a:defRPr/>
             </a:pPr>
             <a:r>
+              <a:rPr lang="en-US" altLang="ko-KR" dirty="0" smtClean="0">
+                <a:ea typeface="굴림" panose="020B0600000101010101" pitchFamily="50" charset="-127"/>
+              </a:rPr>
+              <a:t>Applying </a:t>
+            </a:r>
+            <a:r>
               <a:rPr lang="en-US" altLang="ko-KR" dirty="0">
                 <a:ea typeface="굴림" panose="020B0600000101010101" pitchFamily="50" charset="-127"/>
               </a:rPr>
-              <a:t>Applying KCL to the circuit:</a:t>
-            </a:r>
+              <a:t>KCL to the circuit:</a:t>
+            </a:r>
+          </a:p>
+          <a:p>
+            <a:pPr>
+              <a:defRPr/>
+            </a:pPr>
+            <a:endParaRPr lang="en-US" altLang="ko-KR" dirty="0" smtClean="0">
+              <a:ea typeface="굴림" panose="020B0600000101010101" pitchFamily="50" charset="-127"/>
+            </a:endParaRPr>
           </a:p>
           <a:p>
             <a:pPr>
@@ -11993,20 +11884,21 @@
             <a:pPr>
               <a:defRPr/>
             </a:pPr>
-            <a:endParaRPr lang="en-US" altLang="ko-KR" dirty="0">
+            <a:r>
+              <a:rPr lang="en-US" altLang="ko-KR" dirty="0" smtClean="0">
+                <a:ea typeface="굴림" panose="020B0600000101010101" pitchFamily="50" charset="-127"/>
+              </a:rPr>
+              <a:t>the </a:t>
+            </a:r>
+            <a:r>
+              <a:rPr lang="en-US" altLang="ko-KR" dirty="0">
+                <a:ea typeface="굴림" panose="020B0600000101010101" pitchFamily="50" charset="-127"/>
+              </a:rPr>
+              <a:t>current voltage relationship </a:t>
+            </a:r>
+            <a:endParaRPr lang="en-US" altLang="ko-KR" dirty="0" smtClean="0">
               <a:ea typeface="굴림" panose="020B0600000101010101" pitchFamily="50" charset="-127"/>
             </a:endParaRPr>
-          </a:p>
-          <a:p>
-            <a:pPr>
-              <a:defRPr/>
-            </a:pPr>
-            <a:r>
-              <a:rPr lang="en-US" altLang="ko-KR" dirty="0">
-                <a:ea typeface="굴림" panose="020B0600000101010101" pitchFamily="50" charset="-127"/>
-              </a:rPr>
-              <a:t>the current voltage relationship </a:t>
-            </a:r>
           </a:p>
           <a:p>
             <a:pPr>
@@ -12020,7 +11912,7 @@
             <a:pPr>
               <a:defRPr/>
             </a:pPr>
-            <a:endParaRPr lang="en-US" altLang="ko-KR" dirty="0">
+            <a:endParaRPr lang="en-US" altLang="ko-KR" dirty="0" smtClean="0">
               <a:ea typeface="굴림" panose="020B0600000101010101" pitchFamily="50" charset="-127"/>
             </a:endParaRPr>
           </a:p>
@@ -12040,10 +11932,16 @@
               <a:rPr lang="en-US" altLang="ko-KR" dirty="0">
                 <a:ea typeface="굴림" panose="020B0600000101010101" pitchFamily="50" charset="-127"/>
               </a:rPr>
-              <a:t>The equivalent inductance is thus:</a:t>
+              <a:t>The equivalent inductance is thus</a:t>
+            </a:r>
+            <a:r>
+              <a:rPr lang="en-US" altLang="ko-KR" dirty="0" smtClean="0">
+                <a:ea typeface="굴림" panose="020B0600000101010101" pitchFamily="50" charset="-127"/>
+              </a:rPr>
+              <a:t>:</a:t>
             </a:r>
             <a:br>
-              <a:rPr lang="en-US" altLang="ko-KR" dirty="0">
+              <a:rPr lang="en-US" altLang="ko-KR" dirty="0" smtClean="0">
                 <a:ea typeface="굴림" panose="020B0600000101010101" pitchFamily="50" charset="-127"/>
               </a:rPr>
             </a:br>
@@ -12062,7 +11960,7 @@
           <p:nvPr/>
         </p:nvPicPr>
         <p:blipFill>
-          <a:blip r:embed="rId2">
+          <a:blip r:embed="rId3">
             <a:extLst>
               <a:ext uri="{28A0092B-C50C-407E-A947-70E740481C1C}">
                 <a14:useLocalDpi xmlns:a14="http://schemas.microsoft.com/office/drawing/2010/main" val="0"/>
@@ -12129,12 +12027,12 @@
           <a:graphicData uri="http://schemas.openxmlformats.org/presentationml/2006/ole">
             <mc:AlternateContent xmlns:mc="http://schemas.openxmlformats.org/markup-compatibility/2006">
               <mc:Choice xmlns:v="urn:schemas-microsoft-com:vml" Requires="v">
-                <p:oleObj name="Equation" r:id="rId3" imgW="2895600" imgH="482600" progId="Equation.DSMT4">
+                <p:oleObj spid="_x0000_s27660" name="Equation" r:id="rId4" imgW="2895600" imgH="482600" progId="Equation.DSMT4">
                   <p:embed/>
                 </p:oleObj>
               </mc:Choice>
               <mc:Fallback>
-                <p:oleObj name="Equation" r:id="rId3" imgW="2895600" imgH="482600" progId="Equation.DSMT4">
+                <p:oleObj name="Equation" r:id="rId4" imgW="2895600" imgH="482600" progId="Equation.DSMT4">
                   <p:embed/>
                   <p:pic>
                     <p:nvPicPr>
@@ -12145,7 +12043,7 @@
                       <p:nvPr/>
                     </p:nvPicPr>
                     <p:blipFill>
-                      <a:blip r:embed="rId4">
+                      <a:blip r:embed="rId5">
                         <a:extLst>
                           <a:ext uri="{28A0092B-C50C-407E-A947-70E740481C1C}">
                             <a14:useLocalDpi xmlns:a14="http://schemas.microsoft.com/office/drawing/2010/main" val="0"/>
@@ -12205,7 +12103,7 @@
           <p:nvPr/>
         </p:nvPicPr>
         <p:blipFill>
-          <a:blip r:embed="rId5"/>
+          <a:blip r:embed="rId6"/>
           <a:stretch>
             <a:fillRect/>
           </a:stretch>
@@ -12229,7 +12127,7 @@
           <p:nvPr/>
         </p:nvPicPr>
         <p:blipFill>
-          <a:blip r:embed="rId6"/>
+          <a:blip r:embed="rId7"/>
           <a:stretch>
             <a:fillRect/>
           </a:stretch>
@@ -12254,18 +12152,14 @@
   <p:clrMapOvr>
     <a:masterClrMapping/>
   </p:clrMapOvr>
-  <mc:AlternateContent xmlns:mc="http://schemas.openxmlformats.org/markup-compatibility/2006">
-    <mc:Choice xmlns:p159="http://schemas.microsoft.com/office/powerpoint/2015/09/main" Requires="p159">
-      <p:transition>
-        <p159:morph option="byChar"/>
-      </p:transition>
-    </mc:Choice>
-    <mc:Fallback>
-      <p:transition>
-        <p:fade/>
-      </p:transition>
-    </mc:Fallback>
-  </mc:AlternateContent>
+  <p:transition spd="med"/>
+  <p:timing>
+    <p:tnLst>
+      <p:par>
+        <p:cTn id="1" dur="indefinite" restart="never" nodeType="tmRoot"/>
+      </p:par>
+    </p:tnLst>
+  </p:timing>
 </p:sld>
 </file>
 
@@ -12303,12 +12197,12 @@
           <a:p>
             <a:pPr eaLnBrk="1" hangingPunct="1"/>
             <a:r>
-              <a:rPr lang="en-US" altLang="ko-KR" sz="1800" dirty="0">
+              <a:rPr lang="en-US" altLang="ko-KR" sz="1800" dirty="0" smtClean="0">
                 <a:ea typeface="굴림" panose="020B0600000101010101" pitchFamily="50" charset="-127"/>
               </a:rPr>
               <a:t>Inductors</a:t>
             </a:r>
-            <a:endParaRPr lang="ko-KR" altLang="en-US" sz="1800" dirty="0"/>
+            <a:endParaRPr lang="ko-KR" altLang="en-US" sz="1800" dirty="0" smtClean="0"/>
           </a:p>
         </p:txBody>
       </p:sp>
@@ -12338,7 +12232,7 @@
               <a:defRPr/>
             </a:pPr>
             <a:r>
-              <a:rPr lang="en-US" altLang="ko-KR" sz="2800" b="1" dirty="0">
+              <a:rPr lang="en-US" altLang="ko-KR" sz="2800" b="1" dirty="0" smtClean="0">
                 <a:solidFill>
                   <a:srgbClr val="0070C0"/>
                 </a:solidFill>
@@ -12346,17 +12240,39 @@
               </a:rPr>
               <a:t>Example 4.2</a:t>
             </a:r>
+            <a:endParaRPr lang="en-US" altLang="ko-KR" sz="2800" b="1" dirty="0">
+              <a:solidFill>
+                <a:srgbClr val="0070C0"/>
+              </a:solidFill>
+              <a:ea typeface="굴림" charset="-127"/>
+            </a:endParaRPr>
           </a:p>
           <a:p>
             <a:pPr>
               <a:defRPr/>
             </a:pPr>
             <a:r>
-              <a:rPr lang="en-US" altLang="ko-KR" b="1" dirty="0">
+              <a:rPr lang="en-US" altLang="ko-KR" b="1" dirty="0" smtClean="0">
                 <a:ea typeface="굴림" panose="020B0600000101010101" pitchFamily="50" charset="-127"/>
               </a:rPr>
               <a:t>Determine equivalent inductance between A-B</a:t>
             </a:r>
+          </a:p>
+          <a:p>
+            <a:pPr>
+              <a:defRPr/>
+            </a:pPr>
+            <a:endParaRPr lang="en-US" altLang="ko-KR" b="1" dirty="0" smtClean="0">
+              <a:ea typeface="굴림" panose="020B0600000101010101" pitchFamily="50" charset="-127"/>
+            </a:endParaRPr>
+          </a:p>
+          <a:p>
+            <a:pPr>
+              <a:defRPr/>
+            </a:pPr>
+            <a:endParaRPr lang="en-US" altLang="ko-KR" b="1" dirty="0" smtClean="0">
+              <a:ea typeface="굴림" panose="020B0600000101010101" pitchFamily="50" charset="-127"/>
+            </a:endParaRPr>
           </a:p>
           <a:p>
             <a:pPr>
@@ -12370,23 +12286,7 @@
             <a:pPr>
               <a:defRPr/>
             </a:pPr>
-            <a:endParaRPr lang="en-US" altLang="ko-KR" b="1" dirty="0">
-              <a:ea typeface="굴림" panose="020B0600000101010101" pitchFamily="50" charset="-127"/>
-            </a:endParaRPr>
-          </a:p>
-          <a:p>
-            <a:pPr>
-              <a:defRPr/>
-            </a:pPr>
-            <a:endParaRPr lang="en-US" altLang="ko-KR" b="1" dirty="0">
-              <a:ea typeface="굴림" panose="020B0600000101010101" pitchFamily="50" charset="-127"/>
-            </a:endParaRPr>
-          </a:p>
-          <a:p>
-            <a:pPr>
-              <a:defRPr/>
-            </a:pPr>
-            <a:endParaRPr lang="en-US" altLang="ko-KR" b="1" dirty="0">
+            <a:endParaRPr lang="en-US" altLang="ko-KR" b="1" dirty="0" smtClean="0">
               <a:ea typeface="굴림" panose="020B0600000101010101" pitchFamily="50" charset="-127"/>
             </a:endParaRPr>
           </a:p>
@@ -12440,18 +12340,14 @@
   <p:clrMapOvr>
     <a:masterClrMapping/>
   </p:clrMapOvr>
-  <mc:AlternateContent xmlns:mc="http://schemas.openxmlformats.org/markup-compatibility/2006">
-    <mc:Choice xmlns:p159="http://schemas.microsoft.com/office/powerpoint/2015/09/main" Requires="p159">
-      <p:transition>
-        <p159:morph option="byChar"/>
-      </p:transition>
-    </mc:Choice>
-    <mc:Fallback>
-      <p:transition>
-        <p:fade/>
-      </p:transition>
-    </mc:Fallback>
-  </mc:AlternateContent>
+  <p:transition spd="med"/>
+  <p:timing>
+    <p:tnLst>
+      <p:par>
+        <p:cTn id="1" dur="indefinite" restart="never" nodeType="tmRoot"/>
+      </p:par>
+    </p:tnLst>
+  </p:timing>
 </p:sld>
 </file>
 
@@ -12493,7 +12389,7 @@
               </a:lnSpc>
             </a:pPr>
             <a:r>
-              <a:rPr lang="en-US" altLang="ko-KR" sz="1800" dirty="0">
+              <a:rPr lang="en-US" altLang="ko-KR" sz="1800" dirty="0" smtClean="0">
                 <a:ea typeface="굴림" panose="020B0600000101010101" pitchFamily="50" charset="-127"/>
               </a:rPr>
               <a:t>Capacitor/Inductor Characteristics</a:t>
@@ -12533,7 +12429,7 @@
               <a:defRPr/>
             </a:pPr>
             <a:r>
-              <a:rPr lang="en-US" altLang="ko-KR" sz="2800" b="1" dirty="0">
+              <a:rPr lang="en-US" altLang="ko-KR" sz="2800" b="1" dirty="0" smtClean="0">
                 <a:solidFill>
                   <a:srgbClr val="0070C0"/>
                 </a:solidFill>
@@ -12541,13 +12437,19 @@
               </a:rPr>
               <a:t>Capacitor/Inductor Characteristics</a:t>
             </a:r>
+            <a:endParaRPr lang="en-US" altLang="ko-KR" sz="2800" b="1" dirty="0">
+              <a:solidFill>
+                <a:srgbClr val="0070C0"/>
+              </a:solidFill>
+              <a:ea typeface="굴림" charset="-127"/>
+            </a:endParaRPr>
           </a:p>
           <a:p>
             <a:pPr>
               <a:defRPr/>
             </a:pPr>
             <a:r>
-              <a:rPr lang="en-US" altLang="ko-KR" b="1" i="1" dirty="0">
+              <a:rPr lang="en-US" altLang="ko-KR" b="1" i="1" dirty="0" smtClean="0">
                 <a:solidFill>
                   <a:srgbClr val="A50021"/>
                 </a:solidFill>
@@ -12555,6 +12457,14 @@
               </a:rPr>
               <a:t>Capacitor</a:t>
             </a:r>
+          </a:p>
+          <a:p>
+            <a:pPr>
+              <a:defRPr/>
+            </a:pPr>
+            <a:endParaRPr lang="en-US" altLang="ko-KR" dirty="0" smtClean="0">
+              <a:ea typeface="굴림" panose="020B0600000101010101" pitchFamily="50" charset="-127"/>
+            </a:endParaRPr>
           </a:p>
           <a:p>
             <a:pPr>
@@ -12565,6 +12475,96 @@
             </a:endParaRPr>
           </a:p>
           <a:p>
+            <a:pPr lvl="1">
+              <a:defRPr/>
+            </a:pPr>
+            <a:r>
+              <a:rPr lang="en-US" altLang="ko-KR" dirty="0">
+                <a:ea typeface="굴림" panose="020B0600000101010101" pitchFamily="50" charset="-127"/>
+              </a:rPr>
+              <a:t>If the </a:t>
+            </a:r>
+            <a:r>
+              <a:rPr lang="en-US" altLang="ko-KR" b="1" i="1" dirty="0">
+                <a:solidFill>
+                  <a:srgbClr val="A50021"/>
+                </a:solidFill>
+                <a:ea typeface="굴림" panose="020B0600000101010101" pitchFamily="50" charset="-127"/>
+              </a:rPr>
+              <a:t>voltage is constant</a:t>
+            </a:r>
+            <a:r>
+              <a:rPr lang="en-US" altLang="ko-KR" dirty="0">
+                <a:ea typeface="굴림" panose="020B0600000101010101" pitchFamily="50" charset="-127"/>
+              </a:rPr>
+              <a:t>, the </a:t>
+            </a:r>
+            <a:r>
+              <a:rPr lang="en-US" altLang="ko-KR" b="1" i="1" dirty="0">
+                <a:solidFill>
+                  <a:srgbClr val="A50021"/>
+                </a:solidFill>
+                <a:ea typeface="굴림" panose="020B0600000101010101" pitchFamily="50" charset="-127"/>
+              </a:rPr>
+              <a:t>current </a:t>
+            </a:r>
+            <a:r>
+              <a:rPr lang="en-US" altLang="ko-KR" b="1" i="1" dirty="0">
+                <a:ea typeface="굴림" panose="020B0600000101010101" pitchFamily="50" charset="-127"/>
+              </a:rPr>
+              <a:t>in the capacitor </a:t>
+            </a:r>
+            <a:r>
+              <a:rPr lang="en-US" altLang="ko-KR" b="1" i="1" dirty="0">
+                <a:solidFill>
+                  <a:srgbClr val="A50021"/>
+                </a:solidFill>
+                <a:ea typeface="굴림" panose="020B0600000101010101" pitchFamily="50" charset="-127"/>
+              </a:rPr>
+              <a:t>is zero </a:t>
+            </a:r>
+            <a:r>
+              <a:rPr lang="en-US" altLang="ko-KR" dirty="0">
+                <a:ea typeface="굴림" panose="020B0600000101010101" pitchFamily="50" charset="-127"/>
+              </a:rPr>
+              <a:t>and the capacitor looks like an </a:t>
+            </a:r>
+            <a:r>
+              <a:rPr lang="en-US" altLang="ko-KR" b="1" i="1" dirty="0">
+                <a:solidFill>
+                  <a:srgbClr val="A50021"/>
+                </a:solidFill>
+                <a:ea typeface="굴림" panose="020B0600000101010101" pitchFamily="50" charset="-127"/>
+              </a:rPr>
+              <a:t>open circuit</a:t>
+            </a:r>
+          </a:p>
+          <a:p>
+            <a:pPr>
+              <a:defRPr/>
+            </a:pPr>
+            <a:endParaRPr lang="en-US" altLang="ko-KR" b="1" i="1" dirty="0" smtClean="0">
+              <a:solidFill>
+                <a:srgbClr val="A50021"/>
+              </a:solidFill>
+              <a:ea typeface="굴림" panose="020B0600000101010101" pitchFamily="50" charset="-127"/>
+            </a:endParaRPr>
+          </a:p>
+          <a:p>
+            <a:pPr>
+              <a:defRPr/>
+            </a:pPr>
+            <a:r>
+              <a:rPr lang="en-US" altLang="ko-KR" b="1" i="1" dirty="0" smtClean="0">
+                <a:solidFill>
+                  <a:srgbClr val="A50021"/>
+                </a:solidFill>
+                <a:ea typeface="굴림" panose="020B0600000101010101" pitchFamily="50" charset="-127"/>
+              </a:rPr>
+              <a:t>Inductor</a:t>
+            </a:r>
+          </a:p>
+          <a:p>
             <a:pPr>
               <a:defRPr/>
             </a:pPr>
@@ -12573,96 +12573,6 @@
             </a:endParaRPr>
           </a:p>
           <a:p>
-            <a:pPr lvl="1">
-              <a:defRPr/>
-            </a:pPr>
-            <a:r>
-              <a:rPr lang="en-US" altLang="ko-KR" dirty="0">
-                <a:ea typeface="굴림" panose="020B0600000101010101" pitchFamily="50" charset="-127"/>
-              </a:rPr>
-              <a:t>If the </a:t>
-            </a:r>
-            <a:r>
-              <a:rPr lang="en-US" altLang="ko-KR" b="1" i="1" dirty="0">
-                <a:solidFill>
-                  <a:srgbClr val="A50021"/>
-                </a:solidFill>
-                <a:ea typeface="굴림" panose="020B0600000101010101" pitchFamily="50" charset="-127"/>
-              </a:rPr>
-              <a:t>voltage is constant</a:t>
-            </a:r>
-            <a:r>
-              <a:rPr lang="en-US" altLang="ko-KR" dirty="0">
-                <a:ea typeface="굴림" panose="020B0600000101010101" pitchFamily="50" charset="-127"/>
-              </a:rPr>
-              <a:t>, the </a:t>
-            </a:r>
-            <a:r>
-              <a:rPr lang="en-US" altLang="ko-KR" b="1" i="1" dirty="0">
-                <a:solidFill>
-                  <a:srgbClr val="A50021"/>
-                </a:solidFill>
-                <a:ea typeface="굴림" panose="020B0600000101010101" pitchFamily="50" charset="-127"/>
-              </a:rPr>
-              <a:t>current </a:t>
-            </a:r>
-            <a:r>
-              <a:rPr lang="en-US" altLang="ko-KR" b="1" i="1" dirty="0">
-                <a:ea typeface="굴림" panose="020B0600000101010101" pitchFamily="50" charset="-127"/>
-              </a:rPr>
-              <a:t>in the capacitor </a:t>
-            </a:r>
-            <a:r>
-              <a:rPr lang="en-US" altLang="ko-KR" b="1" i="1" dirty="0">
-                <a:solidFill>
-                  <a:srgbClr val="A50021"/>
-                </a:solidFill>
-                <a:ea typeface="굴림" panose="020B0600000101010101" pitchFamily="50" charset="-127"/>
-              </a:rPr>
-              <a:t>is zero </a:t>
-            </a:r>
-            <a:r>
-              <a:rPr lang="en-US" altLang="ko-KR" dirty="0">
-                <a:ea typeface="굴림" panose="020B0600000101010101" pitchFamily="50" charset="-127"/>
-              </a:rPr>
-              <a:t>and the capacitor looks like an </a:t>
-            </a:r>
-            <a:r>
-              <a:rPr lang="en-US" altLang="ko-KR" b="1" i="1" dirty="0">
-                <a:solidFill>
-                  <a:srgbClr val="A50021"/>
-                </a:solidFill>
-                <a:ea typeface="굴림" panose="020B0600000101010101" pitchFamily="50" charset="-127"/>
-              </a:rPr>
-              <a:t>open circuit</a:t>
-            </a:r>
-          </a:p>
-          <a:p>
-            <a:pPr>
-              <a:defRPr/>
-            </a:pPr>
-            <a:endParaRPr lang="en-US" altLang="ko-KR" b="1" i="1" dirty="0">
-              <a:solidFill>
-                <a:srgbClr val="A50021"/>
-              </a:solidFill>
-              <a:ea typeface="굴림" panose="020B0600000101010101" pitchFamily="50" charset="-127"/>
-            </a:endParaRPr>
-          </a:p>
-          <a:p>
-            <a:pPr>
-              <a:defRPr/>
-            </a:pPr>
-            <a:r>
-              <a:rPr lang="en-US" altLang="ko-KR" b="1" i="1" dirty="0">
-                <a:solidFill>
-                  <a:srgbClr val="A50021"/>
-                </a:solidFill>
-                <a:ea typeface="굴림" panose="020B0600000101010101" pitchFamily="50" charset="-127"/>
-              </a:rPr>
-              <a:t>Inductor</a:t>
-            </a:r>
-          </a:p>
-          <a:p>
             <a:pPr>
               <a:defRPr/>
             </a:pPr>
@@ -12671,84 +12581,124 @@
             </a:endParaRPr>
           </a:p>
           <a:p>
+            <a:pPr lvl="1">
+              <a:defRPr/>
+            </a:pPr>
+            <a:r>
+              <a:rPr lang="en-US" altLang="ko-KR" dirty="0" smtClean="0">
+                <a:ea typeface="굴림" panose="020B0600000101010101" pitchFamily="50" charset="-127"/>
+              </a:rPr>
+              <a:t>If </a:t>
+            </a:r>
+            <a:r>
+              <a:rPr lang="en-US" altLang="ko-KR" dirty="0">
+                <a:ea typeface="굴림" panose="020B0600000101010101" pitchFamily="50" charset="-127"/>
+              </a:rPr>
+              <a:t>the </a:t>
+            </a:r>
+            <a:r>
+              <a:rPr lang="en-US" altLang="ko-KR" b="1" i="1" dirty="0" smtClean="0">
+                <a:solidFill>
+                  <a:srgbClr val="A50021"/>
+                </a:solidFill>
+                <a:ea typeface="굴림" panose="020B0600000101010101" pitchFamily="50" charset="-127"/>
+              </a:rPr>
+              <a:t>current </a:t>
+            </a:r>
+            <a:r>
+              <a:rPr lang="en-US" altLang="ko-KR" b="1" i="1" dirty="0">
+                <a:solidFill>
+                  <a:srgbClr val="A50021"/>
+                </a:solidFill>
+                <a:ea typeface="굴림" panose="020B0600000101010101" pitchFamily="50" charset="-127"/>
+              </a:rPr>
+              <a:t>is constant</a:t>
+            </a:r>
+            <a:r>
+              <a:rPr lang="en-US" altLang="ko-KR" dirty="0">
+                <a:ea typeface="굴림" panose="020B0600000101010101" pitchFamily="50" charset="-127"/>
+              </a:rPr>
+              <a:t>, the </a:t>
+            </a:r>
+            <a:r>
+              <a:rPr lang="en-US" altLang="ko-KR" b="1" i="1" dirty="0" smtClean="0">
+                <a:solidFill>
+                  <a:srgbClr val="A50021"/>
+                </a:solidFill>
+                <a:ea typeface="굴림" panose="020B0600000101010101" pitchFamily="50" charset="-127"/>
+              </a:rPr>
+              <a:t>voltage </a:t>
+            </a:r>
+            <a:r>
+              <a:rPr lang="en-US" altLang="ko-KR" b="1" i="1" dirty="0">
+                <a:ea typeface="굴림" panose="020B0600000101010101" pitchFamily="50" charset="-127"/>
+              </a:rPr>
+              <a:t>in the </a:t>
+            </a:r>
+            <a:r>
+              <a:rPr lang="en-US" altLang="ko-KR" b="1" i="1" dirty="0" smtClean="0">
+                <a:ea typeface="굴림" panose="020B0600000101010101" pitchFamily="50" charset="-127"/>
+              </a:rPr>
+              <a:t>inductor </a:t>
+            </a:r>
+            <a:r>
+              <a:rPr lang="en-US" altLang="ko-KR" b="1" i="1" dirty="0">
+                <a:solidFill>
+                  <a:srgbClr val="A50021"/>
+                </a:solidFill>
+                <a:ea typeface="굴림" panose="020B0600000101010101" pitchFamily="50" charset="-127"/>
+              </a:rPr>
+              <a:t>is zero </a:t>
+            </a:r>
+            <a:r>
+              <a:rPr lang="en-US" altLang="ko-KR" dirty="0">
+                <a:ea typeface="굴림" panose="020B0600000101010101" pitchFamily="50" charset="-127"/>
+              </a:rPr>
+              <a:t>and the </a:t>
+            </a:r>
+            <a:r>
+              <a:rPr lang="en-US" altLang="ko-KR" dirty="0" smtClean="0">
+                <a:ea typeface="굴림" panose="020B0600000101010101" pitchFamily="50" charset="-127"/>
+              </a:rPr>
+              <a:t>inductor looks </a:t>
+            </a:r>
+            <a:r>
+              <a:rPr lang="en-US" altLang="ko-KR" dirty="0">
+                <a:ea typeface="굴림" panose="020B0600000101010101" pitchFamily="50" charset="-127"/>
+              </a:rPr>
+              <a:t>like an </a:t>
+            </a:r>
+            <a:r>
+              <a:rPr lang="en-US" altLang="ko-KR" b="1" i="1" dirty="0" smtClean="0">
+                <a:solidFill>
+                  <a:srgbClr val="A50021"/>
+                </a:solidFill>
+                <a:ea typeface="굴림" panose="020B0600000101010101" pitchFamily="50" charset="-127"/>
+              </a:rPr>
+              <a:t>short </a:t>
+            </a:r>
+            <a:r>
+              <a:rPr lang="en-US" altLang="ko-KR" b="1" i="1" dirty="0">
+                <a:solidFill>
+                  <a:srgbClr val="A50021"/>
+                </a:solidFill>
+                <a:ea typeface="굴림" panose="020B0600000101010101" pitchFamily="50" charset="-127"/>
+              </a:rPr>
+              <a:t>circuit</a:t>
+            </a:r>
+          </a:p>
+          <a:p>
             <a:pPr>
               <a:defRPr/>
             </a:pPr>
-            <a:endParaRPr lang="en-US" altLang="ko-KR" dirty="0">
-              <a:ea typeface="굴림" panose="020B0600000101010101" pitchFamily="50" charset="-127"/>
-            </a:endParaRPr>
-          </a:p>
-          <a:p>
-            <a:pPr lvl="1">
-              <a:defRPr/>
-            </a:pPr>
-            <a:r>
-              <a:rPr lang="en-US" altLang="ko-KR" dirty="0">
-                <a:ea typeface="굴림" panose="020B0600000101010101" pitchFamily="50" charset="-127"/>
-              </a:rPr>
-              <a:t>If the </a:t>
-            </a:r>
-            <a:r>
-              <a:rPr lang="en-US" altLang="ko-KR" b="1" i="1" dirty="0">
-                <a:solidFill>
-                  <a:srgbClr val="A50021"/>
-                </a:solidFill>
-                <a:ea typeface="굴림" panose="020B0600000101010101" pitchFamily="50" charset="-127"/>
-              </a:rPr>
-              <a:t>current is constant</a:t>
-            </a:r>
-            <a:r>
-              <a:rPr lang="en-US" altLang="ko-KR" dirty="0">
-                <a:ea typeface="굴림" panose="020B0600000101010101" pitchFamily="50" charset="-127"/>
-              </a:rPr>
-              <a:t>, the </a:t>
-            </a:r>
-            <a:r>
-              <a:rPr lang="en-US" altLang="ko-KR" b="1" i="1" dirty="0">
-                <a:solidFill>
-                  <a:srgbClr val="A50021"/>
-                </a:solidFill>
-                <a:ea typeface="굴림" panose="020B0600000101010101" pitchFamily="50" charset="-127"/>
-              </a:rPr>
-              <a:t>voltage </a:t>
-            </a:r>
-            <a:r>
-              <a:rPr lang="en-US" altLang="ko-KR" b="1" i="1" dirty="0">
-                <a:ea typeface="굴림" panose="020B0600000101010101" pitchFamily="50" charset="-127"/>
-              </a:rPr>
-              <a:t>in the inductor </a:t>
-            </a:r>
-            <a:r>
-              <a:rPr lang="en-US" altLang="ko-KR" b="1" i="1" dirty="0">
-                <a:solidFill>
-                  <a:srgbClr val="A50021"/>
-                </a:solidFill>
-                <a:ea typeface="굴림" panose="020B0600000101010101" pitchFamily="50" charset="-127"/>
-              </a:rPr>
-              <a:t>is zero </a:t>
-            </a:r>
-            <a:r>
-              <a:rPr lang="en-US" altLang="ko-KR" dirty="0">
-                <a:ea typeface="굴림" panose="020B0600000101010101" pitchFamily="50" charset="-127"/>
-              </a:rPr>
-              <a:t>and the inductor looks like an </a:t>
-            </a:r>
-            <a:r>
-              <a:rPr lang="en-US" altLang="ko-KR" b="1" i="1" dirty="0">
-                <a:solidFill>
-                  <a:srgbClr val="A50021"/>
-                </a:solidFill>
-                <a:ea typeface="굴림" panose="020B0600000101010101" pitchFamily="50" charset="-127"/>
-              </a:rPr>
-              <a:t>short circuit</a:t>
-            </a:r>
-          </a:p>
-          <a:p>
-            <a:pPr>
-              <a:defRPr/>
-            </a:pPr>
+            <a:r>
+              <a:rPr lang="en-US" altLang="ko-KR" dirty="0" smtClean="0">
+                <a:ea typeface="굴림" panose="020B0600000101010101" pitchFamily="50" charset="-127"/>
+              </a:rPr>
+              <a:t/>
+            </a:r>
             <a:br>
-              <a:rPr lang="en-US" altLang="ko-KR" dirty="0">
+              <a:rPr lang="en-US" altLang="ko-KR" dirty="0" smtClean="0">
                 <a:ea typeface="굴림" panose="020B0600000101010101" pitchFamily="50" charset="-127"/>
               </a:rPr>
             </a:br>
@@ -12780,12 +12730,12 @@
           <a:graphicData uri="http://schemas.openxmlformats.org/presentationml/2006/ole">
             <mc:AlternateContent xmlns:mc="http://schemas.openxmlformats.org/markup-compatibility/2006">
               <mc:Choice xmlns:v="urn:schemas-microsoft-com:vml" Requires="v">
-                <p:oleObj name="Equation" r:id="rId2" imgW="533169" imgH="393529" progId="Equation.DSMT4">
+                <p:oleObj spid="_x0000_s29729" name="Equation" r:id="rId3" imgW="533169" imgH="393529" progId="Equation.DSMT4">
                   <p:embed/>
                 </p:oleObj>
               </mc:Choice>
               <mc:Fallback>
-                <p:oleObj name="Equation" r:id="rId2" imgW="533169" imgH="393529" progId="Equation.DSMT4">
+                <p:oleObj name="Equation" r:id="rId3" imgW="533169" imgH="393529" progId="Equation.DSMT4">
                   <p:embed/>
                   <p:pic>
                     <p:nvPicPr>
@@ -12796,7 +12746,7 @@
                       <p:nvPr/>
                     </p:nvPicPr>
                     <p:blipFill>
-                      <a:blip r:embed="rId3">
+                      <a:blip r:embed="rId4">
                         <a:extLst>
                           <a:ext uri="{28A0092B-C50C-407E-A947-70E740481C1C}">
                             <a14:useLocalDpi xmlns:a14="http://schemas.microsoft.com/office/drawing/2010/main" val="0"/>
@@ -12869,12 +12819,12 @@
           <a:graphicData uri="http://schemas.openxmlformats.org/presentationml/2006/ole">
             <mc:AlternateContent xmlns:mc="http://schemas.openxmlformats.org/markup-compatibility/2006">
               <mc:Choice xmlns:v="urn:schemas-microsoft-com:vml" Requires="v">
-                <p:oleObj name="Equation" r:id="rId4" imgW="545863" imgH="393529" progId="Equation.DSMT4">
+                <p:oleObj spid="_x0000_s29730" name="Equation" r:id="rId5" imgW="545863" imgH="393529" progId="Equation.DSMT4">
                   <p:embed/>
                 </p:oleObj>
               </mc:Choice>
               <mc:Fallback>
-                <p:oleObj name="Equation" r:id="rId4" imgW="545863" imgH="393529" progId="Equation.DSMT4">
+                <p:oleObj name="Equation" r:id="rId5" imgW="545863" imgH="393529" progId="Equation.DSMT4">
                   <p:embed/>
                   <p:pic>
                     <p:nvPicPr>
@@ -12885,7 +12835,7 @@
                       <p:nvPr/>
                     </p:nvPicPr>
                     <p:blipFill>
-                      <a:blip r:embed="rId5">
+                      <a:blip r:embed="rId6">
                         <a:extLst>
                           <a:ext uri="{28A0092B-C50C-407E-A947-70E740481C1C}">
                             <a14:useLocalDpi xmlns:a14="http://schemas.microsoft.com/office/drawing/2010/main" val="0"/>
@@ -12939,12 +12889,12 @@
           <a:graphicData uri="http://schemas.openxmlformats.org/presentationml/2006/ole">
             <mc:AlternateContent xmlns:mc="http://schemas.openxmlformats.org/markup-compatibility/2006">
               <mc:Choice xmlns:v="urn:schemas-microsoft-com:vml" Requires="v">
-                <p:oleObj name="Equation" r:id="rId6" imgW="1536033" imgH="495085" progId="Equation.DSMT4">
+                <p:oleObj spid="_x0000_s29731" name="Equation" r:id="rId7" imgW="1536033" imgH="495085" progId="Equation.DSMT4">
                   <p:embed/>
                 </p:oleObj>
               </mc:Choice>
               <mc:Fallback>
-                <p:oleObj name="Equation" r:id="rId6" imgW="1536033" imgH="495085" progId="Equation.DSMT4">
+                <p:oleObj name="Equation" r:id="rId7" imgW="1536033" imgH="495085" progId="Equation.DSMT4">
                   <p:embed/>
                   <p:pic>
                     <p:nvPicPr>
@@ -12955,7 +12905,7 @@
                       <p:nvPr/>
                     </p:nvPicPr>
                     <p:blipFill>
-                      <a:blip r:embed="rId7">
+                      <a:blip r:embed="rId8">
                         <a:extLst>
                           <a:ext uri="{28A0092B-C50C-407E-A947-70E740481C1C}">
                             <a14:useLocalDpi xmlns:a14="http://schemas.microsoft.com/office/drawing/2010/main" val="0"/>
@@ -13015,7 +12965,7 @@
           <p:nvPr/>
         </p:nvPicPr>
         <p:blipFill>
-          <a:blip r:embed="rId8"/>
+          <a:blip r:embed="rId9"/>
           <a:stretch>
             <a:fillRect/>
           </a:stretch>
@@ -13040,18 +12990,14 @@
   <p:clrMapOvr>
     <a:masterClrMapping/>
   </p:clrMapOvr>
-  <mc:AlternateContent xmlns:mc="http://schemas.openxmlformats.org/markup-compatibility/2006">
-    <mc:Choice xmlns:p159="http://schemas.microsoft.com/office/powerpoint/2015/09/main" Requires="p159">
-      <p:transition>
-        <p159:morph option="byChar"/>
-      </p:transition>
-    </mc:Choice>
-    <mc:Fallback>
-      <p:transition>
-        <p:fade/>
-      </p:transition>
-    </mc:Fallback>
-  </mc:AlternateContent>
+  <p:transition spd="med"/>
+  <p:timing>
+    <p:tnLst>
+      <p:par>
+        <p:cTn id="1" dur="indefinite" restart="never" nodeType="tmRoot"/>
+      </p:par>
+    </p:tnLst>
+  </p:timing>
 </p:sld>
 </file>
 
@@ -13093,7 +13039,7 @@
               </a:lnSpc>
             </a:pPr>
             <a:r>
-              <a:rPr lang="en-US" altLang="ko-KR" sz="1800" dirty="0">
+              <a:rPr lang="en-US" altLang="ko-KR" sz="1800" dirty="0" smtClean="0">
                 <a:ea typeface="굴림" panose="020B0600000101010101" pitchFamily="50" charset="-127"/>
               </a:rPr>
               <a:t>Capacitor/Inductor Characteristics</a:t>
@@ -13135,18 +13081,14 @@
   <p:clrMapOvr>
     <a:masterClrMapping/>
   </p:clrMapOvr>
-  <mc:AlternateContent xmlns:mc="http://schemas.openxmlformats.org/markup-compatibility/2006">
-    <mc:Choice xmlns:p159="http://schemas.microsoft.com/office/powerpoint/2015/09/main" Requires="p159">
-      <p:transition>
-        <p159:morph option="byChar"/>
-      </p:transition>
-    </mc:Choice>
-    <mc:Fallback>
-      <p:transition>
-        <p:fade/>
-      </p:transition>
-    </mc:Fallback>
-  </mc:AlternateContent>
+  <p:transition spd="med"/>
+  <p:timing>
+    <p:tnLst>
+      <p:par>
+        <p:cTn id="1" dur="indefinite" restart="never" nodeType="tmRoot"/>
+      </p:par>
+    </p:tnLst>
+  </p:timing>
 </p:sld>
 </file>
 
@@ -13184,12 +13126,12 @@
           <a:p>
             <a:pPr eaLnBrk="1" hangingPunct="1"/>
             <a:r>
-              <a:rPr lang="en-US" altLang="ko-KR" sz="1800" dirty="0">
+              <a:rPr lang="en-US" altLang="ko-KR" sz="1800" dirty="0" smtClean="0">
                 <a:ea typeface="굴림" panose="020B0600000101010101" pitchFamily="50" charset="-127"/>
               </a:rPr>
               <a:t>First Order Transient Circuits</a:t>
             </a:r>
-            <a:endParaRPr lang="ko-KR" altLang="en-US" sz="1800" dirty="0"/>
+            <a:endParaRPr lang="ko-KR" altLang="en-US" sz="1800" dirty="0" smtClean="0"/>
           </a:p>
         </p:txBody>
       </p:sp>
@@ -13228,7 +13170,16 @@
                 </a:solidFill>
                 <a:ea typeface="굴림" panose="020B0600000101010101" pitchFamily="50" charset="-127"/>
               </a:rPr>
-              <a:t>First Order Transient Circuits</a:t>
+              <a:t>First Order </a:t>
+            </a:r>
+            <a:r>
+              <a:rPr lang="en-US" altLang="ko-KR" sz="2800" b="1" i="1" dirty="0" smtClean="0">
+                <a:solidFill>
+                  <a:srgbClr val="0070C0"/>
+                </a:solidFill>
+                <a:ea typeface="굴림" panose="020B0600000101010101" pitchFamily="50" charset="-127"/>
+              </a:rPr>
+              <a:t>Transient Circuits</a:t>
             </a:r>
           </a:p>
           <a:p>
@@ -13236,13 +13187,13 @@
               <a:defRPr/>
             </a:pPr>
             <a:r>
-              <a:rPr lang="en-US" altLang="ko-KR" dirty="0">
+              <a:rPr lang="en-US" altLang="ko-KR" dirty="0" smtClean="0">
                 <a:ea typeface="굴림" panose="020B0600000101010101" pitchFamily="50" charset="-127"/>
               </a:rPr>
               <a:t>A first order circuit contain a </a:t>
             </a:r>
             <a:r>
-              <a:rPr lang="en-US" altLang="ko-KR" b="1" i="1" dirty="0">
+              <a:rPr lang="en-US" altLang="ko-KR" b="1" i="1" dirty="0" smtClean="0">
                 <a:solidFill>
                   <a:srgbClr val="A50021"/>
                 </a:solidFill>
@@ -13251,7 +13202,7 @@
               <a:t>single storage element</a:t>
             </a:r>
             <a:r>
-              <a:rPr lang="en-US" altLang="ko-KR" dirty="0">
+              <a:rPr lang="en-US" altLang="ko-KR" dirty="0" smtClean="0">
                 <a:ea typeface="굴림" panose="020B0600000101010101" pitchFamily="50" charset="-127"/>
               </a:rPr>
               <a:t>, i.e. one capacitor or one inductor.</a:t>
@@ -13262,10 +13213,16 @@
               <a:defRPr/>
             </a:pPr>
             <a:r>
+              <a:rPr lang="en-US" altLang="ko-KR" dirty="0" smtClean="0">
+                <a:ea typeface="굴림" panose="020B0600000101010101" pitchFamily="50" charset="-127"/>
+              </a:rPr>
+              <a:t>A </a:t>
+            </a:r>
+            <a:r>
               <a:rPr lang="en-US" altLang="ko-KR" dirty="0">
                 <a:ea typeface="굴림" panose="020B0600000101010101" pitchFamily="50" charset="-127"/>
               </a:rPr>
-              <a:t>A first order circuit is characterized by a </a:t>
+              <a:t>first order circuit is characterized by a </a:t>
             </a:r>
             <a:r>
               <a:rPr lang="en-US" altLang="ko-KR" b="1" i="1" dirty="0">
@@ -13325,7 +13282,7 @@
               <a:t>Resistive inductive, called </a:t>
             </a:r>
             <a:r>
-              <a:rPr lang="en-US" altLang="ko-KR" b="1" i="1" dirty="0">
+              <a:rPr lang="en-US" altLang="ko-KR" b="1" i="1" dirty="0" smtClean="0">
                 <a:solidFill>
                   <a:srgbClr val="A50021"/>
                 </a:solidFill>
@@ -13339,13 +13296,13 @@
               <a:defRPr/>
             </a:pPr>
             <a:r>
-              <a:rPr lang="en-US" altLang="ko-KR" dirty="0">
+              <a:rPr lang="en-US" altLang="ko-KR" dirty="0" smtClean="0">
                 <a:ea typeface="굴림" panose="020B0600000101010101" pitchFamily="50" charset="-127"/>
               </a:rPr>
               <a:t>We will assume the circuit is in a </a:t>
             </a:r>
             <a:r>
-              <a:rPr lang="en-US" altLang="ko-KR" b="1" i="1" dirty="0">
+              <a:rPr lang="en-US" altLang="ko-KR" b="1" i="1" dirty="0" smtClean="0">
                 <a:solidFill>
                   <a:srgbClr val="A50021"/>
                 </a:solidFill>
@@ -13354,11 +13311,14 @@
               <a:t>steady state</a:t>
             </a:r>
             <a:r>
-              <a:rPr lang="en-US" altLang="ko-KR" dirty="0">
+              <a:rPr lang="en-US" altLang="ko-KR" dirty="0" smtClean="0">
                 <a:ea typeface="굴림" panose="020B0600000101010101" pitchFamily="50" charset="-127"/>
               </a:rPr>
               <a:t> prior to a circuit interruption.</a:t>
             </a:r>
+            <a:endParaRPr lang="en-US" altLang="ko-KR" dirty="0">
+              <a:ea typeface="굴림" panose="020B0600000101010101" pitchFamily="50" charset="-127"/>
+            </a:endParaRPr>
           </a:p>
         </p:txBody>
       </p:sp>
@@ -13372,18 +13332,14 @@
   <p:clrMapOvr>
     <a:masterClrMapping/>
   </p:clrMapOvr>
-  <mc:AlternateContent xmlns:mc="http://schemas.openxmlformats.org/markup-compatibility/2006">
-    <mc:Choice xmlns:p159="http://schemas.microsoft.com/office/powerpoint/2015/09/main" Requires="p159">
-      <p:transition>
-        <p159:morph option="byChar"/>
-      </p:transition>
-    </mc:Choice>
-    <mc:Fallback>
-      <p:transition>
-        <p:fade/>
-      </p:transition>
-    </mc:Fallback>
-  </mc:AlternateContent>
+  <p:transition spd="med"/>
+  <p:timing>
+    <p:tnLst>
+      <p:par>
+        <p:cTn id="1" dur="indefinite" restart="never" nodeType="tmRoot"/>
+      </p:par>
+    </p:tnLst>
+  </p:timing>
 </p:sld>
 </file>
 
@@ -13424,7 +13380,7 @@
               <a:rPr lang="en-US" altLang="ko-KR" sz="2400" dirty="0"/>
               <a:t>Learning Objectives</a:t>
             </a:r>
-            <a:endParaRPr lang="ko-KR" altLang="en-US" sz="2400" dirty="0"/>
+            <a:endParaRPr lang="ko-KR" altLang="en-US" sz="2400" dirty="0" smtClean="0"/>
           </a:p>
         </p:txBody>
       </p:sp>
@@ -13453,13 +13409,22 @@
               <a:defRPr/>
             </a:pPr>
             <a:r>
+              <a:rPr lang="en-US" altLang="ko-KR" sz="2800" b="1" dirty="0" smtClean="0">
+                <a:solidFill>
+                  <a:srgbClr val="0070C0"/>
+                </a:solidFill>
+                <a:ea typeface="Microsoft Sans Serif" panose="020B0604020202020204" pitchFamily="34" charset="0"/>
+              </a:rPr>
+              <a:t>Learning </a:t>
+            </a:r>
+            <a:r>
               <a:rPr lang="en-US" altLang="ko-KR" sz="2800" b="1" dirty="0">
                 <a:solidFill>
                   <a:srgbClr val="0070C0"/>
                 </a:solidFill>
                 <a:ea typeface="Microsoft Sans Serif" panose="020B0604020202020204" pitchFamily="34" charset="0"/>
               </a:rPr>
-              <a:t>Learning Objectives </a:t>
+              <a:t>Objectives </a:t>
             </a:r>
           </a:p>
           <a:p>
@@ -13473,10 +13438,16 @@
               <a:rPr lang="en-US" altLang="ko-KR" b="1" dirty="0">
                 <a:ea typeface="Microsoft Sans Serif" panose="020B0604020202020204" pitchFamily="34" charset="0"/>
               </a:rPr>
-              <a:t>To understand the characteristics of </a:t>
-            </a:r>
-            <a:r>
-              <a:rPr lang="en-US" altLang="ko-KR" b="1" i="1" dirty="0">
+              <a:t>To </a:t>
+            </a:r>
+            <a:r>
+              <a:rPr lang="en-US" altLang="ko-KR" b="1" dirty="0" smtClean="0">
+                <a:ea typeface="Microsoft Sans Serif" panose="020B0604020202020204" pitchFamily="34" charset="0"/>
+              </a:rPr>
+              <a:t>understand the characteristics of </a:t>
+            </a:r>
+            <a:r>
+              <a:rPr lang="en-US" altLang="ko-KR" b="1" i="1" dirty="0" smtClean="0">
                 <a:solidFill>
                   <a:srgbClr val="A50021"/>
                 </a:solidFill>
@@ -13485,13 +13456,13 @@
               <a:t>capacitors</a:t>
             </a:r>
             <a:r>
-              <a:rPr lang="en-US" altLang="ko-KR" b="1" dirty="0">
+              <a:rPr lang="en-US" altLang="ko-KR" b="1" dirty="0" smtClean="0">
                 <a:ea typeface="Microsoft Sans Serif" panose="020B0604020202020204" pitchFamily="34" charset="0"/>
               </a:rPr>
               <a:t> and </a:t>
             </a:r>
             <a:r>
-              <a:rPr lang="en-US" altLang="ko-KR" b="1" i="1" dirty="0">
+              <a:rPr lang="en-US" altLang="ko-KR" b="1" i="1" dirty="0" smtClean="0">
                 <a:solidFill>
                   <a:srgbClr val="A50021"/>
                 </a:solidFill>
@@ -13508,13 +13479,13 @@
               <a:defRPr/>
             </a:pPr>
             <a:r>
-              <a:rPr lang="en-US" altLang="ko-KR" b="1" dirty="0">
+              <a:rPr lang="en-US" altLang="ko-KR" b="1" dirty="0" smtClean="0">
                 <a:ea typeface="Microsoft Sans Serif" panose="020B0604020202020204" pitchFamily="34" charset="0"/>
               </a:rPr>
               <a:t>To learn </a:t>
             </a:r>
             <a:r>
-              <a:rPr lang="en-US" altLang="ko-KR" b="1" i="1" dirty="0">
+              <a:rPr lang="en-US" altLang="ko-KR" b="1" i="1" dirty="0" smtClean="0">
                 <a:solidFill>
                   <a:srgbClr val="A50021"/>
                 </a:solidFill>
@@ -13523,13 +13494,13 @@
               <a:t>how to reduce </a:t>
             </a:r>
             <a:r>
-              <a:rPr lang="en-US" altLang="ko-KR" b="1" dirty="0">
+              <a:rPr lang="en-US" altLang="ko-KR" b="1" dirty="0" smtClean="0">
                 <a:ea typeface="Microsoft Sans Serif" panose="020B0604020202020204" pitchFamily="34" charset="0"/>
               </a:rPr>
               <a:t>a network of either capacitors or inductors </a:t>
             </a:r>
             <a:r>
-              <a:rPr lang="en-US" altLang="ko-KR" b="1" dirty="0">
+              <a:rPr lang="en-US" altLang="ko-KR" b="1" dirty="0" smtClean="0">
                 <a:solidFill>
                   <a:srgbClr val="A50021"/>
                 </a:solidFill>
@@ -13546,13 +13517,13 @@
               <a:defRPr/>
             </a:pPr>
             <a:r>
-              <a:rPr lang="en-US" altLang="ko-KR" b="1" dirty="0">
+              <a:rPr lang="en-US" altLang="ko-KR" b="1" dirty="0" smtClean="0">
                 <a:ea typeface="Microsoft Sans Serif" panose="020B0604020202020204" pitchFamily="34" charset="0"/>
               </a:rPr>
               <a:t>To understand the </a:t>
             </a:r>
             <a:r>
-              <a:rPr lang="en-US" altLang="ko-KR" b="1" i="1" dirty="0">
+              <a:rPr lang="en-US" altLang="ko-KR" b="1" i="1" dirty="0" smtClean="0">
                 <a:solidFill>
                   <a:srgbClr val="A50021"/>
                 </a:solidFill>
@@ -13561,7 +13532,7 @@
               <a:t>storage capability </a:t>
             </a:r>
             <a:r>
-              <a:rPr lang="en-US" altLang="ko-KR" b="1" dirty="0">
+              <a:rPr lang="en-US" altLang="ko-KR" b="1" dirty="0" smtClean="0">
                 <a:ea typeface="Microsoft Sans Serif" panose="020B0604020202020204" pitchFamily="34" charset="0"/>
               </a:rPr>
               <a:t>of these two elements</a:t>
@@ -13575,13 +13546,13 @@
               <a:defRPr/>
             </a:pPr>
             <a:r>
-              <a:rPr lang="en-US" altLang="ko-KR" b="1" dirty="0">
+              <a:rPr lang="en-US" altLang="ko-KR" b="1" dirty="0" smtClean="0">
                 <a:ea typeface="Microsoft Sans Serif" panose="020B0604020202020204" pitchFamily="34" charset="0"/>
               </a:rPr>
               <a:t>To understand the concept of </a:t>
             </a:r>
             <a:r>
-              <a:rPr lang="en-US" altLang="ko-KR" b="1" i="1" dirty="0">
+              <a:rPr lang="en-US" altLang="ko-KR" b="1" i="1" dirty="0" smtClean="0">
                 <a:solidFill>
                   <a:srgbClr val="A50021"/>
                 </a:solidFill>
@@ -13598,13 +13569,13 @@
               <a:defRPr/>
             </a:pPr>
             <a:r>
-              <a:rPr lang="en-US" altLang="ko-KR" b="1" dirty="0">
+              <a:rPr lang="en-US" altLang="ko-KR" b="1" dirty="0" smtClean="0">
                 <a:ea typeface="Microsoft Sans Serif" panose="020B0604020202020204" pitchFamily="34" charset="0"/>
               </a:rPr>
               <a:t>To solve </a:t>
             </a:r>
             <a:r>
-              <a:rPr lang="en-US" altLang="ko-KR" b="1" i="1" dirty="0">
+              <a:rPr lang="en-US" altLang="ko-KR" b="1" i="1" dirty="0" smtClean="0">
                 <a:solidFill>
                   <a:srgbClr val="A50021"/>
                 </a:solidFill>
@@ -13613,7 +13584,7 @@
               <a:t>first-order</a:t>
             </a:r>
             <a:r>
-              <a:rPr lang="en-US" altLang="ko-KR" b="1" dirty="0">
+              <a:rPr lang="en-US" altLang="ko-KR" b="1" dirty="0" smtClean="0">
                 <a:ea typeface="Microsoft Sans Serif" panose="020B0604020202020204" pitchFamily="34" charset="0"/>
               </a:rPr>
               <a:t> transient circuits</a:t>
@@ -13633,20 +13604,35 @@
               <a:t>To solve </a:t>
             </a:r>
             <a:r>
-              <a:rPr lang="en-US" altLang="ko-KR" b="1" i="1" dirty="0">
+              <a:rPr lang="en-US" altLang="ko-KR" b="1" i="1" dirty="0" smtClean="0">
                 <a:solidFill>
                   <a:srgbClr val="A50021"/>
                 </a:solidFill>
                 <a:ea typeface="Microsoft Sans Serif" panose="020B0604020202020204" pitchFamily="34" charset="0"/>
               </a:rPr>
               <a:t>second-order</a:t>
+            </a:r>
+            <a:r>
+              <a:rPr lang="en-US" altLang="ko-KR" b="1" dirty="0" smtClean="0">
+                <a:ea typeface="Microsoft Sans Serif" panose="020B0604020202020204" pitchFamily="34" charset="0"/>
+              </a:rPr>
+              <a:t> </a:t>
             </a:r>
             <a:r>
               <a:rPr lang="en-US" altLang="ko-KR" b="1" dirty="0">
                 <a:ea typeface="Microsoft Sans Serif" panose="020B0604020202020204" pitchFamily="34" charset="0"/>
               </a:rPr>
-              <a:t> transient circuits</a:t>
-            </a:r>
+              <a:t>transient </a:t>
+            </a:r>
+            <a:r>
+              <a:rPr lang="en-US" altLang="ko-KR" b="1" dirty="0" smtClean="0">
+                <a:ea typeface="Microsoft Sans Serif" panose="020B0604020202020204" pitchFamily="34" charset="0"/>
+              </a:rPr>
+              <a:t>circuits</a:t>
+            </a:r>
+            <a:endParaRPr lang="en-US" altLang="ko-KR" b="1" dirty="0">
+              <a:ea typeface="Microsoft Sans Serif" panose="020B0604020202020204" pitchFamily="34" charset="0"/>
+            </a:endParaRPr>
           </a:p>
           <a:p>
             <a:pPr>
@@ -13655,7 +13641,7 @@
               </a:spcBef>
               <a:defRPr/>
             </a:pPr>
-            <a:endParaRPr lang="en-US" altLang="ko-KR" b="1" dirty="0">
+            <a:endParaRPr lang="en-US" altLang="ko-KR" b="1" dirty="0" smtClean="0">
               <a:ea typeface="Microsoft Sans Serif" panose="020B0604020202020204" pitchFamily="34" charset="0"/>
             </a:endParaRPr>
           </a:p>
@@ -13666,18 +13652,14 @@
   <p:clrMapOvr>
     <a:masterClrMapping/>
   </p:clrMapOvr>
-  <mc:AlternateContent xmlns:mc="http://schemas.openxmlformats.org/markup-compatibility/2006">
-    <mc:Choice xmlns:p159="http://schemas.microsoft.com/office/powerpoint/2015/09/main" Requires="p159">
-      <p:transition>
-        <p159:morph option="byChar"/>
-      </p:transition>
-    </mc:Choice>
-    <mc:Fallback>
-      <p:transition>
-        <p:fade/>
-      </p:transition>
-    </mc:Fallback>
-  </mc:AlternateContent>
+  <p:transition spd="med"/>
+  <p:timing>
+    <p:tnLst>
+      <p:par>
+        <p:cTn id="1" dur="indefinite" restart="never" nodeType="tmRoot"/>
+      </p:par>
+    </p:tnLst>
+  </p:timing>
 </p:sld>
 </file>
 
@@ -13715,12 +13697,12 @@
           <a:p>
             <a:pPr eaLnBrk="1" hangingPunct="1"/>
             <a:r>
-              <a:rPr lang="en-US" altLang="ko-KR" sz="1800" dirty="0">
+              <a:rPr lang="en-US" altLang="ko-KR" sz="1800" dirty="0" smtClean="0">
                 <a:ea typeface="굴림" panose="020B0600000101010101" pitchFamily="50" charset="-127"/>
               </a:rPr>
               <a:t>First Order Transient Circuits</a:t>
             </a:r>
-            <a:endParaRPr lang="ko-KR" altLang="en-US" sz="1800" dirty="0"/>
+            <a:endParaRPr lang="ko-KR" altLang="en-US" sz="1800" dirty="0" smtClean="0"/>
           </a:p>
         </p:txBody>
       </p:sp>
@@ -13753,7 +13735,7 @@
               <a:defRPr/>
             </a:pPr>
             <a:r>
-              <a:rPr lang="en-US" altLang="ko-KR" sz="2800" b="1" i="1" dirty="0">
+              <a:rPr lang="en-US" altLang="ko-KR" sz="2800" b="1" i="1" dirty="0" smtClean="0">
                 <a:solidFill>
                   <a:srgbClr val="0070C0"/>
                 </a:solidFill>
@@ -13804,18 +13786,14 @@
   <p:clrMapOvr>
     <a:masterClrMapping/>
   </p:clrMapOvr>
-  <mc:AlternateContent xmlns:mc="http://schemas.openxmlformats.org/markup-compatibility/2006">
-    <mc:Choice xmlns:p159="http://schemas.microsoft.com/office/powerpoint/2015/09/main" Requires="p159">
-      <p:transition>
-        <p159:morph option="byChar"/>
-      </p:transition>
-    </mc:Choice>
-    <mc:Fallback>
-      <p:transition>
-        <p:fade/>
-      </p:transition>
-    </mc:Fallback>
-  </mc:AlternateContent>
+  <p:transition spd="med"/>
+  <p:timing>
+    <p:tnLst>
+      <p:par>
+        <p:cTn id="1" dur="indefinite" restart="never" nodeType="tmRoot"/>
+      </p:par>
+    </p:tnLst>
+  </p:timing>
 </p:sld>
 </file>
 
@@ -13853,12 +13831,12 @@
           <a:p>
             <a:pPr eaLnBrk="1" hangingPunct="1"/>
             <a:r>
-              <a:rPr lang="en-US" altLang="ko-KR" sz="1800" dirty="0">
+              <a:rPr lang="en-US" altLang="ko-KR" sz="1800" dirty="0" smtClean="0">
                 <a:ea typeface="굴림" panose="020B0600000101010101" pitchFamily="50" charset="-127"/>
               </a:rPr>
               <a:t>First Order Transient Circuits</a:t>
             </a:r>
-            <a:endParaRPr lang="ko-KR" altLang="en-US" sz="1800" dirty="0"/>
+            <a:endParaRPr lang="ko-KR" altLang="en-US" sz="1800" dirty="0" smtClean="0"/>
           </a:p>
         </p:txBody>
       </p:sp>
@@ -13887,7 +13865,7 @@
               <a:defRPr/>
             </a:pPr>
             <a:r>
-              <a:rPr lang="en-US" altLang="ko-KR" sz="2800" b="1" i="1" dirty="0">
+              <a:rPr lang="en-US" altLang="ko-KR" sz="2800" b="1" i="1" dirty="0" smtClean="0">
                 <a:solidFill>
                   <a:srgbClr val="0070C0"/>
                 </a:solidFill>
@@ -13904,11 +13882,26 @@
               <a:defRPr/>
             </a:pPr>
             <a:r>
-              <a:rPr lang="en-US" altLang="ko-KR" dirty="0">
+              <a:rPr lang="en-US" altLang="ko-KR" dirty="0" smtClean="0">
                 <a:ea typeface="굴림" panose="020B0600000101010101" pitchFamily="50" charset="-127"/>
               </a:rPr>
               <a:t>Applying KCL at RC Circuit of Figure 4.7.c</a:t>
             </a:r>
+            <a:endParaRPr lang="en-US" altLang="ko-KR" dirty="0">
+              <a:ea typeface="굴림" panose="020B0600000101010101" pitchFamily="50" charset="-127"/>
+            </a:endParaRPr>
+          </a:p>
+          <a:p>
+            <a:pPr marL="0" indent="0">
+              <a:buNone/>
+              <a:defRPr/>
+            </a:pPr>
+            <a:endParaRPr lang="en-US" altLang="ko-KR" sz="2800" b="1" i="1" dirty="0" smtClean="0">
+              <a:solidFill>
+                <a:srgbClr val="A50021"/>
+              </a:solidFill>
+              <a:ea typeface="굴림" panose="020B0600000101010101" pitchFamily="50" charset="-127"/>
+            </a:endParaRPr>
           </a:p>
           <a:p>
             <a:pPr marL="0" indent="0">
@@ -13927,7 +13920,7 @@
               <a:buNone/>
               <a:defRPr/>
             </a:pPr>
-            <a:endParaRPr lang="en-US" altLang="ko-KR" sz="2800" b="1" i="1" dirty="0">
+            <a:endParaRPr lang="en-US" altLang="ko-KR" sz="2800" b="1" i="1" dirty="0" smtClean="0">
               <a:solidFill>
                 <a:srgbClr val="A50021"/>
               </a:solidFill>
@@ -13939,7 +13932,7 @@
               <a:buNone/>
               <a:defRPr/>
             </a:pPr>
-            <a:endParaRPr lang="en-US" altLang="ko-KR" sz="2800" b="1" i="1" dirty="0">
+            <a:endParaRPr lang="en-US" altLang="ko-KR" sz="2800" b="1" i="1" dirty="0" smtClean="0">
               <a:solidFill>
                 <a:srgbClr val="A50021"/>
               </a:solidFill>
@@ -13951,19 +13944,7 @@
               <a:buNone/>
               <a:defRPr/>
             </a:pPr>
-            <a:endParaRPr lang="en-US" altLang="ko-KR" sz="2800" b="1" i="1" dirty="0">
-              <a:solidFill>
-                <a:srgbClr val="A50021"/>
-              </a:solidFill>
-              <a:ea typeface="굴림" panose="020B0600000101010101" pitchFamily="50" charset="-127"/>
-            </a:endParaRPr>
-          </a:p>
-          <a:p>
-            <a:pPr marL="0" indent="0">
-              <a:buNone/>
-              <a:defRPr/>
-            </a:pPr>
-            <a:endParaRPr lang="en-US" altLang="ko-KR" dirty="0">
+            <a:endParaRPr lang="en-US" altLang="ko-KR" dirty="0" smtClean="0">
               <a:ea typeface="굴림" panose="020B0600000101010101" pitchFamily="50" charset="-127"/>
             </a:endParaRPr>
           </a:p>
@@ -13980,7 +13961,7 @@
               <a:buNone/>
               <a:defRPr/>
             </a:pPr>
-            <a:endParaRPr lang="en-US" altLang="ko-KR" dirty="0">
+            <a:endParaRPr lang="en-US" altLang="ko-KR" dirty="0" smtClean="0">
               <a:ea typeface="굴림" panose="020B0600000101010101" pitchFamily="50" charset="-127"/>
             </a:endParaRPr>
           </a:p>
@@ -14044,18 +14025,14 @@
   <p:clrMapOvr>
     <a:masterClrMapping/>
   </p:clrMapOvr>
-  <mc:AlternateContent xmlns:mc="http://schemas.openxmlformats.org/markup-compatibility/2006">
-    <mc:Choice xmlns:p159="http://schemas.microsoft.com/office/powerpoint/2015/09/main" Requires="p159">
-      <p:transition>
-        <p159:morph option="byChar"/>
-      </p:transition>
-    </mc:Choice>
-    <mc:Fallback>
-      <p:transition>
-        <p:fade/>
-      </p:transition>
-    </mc:Fallback>
-  </mc:AlternateContent>
+  <p:transition spd="med"/>
+  <p:timing>
+    <p:tnLst>
+      <p:par>
+        <p:cTn id="1" dur="indefinite" restart="never" nodeType="tmRoot"/>
+      </p:par>
+    </p:tnLst>
+  </p:timing>
 </p:sld>
 </file>
 
@@ -14093,12 +14070,12 @@
           <a:p>
             <a:pPr eaLnBrk="1" hangingPunct="1"/>
             <a:r>
-              <a:rPr lang="en-US" altLang="ko-KR" sz="1800" dirty="0">
+              <a:rPr lang="en-US" altLang="ko-KR" sz="1800" dirty="0" smtClean="0">
                 <a:ea typeface="굴림" panose="020B0600000101010101" pitchFamily="50" charset="-127"/>
               </a:rPr>
               <a:t>First Order Transient Circuits</a:t>
             </a:r>
-            <a:endParaRPr lang="ko-KR" altLang="en-US" sz="1800" dirty="0"/>
+            <a:endParaRPr lang="ko-KR" altLang="en-US" sz="1800" dirty="0" smtClean="0"/>
           </a:p>
         </p:txBody>
       </p:sp>
@@ -14127,13 +14104,22 @@
               <a:defRPr/>
             </a:pPr>
             <a:r>
+              <a:rPr lang="en-US" altLang="ko-KR" sz="2800" b="1" i="1" dirty="0" smtClean="0">
+                <a:solidFill>
+                  <a:srgbClr val="0070C0"/>
+                </a:solidFill>
+                <a:ea typeface="굴림" panose="020B0600000101010101" pitchFamily="50" charset="-127"/>
+              </a:rPr>
+              <a:t>RL </a:t>
+            </a:r>
+            <a:r>
               <a:rPr lang="en-US" altLang="ko-KR" sz="2800" b="1" i="1" dirty="0">
                 <a:solidFill>
                   <a:srgbClr val="0070C0"/>
                 </a:solidFill>
                 <a:ea typeface="굴림" panose="020B0600000101010101" pitchFamily="50" charset="-127"/>
               </a:rPr>
-              <a:t>RL network</a:t>
+              <a:t>network</a:t>
             </a:r>
           </a:p>
           <a:p>
@@ -14147,15 +14133,48 @@
               <a:rPr lang="en-US" altLang="ko-KR" dirty="0">
                 <a:ea typeface="굴림" panose="020B0600000101010101" pitchFamily="50" charset="-127"/>
               </a:rPr>
-              <a:t>Applying KVL at RL Circuit of Figure 4.7.d</a:t>
-            </a:r>
+              <a:t>Applying </a:t>
+            </a:r>
+            <a:r>
+              <a:rPr lang="en-US" altLang="ko-KR" dirty="0" smtClean="0">
+                <a:ea typeface="굴림" panose="020B0600000101010101" pitchFamily="50" charset="-127"/>
+              </a:rPr>
+              <a:t>KVL </a:t>
+            </a:r>
+            <a:r>
+              <a:rPr lang="en-US" altLang="ko-KR" dirty="0">
+                <a:ea typeface="굴림" panose="020B0600000101010101" pitchFamily="50" charset="-127"/>
+              </a:rPr>
+              <a:t>at </a:t>
+            </a:r>
+            <a:r>
+              <a:rPr lang="en-US" altLang="ko-KR" dirty="0" smtClean="0">
+                <a:ea typeface="굴림" panose="020B0600000101010101" pitchFamily="50" charset="-127"/>
+              </a:rPr>
+              <a:t>RL </a:t>
+            </a:r>
+            <a:r>
+              <a:rPr lang="en-US" altLang="ko-KR" dirty="0">
+                <a:ea typeface="굴림" panose="020B0600000101010101" pitchFamily="50" charset="-127"/>
+              </a:rPr>
+              <a:t>Circuit of Figure </a:t>
+            </a:r>
+            <a:r>
+              <a:rPr lang="en-US" altLang="ko-KR" dirty="0" smtClean="0">
+                <a:ea typeface="굴림" panose="020B0600000101010101" pitchFamily="50" charset="-127"/>
+              </a:rPr>
+              <a:t>4.7.d</a:t>
+            </a:r>
+            <a:endParaRPr lang="en-US" altLang="ko-KR" dirty="0">
+              <a:ea typeface="굴림" panose="020B0600000101010101" pitchFamily="50" charset="-127"/>
+            </a:endParaRPr>
           </a:p>
           <a:p>
             <a:pPr marL="0" indent="0">
               <a:buNone/>
               <a:defRPr/>
             </a:pPr>
-            <a:endParaRPr lang="en-US" altLang="ko-KR" dirty="0">
+            <a:endParaRPr lang="en-US" altLang="ko-KR" dirty="0" smtClean="0">
               <a:ea typeface="굴림" panose="020B0600000101010101" pitchFamily="50" charset="-127"/>
             </a:endParaRPr>
           </a:p>
@@ -14172,7 +14191,7 @@
               <a:buNone/>
               <a:defRPr/>
             </a:pPr>
-            <a:endParaRPr lang="en-US" altLang="ko-KR" dirty="0">
+            <a:endParaRPr lang="en-US" altLang="ko-KR" dirty="0" smtClean="0">
               <a:ea typeface="굴림" panose="020B0600000101010101" pitchFamily="50" charset="-127"/>
             </a:endParaRPr>
           </a:p>
@@ -14236,18 +14255,14 @@
   <p:clrMapOvr>
     <a:masterClrMapping/>
   </p:clrMapOvr>
-  <mc:AlternateContent xmlns:mc="http://schemas.openxmlformats.org/markup-compatibility/2006">
-    <mc:Choice xmlns:p159="http://schemas.microsoft.com/office/powerpoint/2015/09/main" Requires="p159">
-      <p:transition>
-        <p159:morph option="byChar"/>
-      </p:transition>
-    </mc:Choice>
-    <mc:Fallback>
-      <p:transition>
-        <p:fade/>
-      </p:transition>
-    </mc:Fallback>
-  </mc:AlternateContent>
+  <p:transition spd="med"/>
+  <p:timing>
+    <p:tnLst>
+      <p:par>
+        <p:cTn id="1" dur="indefinite" restart="never" nodeType="tmRoot"/>
+      </p:par>
+    </p:tnLst>
+  </p:timing>
 </p:sld>
 </file>
 
@@ -14285,12 +14300,12 @@
           <a:p>
             <a:pPr eaLnBrk="1" hangingPunct="1"/>
             <a:r>
-              <a:rPr lang="en-US" altLang="ko-KR" sz="1800" dirty="0">
+              <a:rPr lang="en-US" altLang="ko-KR" sz="1800" dirty="0" smtClean="0">
                 <a:ea typeface="굴림" panose="020B0600000101010101" pitchFamily="50" charset="-127"/>
               </a:rPr>
               <a:t>First Order Transient Circuits</a:t>
             </a:r>
-            <a:endParaRPr lang="ko-KR" altLang="en-US" sz="1800" dirty="0"/>
+            <a:endParaRPr lang="ko-KR" altLang="en-US" sz="1800" dirty="0" smtClean="0"/>
           </a:p>
         </p:txBody>
       </p:sp>
@@ -14319,7 +14334,7 @@
               <a:defRPr/>
             </a:pPr>
             <a:r>
-              <a:rPr lang="en-US" altLang="ko-KR" sz="2800" b="1" i="1" dirty="0">
+              <a:rPr lang="en-US" altLang="ko-KR" sz="2800" b="1" i="1" dirty="0" smtClean="0">
                 <a:solidFill>
                   <a:srgbClr val="0070C0"/>
                 </a:solidFill>
@@ -14327,6 +14342,23 @@
               </a:rPr>
               <a:t>Differential equation</a:t>
             </a:r>
+            <a:endParaRPr lang="en-US" altLang="ko-KR" sz="2800" b="1" i="1" dirty="0">
+              <a:solidFill>
+                <a:srgbClr val="0070C0"/>
+              </a:solidFill>
+              <a:ea typeface="굴림" panose="020B0600000101010101" pitchFamily="50" charset="-127"/>
+            </a:endParaRPr>
+          </a:p>
+          <a:p>
+            <a:pPr>
+              <a:lnSpc>
+                <a:spcPct val="150000"/>
+              </a:lnSpc>
+              <a:defRPr/>
+            </a:pPr>
+            <a:endParaRPr lang="en-US" altLang="ko-KR" dirty="0" smtClean="0">
+              <a:ea typeface="굴림" panose="020B0600000101010101" pitchFamily="50" charset="-127"/>
+            </a:endParaRPr>
           </a:p>
           <a:p>
             <a:pPr>
@@ -14346,7 +14378,7 @@
               </a:lnSpc>
               <a:defRPr/>
             </a:pPr>
-            <a:endParaRPr lang="en-US" altLang="ko-KR" dirty="0">
+            <a:endParaRPr lang="en-US" altLang="ko-KR" dirty="0" smtClean="0">
               <a:ea typeface="굴림" panose="020B0600000101010101" pitchFamily="50" charset="-127"/>
             </a:endParaRPr>
           </a:p>
@@ -14357,25 +14389,14 @@
               </a:lnSpc>
               <a:defRPr/>
             </a:pPr>
-            <a:endParaRPr lang="en-US" altLang="ko-KR" dirty="0">
-              <a:ea typeface="굴림" panose="020B0600000101010101" pitchFamily="50" charset="-127"/>
-            </a:endParaRPr>
-          </a:p>
-          <a:p>
-            <a:pPr>
-              <a:lnSpc>
-                <a:spcPct val="150000"/>
-              </a:lnSpc>
-              <a:defRPr/>
-            </a:pPr>
-            <a:r>
-              <a:rPr lang="en-US" altLang="ko-KR" dirty="0">
+            <a:r>
+              <a:rPr lang="en-US" altLang="ko-KR" dirty="0" smtClean="0">
                 <a:ea typeface="굴림" panose="020B0600000101010101" pitchFamily="50" charset="-127"/>
               </a:rPr>
               <a:t>In case of </a:t>
             </a:r>
             <a:r>
-              <a:rPr lang="en-US" altLang="ko-KR" b="1" i="1" dirty="0">
+              <a:rPr lang="en-US" altLang="ko-KR" b="1" i="1" dirty="0" smtClean="0">
                 <a:latin typeface="+mn-lt"/>
                 <a:ea typeface="굴림" panose="020B0600000101010101" pitchFamily="50" charset="-127"/>
               </a:rPr>
@@ -14387,7 +14408,7 @@
               <a:defRPr/>
             </a:pPr>
             <a:r>
-              <a:rPr lang="en-US" altLang="ko-KR" b="1" i="1" dirty="0">
+              <a:rPr lang="en-US" altLang="ko-KR" b="1" i="1" dirty="0" smtClean="0">
                 <a:solidFill>
                   <a:srgbClr val="A50021"/>
                 </a:solidFill>
@@ -14410,7 +14431,7 @@
             <a:pPr lvl="1">
               <a:defRPr/>
             </a:pPr>
-            <a:endParaRPr lang="en-US" altLang="ko-KR" b="1" i="1" dirty="0">
+            <a:endParaRPr lang="en-US" altLang="ko-KR" b="1" i="1" dirty="0" smtClean="0">
               <a:solidFill>
                 <a:srgbClr val="A50021"/>
               </a:solidFill>
@@ -14423,7 +14444,7 @@
               <a:defRPr/>
             </a:pPr>
             <a:r>
-              <a:rPr lang="en-US" altLang="ko-KR" b="1" i="1" dirty="0">
+              <a:rPr lang="en-US" altLang="ko-KR" b="1" i="1" dirty="0" smtClean="0">
                 <a:solidFill>
                   <a:srgbClr val="A50021"/>
                 </a:solidFill>
@@ -14438,7 +14459,7 @@
               <a:buNone/>
               <a:defRPr/>
             </a:pPr>
-            <a:endParaRPr lang="en-US" altLang="ko-KR" dirty="0">
+            <a:endParaRPr lang="en-US" altLang="ko-KR" dirty="0" smtClean="0">
               <a:ea typeface="굴림" panose="020B0600000101010101" pitchFamily="50" charset="-127"/>
             </a:endParaRPr>
           </a:p>
@@ -14455,7 +14476,7 @@
               <a:buNone/>
               <a:defRPr/>
             </a:pPr>
-            <a:endParaRPr lang="en-US" altLang="ko-KR" dirty="0">
+            <a:endParaRPr lang="en-US" altLang="ko-KR" dirty="0" smtClean="0">
               <a:ea typeface="굴림" panose="020B0600000101010101" pitchFamily="50" charset="-127"/>
             </a:endParaRPr>
           </a:p>
@@ -14543,18 +14564,14 @@
   <p:clrMapOvr>
     <a:masterClrMapping/>
   </p:clrMapOvr>
-  <mc:AlternateContent xmlns:mc="http://schemas.openxmlformats.org/markup-compatibility/2006">
-    <mc:Choice xmlns:p159="http://schemas.microsoft.com/office/powerpoint/2015/09/main" Requires="p159">
-      <p:transition>
-        <p159:morph option="byChar"/>
-      </p:transition>
-    </mc:Choice>
-    <mc:Fallback>
-      <p:transition>
-        <p:fade/>
-      </p:transition>
-    </mc:Fallback>
-  </mc:AlternateContent>
+  <p:transition spd="med"/>
+  <p:timing>
+    <p:tnLst>
+      <p:par>
+        <p:cTn id="1" dur="indefinite" restart="never" nodeType="tmRoot"/>
+      </p:par>
+    </p:tnLst>
+  </p:timing>
 </p:sld>
 </file>
 
@@ -14592,12 +14609,12 @@
           <a:p>
             <a:pPr eaLnBrk="1" hangingPunct="1"/>
             <a:r>
-              <a:rPr lang="en-US" altLang="ko-KR" sz="1800" dirty="0">
+              <a:rPr lang="en-US" altLang="ko-KR" sz="1800" dirty="0" smtClean="0">
                 <a:ea typeface="굴림" panose="020B0600000101010101" pitchFamily="50" charset="-127"/>
               </a:rPr>
               <a:t>First Order Transient Circuits</a:t>
             </a:r>
-            <a:endParaRPr lang="ko-KR" altLang="en-US" sz="1800" dirty="0"/>
+            <a:endParaRPr lang="ko-KR" altLang="en-US" sz="1800" dirty="0" smtClean="0"/>
           </a:p>
         </p:txBody>
       </p:sp>
@@ -14625,7 +14642,7 @@
               <a:defRPr/>
             </a:pPr>
             <a:r>
-              <a:rPr lang="en-US" altLang="ko-KR" b="1" i="1" dirty="0">
+              <a:rPr lang="en-US" altLang="ko-KR" b="1" i="1" dirty="0" smtClean="0">
                 <a:solidFill>
                   <a:srgbClr val="A50021"/>
                 </a:solidFill>
@@ -14640,6 +14657,18 @@
               <a:defRPr/>
             </a:pPr>
             <a:endParaRPr lang="en-US" altLang="ko-KR" b="1" i="1" dirty="0">
+              <a:latin typeface="+mn-lt"/>
+              <a:ea typeface="굴림" panose="020B0600000101010101" pitchFamily="50" charset="-127"/>
+            </a:endParaRPr>
+          </a:p>
+          <a:p>
+            <a:pPr lvl="1">
+              <a:defRPr/>
+            </a:pPr>
+            <a:endParaRPr lang="en-US" altLang="ko-KR" b="1" i="1" dirty="0" smtClean="0">
+              <a:solidFill>
+                <a:srgbClr val="A50021"/>
+              </a:solidFill>
               <a:latin typeface="+mn-lt"/>
               <a:ea typeface="굴림" panose="020B0600000101010101" pitchFamily="50" charset="-127"/>
             </a:endParaRPr>
@@ -14660,7 +14689,7 @@
             <a:pPr lvl="1">
               <a:defRPr/>
             </a:pPr>
-            <a:endParaRPr lang="en-US" altLang="ko-KR" b="1" i="1" dirty="0">
+            <a:endParaRPr lang="en-US" altLang="ko-KR" b="1" i="1" dirty="0" smtClean="0">
               <a:solidFill>
                 <a:srgbClr val="A50021"/>
               </a:solidFill>
@@ -14684,20 +14713,8 @@
             <a:pPr lvl="1">
               <a:defRPr/>
             </a:pPr>
-            <a:endParaRPr lang="en-US" altLang="ko-KR" b="1" i="1" dirty="0">
-              <a:solidFill>
-                <a:srgbClr val="A50021"/>
-              </a:solidFill>
-              <a:latin typeface="+mn-lt"/>
-              <a:ea typeface="굴림" panose="020B0600000101010101" pitchFamily="50" charset="-127"/>
-            </a:endParaRPr>
-          </a:p>
-          <a:p>
-            <a:pPr lvl="1">
-              <a:defRPr/>
-            </a:pPr>
-            <a:r>
-              <a:rPr lang="en-US" altLang="ko-KR" b="1" i="1" dirty="0">
+            <a:r>
+              <a:rPr lang="en-US" altLang="ko-KR" b="1" i="1" dirty="0" smtClean="0">
                 <a:solidFill>
                   <a:srgbClr val="A50021"/>
                 </a:solidFill>
@@ -14712,7 +14729,7 @@
               <a:buNone/>
               <a:defRPr/>
             </a:pPr>
-            <a:endParaRPr lang="en-US" altLang="ko-KR" dirty="0">
+            <a:endParaRPr lang="en-US" altLang="ko-KR" dirty="0" smtClean="0">
               <a:ea typeface="굴림" panose="020B0600000101010101" pitchFamily="50" charset="-127"/>
             </a:endParaRPr>
           </a:p>
@@ -14729,7 +14746,7 @@
               <a:buNone/>
               <a:defRPr/>
             </a:pPr>
-            <a:endParaRPr lang="en-US" altLang="ko-KR" dirty="0">
+            <a:endParaRPr lang="en-US" altLang="ko-KR" dirty="0" smtClean="0">
               <a:ea typeface="굴림" panose="020B0600000101010101" pitchFamily="50" charset="-127"/>
             </a:endParaRPr>
           </a:p>
@@ -14841,18 +14858,14 @@
   <p:clrMapOvr>
     <a:masterClrMapping/>
   </p:clrMapOvr>
-  <mc:AlternateContent xmlns:mc="http://schemas.openxmlformats.org/markup-compatibility/2006">
-    <mc:Choice xmlns:p159="http://schemas.microsoft.com/office/powerpoint/2015/09/main" Requires="p159">
-      <p:transition>
-        <p159:morph option="byChar"/>
-      </p:transition>
-    </mc:Choice>
-    <mc:Fallback>
-      <p:transition>
-        <p:fade/>
-      </p:transition>
-    </mc:Fallback>
-  </mc:AlternateContent>
+  <p:transition spd="med"/>
+  <p:timing>
+    <p:tnLst>
+      <p:par>
+        <p:cTn id="1" dur="indefinite" restart="never" nodeType="tmRoot"/>
+      </p:par>
+    </p:tnLst>
+  </p:timing>
 </p:sld>
 </file>
 
@@ -14890,12 +14903,12 @@
           <a:p>
             <a:pPr eaLnBrk="1" hangingPunct="1"/>
             <a:r>
-              <a:rPr lang="en-US" altLang="ko-KR" sz="1800" dirty="0">
+              <a:rPr lang="en-US" altLang="ko-KR" sz="1800" dirty="0" smtClean="0">
                 <a:ea typeface="굴림" panose="020B0600000101010101" pitchFamily="50" charset="-127"/>
               </a:rPr>
               <a:t>First Order Transient Circuits</a:t>
             </a:r>
-            <a:endParaRPr lang="ko-KR" altLang="en-US" sz="1800" dirty="0"/>
+            <a:endParaRPr lang="ko-KR" altLang="en-US" sz="1800" dirty="0" smtClean="0"/>
           </a:p>
         </p:txBody>
       </p:sp>
@@ -14924,7 +14937,7 @@
               <a:defRPr/>
             </a:pPr>
             <a:r>
-              <a:rPr lang="en-US" altLang="ko-KR" sz="2800" b="1" i="1" dirty="0">
+              <a:rPr lang="en-US" altLang="ko-KR" sz="2800" b="1" i="1" dirty="0" smtClean="0">
                 <a:solidFill>
                   <a:srgbClr val="0070C0"/>
                 </a:solidFill>
@@ -14932,6 +14945,23 @@
               </a:rPr>
               <a:t>Series RC Network Solution</a:t>
             </a:r>
+            <a:endParaRPr lang="en-US" altLang="ko-KR" sz="2800" b="1" i="1" dirty="0">
+              <a:solidFill>
+                <a:srgbClr val="0070C0"/>
+              </a:solidFill>
+              <a:ea typeface="굴림" panose="020B0600000101010101" pitchFamily="50" charset="-127"/>
+            </a:endParaRPr>
+          </a:p>
+          <a:p>
+            <a:pPr>
+              <a:lnSpc>
+                <a:spcPct val="150000"/>
+              </a:lnSpc>
+              <a:defRPr/>
+            </a:pPr>
+            <a:endParaRPr lang="en-US" altLang="ko-KR" dirty="0" smtClean="0">
+              <a:ea typeface="굴림" panose="020B0600000101010101" pitchFamily="50" charset="-127"/>
+            </a:endParaRPr>
           </a:p>
           <a:p>
             <a:pPr>
@@ -14951,18 +14981,7 @@
               </a:lnSpc>
               <a:defRPr/>
             </a:pPr>
-            <a:endParaRPr lang="en-US" altLang="ko-KR" dirty="0">
-              <a:ea typeface="굴림" panose="020B0600000101010101" pitchFamily="50" charset="-127"/>
-            </a:endParaRPr>
-          </a:p>
-          <a:p>
-            <a:pPr>
-              <a:lnSpc>
-                <a:spcPct val="150000"/>
-              </a:lnSpc>
-              <a:defRPr/>
-            </a:pPr>
-            <a:endParaRPr lang="en-US" altLang="ko-KR" dirty="0">
+            <a:endParaRPr lang="en-US" altLang="ko-KR" dirty="0" smtClean="0">
               <a:ea typeface="굴림" panose="020B0600000101010101" pitchFamily="50" charset="-127"/>
             </a:endParaRPr>
           </a:p>
@@ -14979,7 +14998,7 @@
               <a:buNone/>
               <a:defRPr/>
             </a:pPr>
-            <a:endParaRPr lang="en-US" altLang="ko-KR" dirty="0">
+            <a:endParaRPr lang="en-US" altLang="ko-KR" dirty="0" smtClean="0">
               <a:ea typeface="굴림" panose="020B0600000101010101" pitchFamily="50" charset="-127"/>
             </a:endParaRPr>
           </a:p>
@@ -15043,18 +15062,14 @@
   <p:clrMapOvr>
     <a:masterClrMapping/>
   </p:clrMapOvr>
-  <mc:AlternateContent xmlns:mc="http://schemas.openxmlformats.org/markup-compatibility/2006">
-    <mc:Choice xmlns:p159="http://schemas.microsoft.com/office/powerpoint/2015/09/main" Requires="p159">
-      <p:transition>
-        <p159:morph option="byChar"/>
-      </p:transition>
-    </mc:Choice>
-    <mc:Fallback>
-      <p:transition>
-        <p:fade/>
-      </p:transition>
-    </mc:Fallback>
-  </mc:AlternateContent>
+  <p:transition spd="med"/>
+  <p:timing>
+    <p:tnLst>
+      <p:par>
+        <p:cTn id="1" dur="indefinite" restart="never" nodeType="tmRoot"/>
+      </p:par>
+    </p:tnLst>
+  </p:timing>
 </p:sld>
 </file>
 
@@ -15092,12 +15107,12 @@
           <a:p>
             <a:pPr eaLnBrk="1" hangingPunct="1"/>
             <a:r>
-              <a:rPr lang="en-US" altLang="ko-KR" sz="1800" dirty="0">
+              <a:rPr lang="en-US" altLang="ko-KR" sz="1800" dirty="0" smtClean="0">
                 <a:ea typeface="굴림" panose="020B0600000101010101" pitchFamily="50" charset="-127"/>
               </a:rPr>
               <a:t>First Order Transient Circuits</a:t>
             </a:r>
-            <a:endParaRPr lang="ko-KR" altLang="en-US" sz="1800" dirty="0"/>
+            <a:endParaRPr lang="ko-KR" altLang="en-US" sz="1800" dirty="0" smtClean="0"/>
           </a:p>
         </p:txBody>
       </p:sp>
@@ -15126,7 +15141,7 @@
               <a:defRPr/>
             </a:pPr>
             <a:r>
-              <a:rPr lang="en-US" altLang="ko-KR" sz="2800" b="1" i="1" dirty="0">
+              <a:rPr lang="en-US" altLang="ko-KR" sz="2800" b="1" i="1" dirty="0" smtClean="0">
                 <a:solidFill>
                   <a:srgbClr val="0070C0"/>
                 </a:solidFill>
@@ -15134,6 +15149,23 @@
               </a:rPr>
               <a:t>Series RL Network Solution</a:t>
             </a:r>
+            <a:endParaRPr lang="en-US" altLang="ko-KR" sz="2800" b="1" i="1" dirty="0">
+              <a:solidFill>
+                <a:srgbClr val="0070C0"/>
+              </a:solidFill>
+              <a:ea typeface="굴림" panose="020B0600000101010101" pitchFamily="50" charset="-127"/>
+            </a:endParaRPr>
+          </a:p>
+          <a:p>
+            <a:pPr>
+              <a:lnSpc>
+                <a:spcPct val="150000"/>
+              </a:lnSpc>
+              <a:defRPr/>
+            </a:pPr>
+            <a:endParaRPr lang="en-US" altLang="ko-KR" dirty="0" smtClean="0">
+              <a:ea typeface="굴림" panose="020B0600000101010101" pitchFamily="50" charset="-127"/>
+            </a:endParaRPr>
           </a:p>
           <a:p>
             <a:pPr>
@@ -15153,18 +15185,7 @@
               </a:lnSpc>
               <a:defRPr/>
             </a:pPr>
-            <a:endParaRPr lang="en-US" altLang="ko-KR" dirty="0">
-              <a:ea typeface="굴림" panose="020B0600000101010101" pitchFamily="50" charset="-127"/>
-            </a:endParaRPr>
-          </a:p>
-          <a:p>
-            <a:pPr>
-              <a:lnSpc>
-                <a:spcPct val="150000"/>
-              </a:lnSpc>
-              <a:defRPr/>
-            </a:pPr>
-            <a:endParaRPr lang="en-US" altLang="ko-KR" dirty="0">
+            <a:endParaRPr lang="en-US" altLang="ko-KR" dirty="0" smtClean="0">
               <a:ea typeface="굴림" panose="020B0600000101010101" pitchFamily="50" charset="-127"/>
             </a:endParaRPr>
           </a:p>
@@ -15181,7 +15202,7 @@
               <a:buNone/>
               <a:defRPr/>
             </a:pPr>
-            <a:endParaRPr lang="en-US" altLang="ko-KR" dirty="0">
+            <a:endParaRPr lang="en-US" altLang="ko-KR" dirty="0" smtClean="0">
               <a:ea typeface="굴림" panose="020B0600000101010101" pitchFamily="50" charset="-127"/>
             </a:endParaRPr>
           </a:p>
@@ -15245,18 +15266,14 @@
   <p:clrMapOvr>
     <a:masterClrMapping/>
   </p:clrMapOvr>
-  <mc:AlternateContent xmlns:mc="http://schemas.openxmlformats.org/markup-compatibility/2006">
-    <mc:Choice xmlns:p159="http://schemas.microsoft.com/office/powerpoint/2015/09/main" Requires="p159">
-      <p:transition>
-        <p159:morph option="byChar"/>
-      </p:transition>
-    </mc:Choice>
-    <mc:Fallback>
-      <p:transition>
-        <p:fade/>
-      </p:transition>
-    </mc:Fallback>
-  </mc:AlternateContent>
+  <p:transition spd="med"/>
+  <p:timing>
+    <p:tnLst>
+      <p:par>
+        <p:cTn id="1" dur="indefinite" restart="never" nodeType="tmRoot"/>
+      </p:par>
+    </p:tnLst>
+  </p:timing>
 </p:sld>
 </file>
 
@@ -15299,7 +15316,7 @@
               </a:rPr>
               <a:t>First Order Transient Circuits</a:t>
             </a:r>
-            <a:endParaRPr lang="ko-KR" altLang="en-US" sz="1800"/>
+            <a:endParaRPr lang="ko-KR" altLang="en-US" sz="1800" smtClean="0"/>
           </a:p>
         </p:txBody>
       </p:sp>
@@ -15329,7 +15346,7 @@
               <a:defRPr/>
             </a:pPr>
             <a:r>
-              <a:rPr lang="en-US" altLang="ko-KR" sz="3200" b="1" i="1" dirty="0">
+              <a:rPr lang="en-US" altLang="ko-KR" sz="3200" b="1" i="1" dirty="0" smtClean="0">
                 <a:solidFill>
                   <a:srgbClr val="0070C0"/>
                 </a:solidFill>
@@ -15456,18 +15473,14 @@
   <p:clrMapOvr>
     <a:masterClrMapping/>
   </p:clrMapOvr>
-  <mc:AlternateContent xmlns:mc="http://schemas.openxmlformats.org/markup-compatibility/2006">
-    <mc:Choice xmlns:p159="http://schemas.microsoft.com/office/powerpoint/2015/09/main" Requires="p159">
-      <p:transition>
-        <p159:morph option="byChar"/>
-      </p:transition>
-    </mc:Choice>
-    <mc:Fallback>
-      <p:transition>
-        <p:fade/>
-      </p:transition>
-    </mc:Fallback>
-  </mc:AlternateContent>
+  <p:transition spd="med"/>
+  <p:timing>
+    <p:tnLst>
+      <p:par>
+        <p:cTn id="1" dur="indefinite" restart="never" nodeType="tmRoot"/>
+      </p:par>
+    </p:tnLst>
+  </p:timing>
 </p:sld>
 </file>
 
@@ -15497,7 +15510,7 @@
           <p:nvPr/>
         </p:nvPicPr>
         <p:blipFill>
-          <a:blip r:embed="rId2"/>
+          <a:blip r:embed="rId3"/>
           <a:stretch>
             <a:fillRect/>
           </a:stretch>
@@ -15534,7 +15547,7 @@
               </a:rPr>
               <a:t>First Order Transient Circuits</a:t>
             </a:r>
-            <a:endParaRPr lang="ko-KR" altLang="en-US" sz="1800"/>
+            <a:endParaRPr lang="ko-KR" altLang="en-US" sz="1800" smtClean="0"/>
           </a:p>
         </p:txBody>
       </p:sp>
@@ -15564,7 +15577,7 @@
               <a:defRPr/>
             </a:pPr>
             <a:r>
-              <a:rPr lang="en-US" altLang="ko-KR" sz="2800" b="1" dirty="0">
+              <a:rPr lang="en-US" altLang="ko-KR" sz="2800" b="1" dirty="0" smtClean="0">
                 <a:solidFill>
                   <a:srgbClr val="0070C0"/>
                 </a:solidFill>
@@ -15650,7 +15663,14 @@
                 <a:ea typeface="굴림" panose="020B0600000101010101" pitchFamily="50" charset="-127"/>
                 <a:sym typeface="Symbol" panose="05050102010706020507" pitchFamily="18" charset="2"/>
               </a:rPr>
-              <a:t> as the reference voltage:</a:t>
+              <a:t> as the reference voltage</a:t>
+            </a:r>
+            <a:r>
+              <a:rPr lang="en-US" altLang="ko-KR" dirty="0" smtClean="0">
+                <a:ea typeface="굴림" panose="020B0600000101010101" pitchFamily="50" charset="-127"/>
+                <a:sym typeface="Symbol" panose="05050102010706020507" pitchFamily="18" charset="2"/>
+              </a:rPr>
+              <a:t>:</a:t>
             </a:r>
           </a:p>
           <a:p>
@@ -15667,10 +15687,16 @@
               <a:defRPr/>
             </a:pPr>
             <a:r>
+              <a:rPr lang="en-US" altLang="ko-KR" dirty="0" smtClean="0">
+                <a:ea typeface="굴림" panose="020B0600000101010101" pitchFamily="50" charset="-127"/>
+              </a:rPr>
+              <a:t>The </a:t>
+            </a:r>
+            <a:r>
               <a:rPr lang="en-US" altLang="ko-KR" dirty="0">
                 <a:ea typeface="굴림" panose="020B0600000101010101" pitchFamily="50" charset="-127"/>
               </a:rPr>
-              <a:t>The voltage can thus be expressed as:</a:t>
+              <a:t>voltage can thus be expressed as:</a:t>
             </a:r>
           </a:p>
         </p:txBody>
@@ -15697,12 +15723,12 @@
           <a:graphicData uri="http://schemas.openxmlformats.org/presentationml/2006/ole">
             <mc:AlternateContent xmlns:mc="http://schemas.openxmlformats.org/markup-compatibility/2006">
               <mc:Choice xmlns:v="urn:schemas-microsoft-com:vml" Requires="v">
-                <p:oleObj name="Equation" r:id="rId3" imgW="482181" imgH="177646" progId="Equation.DSMT4">
+                <p:oleObj spid="_x0000_s30738" name="Equation" r:id="rId4" imgW="482181" imgH="177646" progId="Equation.DSMT4">
                   <p:embed/>
                 </p:oleObj>
               </mc:Choice>
               <mc:Fallback>
-                <p:oleObj name="Equation" r:id="rId3" imgW="482181" imgH="177646" progId="Equation.DSMT4">
+                <p:oleObj name="Equation" r:id="rId4" imgW="482181" imgH="177646" progId="Equation.DSMT4">
                   <p:embed/>
                   <p:pic>
                     <p:nvPicPr>
@@ -15713,7 +15739,7 @@
                       <p:nvPr/>
                     </p:nvPicPr>
                     <p:blipFill>
-                      <a:blip r:embed="rId4">
+                      <a:blip r:embed="rId5">
                         <a:extLst>
                           <a:ext uri="{28A0092B-C50C-407E-A947-70E740481C1C}">
                             <a14:useLocalDpi xmlns:a14="http://schemas.microsoft.com/office/drawing/2010/main" val="0"/>
@@ -15786,12 +15812,12 @@
           <a:graphicData uri="http://schemas.openxmlformats.org/presentationml/2006/ole">
             <mc:AlternateContent xmlns:mc="http://schemas.openxmlformats.org/markup-compatibility/2006">
               <mc:Choice xmlns:v="urn:schemas-microsoft-com:vml" Requires="v">
-                <p:oleObj name="Equation" r:id="rId5" imgW="812447" imgH="253890" progId="Equation.DSMT4">
+                <p:oleObj spid="_x0000_s30739" name="Equation" r:id="rId6" imgW="812447" imgH="253890" progId="Equation.DSMT4">
                   <p:embed/>
                 </p:oleObj>
               </mc:Choice>
               <mc:Fallback>
-                <p:oleObj name="Equation" r:id="rId5" imgW="812447" imgH="253890" progId="Equation.DSMT4">
+                <p:oleObj name="Equation" r:id="rId6" imgW="812447" imgH="253890" progId="Equation.DSMT4">
                   <p:embed/>
                   <p:pic>
                     <p:nvPicPr>
@@ -15802,7 +15828,7 @@
                       <p:nvPr/>
                     </p:nvPicPr>
                     <p:blipFill>
-                      <a:blip r:embed="rId6">
+                      <a:blip r:embed="rId7">
                         <a:extLst>
                           <a:ext uri="{28A0092B-C50C-407E-A947-70E740481C1C}">
                             <a14:useLocalDpi xmlns:a14="http://schemas.microsoft.com/office/drawing/2010/main" val="0"/>
@@ -15862,7 +15888,7 @@
           <p:nvPr/>
         </p:nvPicPr>
         <p:blipFill>
-          <a:blip r:embed="rId7"/>
+          <a:blip r:embed="rId8"/>
           <a:stretch>
             <a:fillRect/>
           </a:stretch>
@@ -15887,18 +15913,14 @@
   <p:clrMapOvr>
     <a:masterClrMapping/>
   </p:clrMapOvr>
-  <mc:AlternateContent xmlns:mc="http://schemas.openxmlformats.org/markup-compatibility/2006">
-    <mc:Choice xmlns:p159="http://schemas.microsoft.com/office/powerpoint/2015/09/main" Requires="p159">
-      <p:transition>
-        <p159:morph option="byChar"/>
-      </p:transition>
-    </mc:Choice>
-    <mc:Fallback>
-      <p:transition>
-        <p:fade/>
-      </p:transition>
-    </mc:Fallback>
-  </mc:AlternateContent>
+  <p:transition spd="med"/>
+  <p:timing>
+    <p:tnLst>
+      <p:par>
+        <p:cTn id="1" dur="indefinite" restart="never" nodeType="tmRoot"/>
+      </p:par>
+    </p:tnLst>
+  </p:timing>
 </p:sld>
 </file>
 
@@ -15941,7 +15963,7 @@
               </a:rPr>
               <a:t>First Order Transient Circuits</a:t>
             </a:r>
-            <a:endParaRPr lang="ko-KR" altLang="en-US" sz="1800"/>
+            <a:endParaRPr lang="ko-KR" altLang="en-US" sz="1800" smtClean="0"/>
           </a:p>
         </p:txBody>
       </p:sp>
@@ -15971,7 +15993,7 @@
               <a:defRPr/>
             </a:pPr>
             <a:r>
-              <a:rPr lang="en-US" altLang="ko-KR" sz="2800" b="1" dirty="0">
+              <a:rPr lang="en-US" altLang="ko-KR" sz="2800" b="1" dirty="0" smtClean="0">
                 <a:solidFill>
                   <a:srgbClr val="0070C0"/>
                 </a:solidFill>
@@ -16016,18 +16038,14 @@
   <p:clrMapOvr>
     <a:masterClrMapping/>
   </p:clrMapOvr>
-  <mc:AlternateContent xmlns:mc="http://schemas.openxmlformats.org/markup-compatibility/2006">
-    <mc:Choice xmlns:p159="http://schemas.microsoft.com/office/powerpoint/2015/09/main" Requires="p159">
-      <p:transition>
-        <p159:morph option="byChar"/>
-      </p:transition>
-    </mc:Choice>
-    <mc:Fallback>
-      <p:transition>
-        <p:fade/>
-      </p:transition>
-    </mc:Fallback>
-  </mc:AlternateContent>
+  <p:transition spd="med"/>
+  <p:timing>
+    <p:tnLst>
+      <p:par>
+        <p:cTn id="1" dur="indefinite" restart="never" nodeType="tmRoot"/>
+      </p:par>
+    </p:tnLst>
+  </p:timing>
 </p:sld>
 </file>
 
@@ -16065,12 +16083,12 @@
           <a:p>
             <a:pPr eaLnBrk="1" hangingPunct="1"/>
             <a:r>
-              <a:rPr lang="en-US" altLang="ko-KR" sz="1800" dirty="0">
+              <a:rPr lang="en-US" altLang="ko-KR" sz="1800" dirty="0" smtClean="0">
                 <a:ea typeface="굴림" panose="020B0600000101010101" pitchFamily="50" charset="-127"/>
               </a:rPr>
               <a:t>Capacitors</a:t>
             </a:r>
-            <a:endParaRPr lang="ko-KR" altLang="en-US" sz="1800" dirty="0"/>
+            <a:endParaRPr lang="ko-KR" altLang="en-US" sz="1800" dirty="0" smtClean="0"/>
           </a:p>
         </p:txBody>
       </p:sp>
@@ -16100,7 +16118,7 @@
               <a:defRPr/>
             </a:pPr>
             <a:r>
-              <a:rPr lang="en-US" altLang="ko-KR" sz="3200" b="1" dirty="0">
+              <a:rPr lang="en-US" altLang="ko-KR" sz="3200" b="1" dirty="0" smtClean="0">
                 <a:solidFill>
                   <a:srgbClr val="0070C0"/>
                 </a:solidFill>
@@ -16189,7 +16207,7 @@
           <p:nvPr/>
         </p:nvPicPr>
         <p:blipFill>
-          <a:blip r:embed="rId2">
+          <a:blip r:embed="rId3">
             <a:extLst>
               <a:ext uri="{28A0092B-C50C-407E-A947-70E740481C1C}">
                 <a14:useLocalDpi xmlns:a14="http://schemas.microsoft.com/office/drawing/2010/main" val="0"/>
@@ -16256,12 +16274,12 @@
           <a:graphicData uri="http://schemas.openxmlformats.org/presentationml/2006/ole">
             <mc:AlternateContent xmlns:mc="http://schemas.openxmlformats.org/markup-compatibility/2006">
               <mc:Choice xmlns:v="urn:schemas-microsoft-com:vml" Requires="v">
-                <p:oleObj name="Equation" r:id="rId3" imgW="507780" imgH="393529" progId="Equation.DSMT4">
+                <p:oleObj spid="_x0000_s17421" name="Equation" r:id="rId4" imgW="507780" imgH="393529" progId="Equation.DSMT4">
                   <p:embed/>
                 </p:oleObj>
               </mc:Choice>
               <mc:Fallback>
-                <p:oleObj name="Equation" r:id="rId3" imgW="507780" imgH="393529" progId="Equation.DSMT4">
+                <p:oleObj name="Equation" r:id="rId4" imgW="507780" imgH="393529" progId="Equation.DSMT4">
                   <p:embed/>
                   <p:pic>
                     <p:nvPicPr>
@@ -16272,7 +16290,7 @@
                       <p:nvPr/>
                     </p:nvPicPr>
                     <p:blipFill>
-                      <a:blip r:embed="rId4">
+                      <a:blip r:embed="rId5">
                         <a:extLst>
                           <a:ext uri="{28A0092B-C50C-407E-A947-70E740481C1C}">
                             <a14:useLocalDpi xmlns:a14="http://schemas.microsoft.com/office/drawing/2010/main" val="0"/>
@@ -16333,18 +16351,14 @@
   <p:clrMapOvr>
     <a:masterClrMapping/>
   </p:clrMapOvr>
-  <mc:AlternateContent xmlns:mc="http://schemas.openxmlformats.org/markup-compatibility/2006">
-    <mc:Choice xmlns:p159="http://schemas.microsoft.com/office/powerpoint/2015/09/main" Requires="p159">
-      <p:transition>
-        <p159:morph option="byChar"/>
-      </p:transition>
-    </mc:Choice>
-    <mc:Fallback>
-      <p:transition>
-        <p:fade/>
-      </p:transition>
-    </mc:Fallback>
-  </mc:AlternateContent>
+  <p:transition spd="med"/>
+  <p:timing>
+    <p:tnLst>
+      <p:par>
+        <p:cTn id="1" dur="indefinite" restart="never" nodeType="tmRoot"/>
+      </p:par>
+    </p:tnLst>
+  </p:timing>
 </p:sld>
 </file>
 
@@ -16382,12 +16396,12 @@
           <a:p>
             <a:pPr eaLnBrk="1" hangingPunct="1"/>
             <a:r>
-              <a:rPr lang="en-US" altLang="ko-KR" sz="1800" dirty="0">
+              <a:rPr lang="en-US" altLang="ko-KR" sz="1800" dirty="0" smtClean="0">
                 <a:ea typeface="굴림" panose="020B0600000101010101" pitchFamily="50" charset="-127"/>
               </a:rPr>
               <a:t>First Order Transient Circuits</a:t>
             </a:r>
-            <a:endParaRPr lang="ko-KR" altLang="en-US" sz="1800" dirty="0"/>
+            <a:endParaRPr lang="ko-KR" altLang="en-US" sz="1800" dirty="0" smtClean="0"/>
           </a:p>
         </p:txBody>
       </p:sp>
@@ -16422,7 +16436,7 @@
                   <a:defRPr/>
                 </a:pPr>
                 <a:r>
-                  <a:rPr lang="en-US" altLang="ko-KR" sz="2800" b="1" i="1" dirty="0">
+                  <a:rPr lang="en-US" altLang="ko-KR" sz="2800" b="1" i="1" dirty="0" smtClean="0">
                     <a:solidFill>
                       <a:srgbClr val="0070C0"/>
                     </a:solidFill>
@@ -16436,7 +16450,7 @@
                   <a:defRPr/>
                 </a:pPr>
                 <a:r>
-                  <a:rPr lang="en-US" altLang="ko-KR" dirty="0">
+                  <a:rPr lang="en-US" altLang="ko-KR" dirty="0" smtClean="0">
                     <a:ea typeface="굴림" panose="020B0600000101010101" pitchFamily="50" charset="-127"/>
                   </a:rPr>
                   <a:t>Fine the output current </a:t>
@@ -16528,11 +16542,14 @@
                   </m:oMath>
                 </a14:m>
                 <a:r>
-                  <a:rPr lang="en-US" altLang="ko-KR" dirty="0">
+                  <a:rPr lang="en-US" altLang="ko-KR" dirty="0" smtClean="0">
                     <a:ea typeface="굴림" panose="020B0600000101010101" pitchFamily="50" charset="-127"/>
                   </a:rPr>
                   <a:t>.</a:t>
                 </a:r>
+                <a:endParaRPr lang="en-US" altLang="ko-KR" dirty="0">
+                  <a:ea typeface="굴림" panose="020B0600000101010101" pitchFamily="50" charset="-127"/>
+                </a:endParaRPr>
               </a:p>
             </p:txBody>
           </p:sp>
@@ -16615,18 +16632,14 @@
   <p:clrMapOvr>
     <a:masterClrMapping/>
   </p:clrMapOvr>
-  <mc:AlternateContent xmlns:mc="http://schemas.openxmlformats.org/markup-compatibility/2006">
-    <mc:Choice xmlns:p159="http://schemas.microsoft.com/office/powerpoint/2015/09/main" Requires="p159">
-      <p:transition>
-        <p159:morph option="byChar"/>
-      </p:transition>
-    </mc:Choice>
-    <mc:Fallback>
-      <p:transition>
-        <p:fade/>
-      </p:transition>
-    </mc:Fallback>
-  </mc:AlternateContent>
+  <p:transition spd="med"/>
+  <p:timing>
+    <p:tnLst>
+      <p:par>
+        <p:cTn id="1" dur="indefinite" restart="never" nodeType="tmRoot"/>
+      </p:par>
+    </p:tnLst>
+  </p:timing>
 </p:sld>
 </file>
 
@@ -16664,12 +16677,12 @@
           <a:p>
             <a:pPr eaLnBrk="1" hangingPunct="1"/>
             <a:r>
-              <a:rPr lang="en-US" altLang="ko-KR" sz="1800" dirty="0">
+              <a:rPr lang="en-US" altLang="ko-KR" sz="1800" dirty="0" smtClean="0">
                 <a:ea typeface="굴림" panose="020B0600000101010101" pitchFamily="50" charset="-127"/>
               </a:rPr>
               <a:t>First Order Transient Circuits</a:t>
             </a:r>
-            <a:endParaRPr lang="ko-KR" altLang="en-US" sz="1800" dirty="0"/>
+            <a:endParaRPr lang="ko-KR" altLang="en-US" sz="1800" dirty="0" smtClean="0"/>
           </a:p>
         </p:txBody>
       </p:sp>
@@ -16704,7 +16717,7 @@
                   <a:defRPr/>
                 </a:pPr>
                 <a:r>
-                  <a:rPr lang="en-US" altLang="ko-KR" sz="2800" b="1" i="1" dirty="0">
+                  <a:rPr lang="en-US" altLang="ko-KR" sz="2800" b="1" i="1" dirty="0" smtClean="0">
                     <a:solidFill>
                       <a:srgbClr val="0070C0"/>
                     </a:solidFill>
@@ -16718,7 +16731,7 @@
                   <a:defRPr/>
                 </a:pPr>
                 <a:r>
-                  <a:rPr lang="en-US" altLang="ko-KR" dirty="0">
+                  <a:rPr lang="en-US" altLang="ko-KR" dirty="0" smtClean="0">
                     <a:ea typeface="굴림" panose="020B0600000101010101" pitchFamily="50" charset="-127"/>
                   </a:rPr>
                   <a:t>Fine the output current </a:t>
@@ -16810,11 +16823,14 @@
                   </m:oMath>
                 </a14:m>
                 <a:r>
-                  <a:rPr lang="en-US" altLang="ko-KR" dirty="0">
+                  <a:rPr lang="en-US" altLang="ko-KR" dirty="0" smtClean="0">
                     <a:ea typeface="굴림" panose="020B0600000101010101" pitchFamily="50" charset="-127"/>
                   </a:rPr>
                   <a:t>.</a:t>
                 </a:r>
+                <a:endParaRPr lang="en-US" altLang="ko-KR" dirty="0">
+                  <a:ea typeface="굴림" panose="020B0600000101010101" pitchFamily="50" charset="-127"/>
+                </a:endParaRPr>
               </a:p>
             </p:txBody>
           </p:sp>
@@ -16897,18 +16913,14 @@
   <p:clrMapOvr>
     <a:masterClrMapping/>
   </p:clrMapOvr>
-  <mc:AlternateContent xmlns:mc="http://schemas.openxmlformats.org/markup-compatibility/2006">
-    <mc:Choice xmlns:p159="http://schemas.microsoft.com/office/powerpoint/2015/09/main" Requires="p159">
-      <p:transition>
-        <p159:morph option="byChar"/>
-      </p:transition>
-    </mc:Choice>
-    <mc:Fallback>
-      <p:transition>
-        <p:fade/>
-      </p:transition>
-    </mc:Fallback>
-  </mc:AlternateContent>
+  <p:transition spd="med"/>
+  <p:timing>
+    <p:tnLst>
+      <p:par>
+        <p:cTn id="1" dur="indefinite" restart="never" nodeType="tmRoot"/>
+      </p:par>
+    </p:tnLst>
+  </p:timing>
 </p:sld>
 </file>
 
@@ -16946,12 +16958,12 @@
           <a:p>
             <a:pPr eaLnBrk="1" hangingPunct="1"/>
             <a:r>
-              <a:rPr lang="en-US" altLang="ko-KR" sz="1800" dirty="0">
+              <a:rPr lang="en-US" altLang="ko-KR" sz="1800" dirty="0" smtClean="0">
                 <a:ea typeface="굴림" panose="020B0600000101010101" pitchFamily="50" charset="-127"/>
               </a:rPr>
               <a:t>First Order Transient Circuits</a:t>
             </a:r>
-            <a:endParaRPr lang="ko-KR" altLang="en-US" sz="1800" dirty="0"/>
+            <a:endParaRPr lang="ko-KR" altLang="en-US" sz="1800" dirty="0" smtClean="0"/>
           </a:p>
         </p:txBody>
       </p:sp>
@@ -16986,7 +16998,7 @@
                   <a:defRPr/>
                 </a:pPr>
                 <a:r>
-                  <a:rPr lang="en-US" altLang="ko-KR" sz="2800" b="1" i="1" dirty="0">
+                  <a:rPr lang="en-US" altLang="ko-KR" sz="2800" b="1" i="1" dirty="0" smtClean="0">
                     <a:solidFill>
                       <a:srgbClr val="0070C0"/>
                     </a:solidFill>
@@ -17000,7 +17012,7 @@
                   <a:defRPr/>
                 </a:pPr>
                 <a:r>
-                  <a:rPr lang="en-US" altLang="ko-KR" dirty="0">
+                  <a:rPr lang="en-US" altLang="ko-KR" dirty="0" smtClean="0">
                     <a:ea typeface="굴림" panose="020B0600000101010101" pitchFamily="50" charset="-127"/>
                   </a:rPr>
                   <a:t>Determine the voltage </a:t>
@@ -17092,11 +17104,14 @@
                   </m:oMath>
                 </a14:m>
                 <a:r>
-                  <a:rPr lang="en-US" altLang="ko-KR" dirty="0">
+                  <a:rPr lang="en-US" altLang="ko-KR" dirty="0" smtClean="0">
                     <a:ea typeface="굴림" panose="020B0600000101010101" pitchFamily="50" charset="-127"/>
                   </a:rPr>
                   <a:t>.</a:t>
                 </a:r>
+                <a:endParaRPr lang="en-US" altLang="ko-KR" dirty="0">
+                  <a:ea typeface="굴림" panose="020B0600000101010101" pitchFamily="50" charset="-127"/>
+                </a:endParaRPr>
               </a:p>
             </p:txBody>
           </p:sp>
@@ -17179,18 +17194,14 @@
   <p:clrMapOvr>
     <a:masterClrMapping/>
   </p:clrMapOvr>
-  <mc:AlternateContent xmlns:mc="http://schemas.openxmlformats.org/markup-compatibility/2006">
-    <mc:Choice xmlns:p159="http://schemas.microsoft.com/office/powerpoint/2015/09/main" Requires="p159">
-      <p:transition>
-        <p159:morph option="byChar"/>
-      </p:transition>
-    </mc:Choice>
-    <mc:Fallback>
-      <p:transition>
-        <p:fade/>
-      </p:transition>
-    </mc:Fallback>
-  </mc:AlternateContent>
+  <p:transition spd="med"/>
+  <p:timing>
+    <p:tnLst>
+      <p:par>
+        <p:cTn id="1" dur="indefinite" restart="never" nodeType="tmRoot"/>
+      </p:par>
+    </p:tnLst>
+  </p:timing>
 </p:sld>
 </file>
 
@@ -17228,12 +17239,12 @@
           <a:p>
             <a:pPr eaLnBrk="1" hangingPunct="1"/>
             <a:r>
-              <a:rPr lang="en-US" altLang="ko-KR" sz="1800" dirty="0">
+              <a:rPr lang="en-US" altLang="ko-KR" sz="1800" dirty="0" smtClean="0">
                 <a:ea typeface="굴림" panose="020B0600000101010101" pitchFamily="50" charset="-127"/>
               </a:rPr>
               <a:t>First Order Transient Circuits</a:t>
             </a:r>
-            <a:endParaRPr lang="ko-KR" altLang="en-US" sz="1800" dirty="0"/>
+            <a:endParaRPr lang="ko-KR" altLang="en-US" sz="1800" dirty="0" smtClean="0"/>
           </a:p>
         </p:txBody>
       </p:sp>
@@ -17268,7 +17279,7 @@
                   <a:defRPr/>
                 </a:pPr>
                 <a:r>
-                  <a:rPr lang="en-US" altLang="ko-KR" sz="2800" b="1" i="1" dirty="0">
+                  <a:rPr lang="en-US" altLang="ko-KR" sz="2800" b="1" i="1" dirty="0" smtClean="0">
                     <a:solidFill>
                       <a:srgbClr val="0070C0"/>
                     </a:solidFill>
@@ -17282,7 +17293,7 @@
                   <a:defRPr/>
                 </a:pPr>
                 <a:r>
-                  <a:rPr lang="en-US" altLang="ko-KR" dirty="0">
+                  <a:rPr lang="en-US" altLang="ko-KR" dirty="0" smtClean="0">
                     <a:ea typeface="굴림" panose="020B0600000101010101" pitchFamily="50" charset="-127"/>
                   </a:rPr>
                   <a:t>Determine the voltage </a:t>
@@ -17374,11 +17385,14 @@
                   </m:oMath>
                 </a14:m>
                 <a:r>
-                  <a:rPr lang="en-US" altLang="ko-KR" dirty="0">
+                  <a:rPr lang="en-US" altLang="ko-KR" dirty="0" smtClean="0">
                     <a:ea typeface="굴림" panose="020B0600000101010101" pitchFamily="50" charset="-127"/>
                   </a:rPr>
                   <a:t>.</a:t>
                 </a:r>
+                <a:endParaRPr lang="en-US" altLang="ko-KR" dirty="0">
+                  <a:ea typeface="굴림" panose="020B0600000101010101" pitchFamily="50" charset="-127"/>
+                </a:endParaRPr>
               </a:p>
             </p:txBody>
           </p:sp>
@@ -17479,18 +17493,14 @@
   <p:clrMapOvr>
     <a:masterClrMapping/>
   </p:clrMapOvr>
-  <mc:AlternateContent xmlns:mc="http://schemas.openxmlformats.org/markup-compatibility/2006">
-    <mc:Choice xmlns:p159="http://schemas.microsoft.com/office/powerpoint/2015/09/main" Requires="p159">
-      <p:transition>
-        <p159:morph option="byChar"/>
-      </p:transition>
-    </mc:Choice>
-    <mc:Fallback>
-      <p:transition>
-        <p:fade/>
-      </p:transition>
-    </mc:Fallback>
-  </mc:AlternateContent>
+  <p:transition spd="med"/>
+  <p:timing>
+    <p:tnLst>
+      <p:par>
+        <p:cTn id="1" dur="indefinite" restart="never" nodeType="tmRoot"/>
+      </p:par>
+    </p:tnLst>
+  </p:timing>
 </p:sld>
 </file>
 
@@ -17537,6 +17547,9 @@
               </a:rPr>
               <a:t>First Order Transient Circuits</a:t>
             </a:r>
+            <a:endParaRPr lang="en-US" altLang="ko-KR" sz="1800" dirty="0" smtClean="0">
+              <a:ea typeface="굴림" panose="020B0600000101010101" pitchFamily="50" charset="-127"/>
+            </a:endParaRPr>
           </a:p>
         </p:txBody>
       </p:sp>
@@ -17569,7 +17582,7 @@
               <a:defRPr/>
             </a:pPr>
             <a:r>
-              <a:rPr lang="en-US" altLang="ko-KR" sz="2800" b="1" dirty="0">
+              <a:rPr lang="en-US" altLang="ko-KR" sz="2800" b="1" dirty="0" smtClean="0">
                 <a:solidFill>
                   <a:srgbClr val="0070C0"/>
                 </a:solidFill>
@@ -17578,7 +17591,7 @@
               <a:t>Step Response of a RC or</a:t>
             </a:r>
             <a:r>
-              <a:rPr lang="ko-KR" altLang="en-US" sz="2800" b="1" dirty="0">
+              <a:rPr lang="ko-KR" altLang="en-US" sz="2800" b="1" dirty="0" smtClean="0">
                 <a:solidFill>
                   <a:srgbClr val="0070C0"/>
                 </a:solidFill>
@@ -17587,7 +17600,7 @@
               <a:t> </a:t>
             </a:r>
             <a:r>
-              <a:rPr lang="en-US" altLang="ko-KR" sz="2800" b="1" dirty="0">
+              <a:rPr lang="en-US" altLang="ko-KR" sz="2800" b="1" dirty="0" smtClean="0">
                 <a:solidFill>
                   <a:srgbClr val="0070C0"/>
                 </a:solidFill>
@@ -17601,13 +17614,13 @@
               <a:defRPr/>
             </a:pPr>
             <a:r>
-              <a:rPr lang="en-US" altLang="ko-KR" dirty="0">
+              <a:rPr lang="en-US" altLang="ko-KR" dirty="0" smtClean="0">
                 <a:ea typeface="굴림" panose="020B0600000101010101" pitchFamily="50" charset="-127"/>
               </a:rPr>
               <a:t>When a DC source is </a:t>
             </a:r>
             <a:r>
-              <a:rPr lang="en-US" altLang="ko-KR" b="1" i="1" dirty="0">
+              <a:rPr lang="en-US" altLang="ko-KR" b="1" i="1" dirty="0" smtClean="0">
                 <a:solidFill>
                   <a:srgbClr val="A50021"/>
                 </a:solidFill>
@@ -17616,7 +17629,7 @@
               <a:t>suddenly applied </a:t>
             </a:r>
             <a:r>
-              <a:rPr lang="en-US" altLang="ko-KR" dirty="0">
+              <a:rPr lang="en-US" altLang="ko-KR" dirty="0" smtClean="0">
                 <a:ea typeface="굴림" panose="020B0600000101010101" pitchFamily="50" charset="-127"/>
               </a:rPr>
               <a:t>to a RC or RL circuit, the source can be modeled as a step function.</a:t>
@@ -17627,10 +17640,28 @@
               <a:defRPr/>
             </a:pPr>
             <a:r>
+              <a:rPr lang="en-US" altLang="ko-KR" dirty="0" smtClean="0">
+                <a:ea typeface="굴림" panose="020B0600000101010101" pitchFamily="50" charset="-127"/>
+              </a:rPr>
+              <a:t>The </a:t>
+            </a:r>
+            <a:r>
               <a:rPr lang="en-US" altLang="ko-KR" dirty="0">
                 <a:ea typeface="굴림" panose="020B0600000101010101" pitchFamily="50" charset="-127"/>
               </a:rPr>
-              <a:t>The circuit response is known as the </a:t>
+              <a:t>circuit response is known </a:t>
+            </a:r>
+            <a:r>
+              <a:rPr lang="en-US" altLang="ko-KR" dirty="0" smtClean="0">
+                <a:ea typeface="굴림" panose="020B0600000101010101" pitchFamily="50" charset="-127"/>
+              </a:rPr>
+              <a:t>as </a:t>
+            </a:r>
+            <a:r>
+              <a:rPr lang="en-US" altLang="ko-KR" dirty="0">
+                <a:ea typeface="굴림" panose="020B0600000101010101" pitchFamily="50" charset="-127"/>
+              </a:rPr>
+              <a:t>the </a:t>
             </a:r>
             <a:r>
               <a:rPr lang="en-US" altLang="ko-KR" b="1" i="1" dirty="0">
@@ -17642,11 +17673,14 @@
               <a:t>step response</a:t>
             </a:r>
             <a:r>
-              <a:rPr lang="en-US" altLang="ko-KR" dirty="0">
+              <a:rPr lang="en-US" altLang="ko-KR" dirty="0" smtClean="0">
                 <a:ea typeface="굴림" panose="020B0600000101010101" pitchFamily="50" charset="-127"/>
               </a:rPr>
               <a:t>.</a:t>
             </a:r>
+            <a:endParaRPr lang="en-US" altLang="ko-KR" dirty="0">
+              <a:ea typeface="굴림" panose="020B0600000101010101" pitchFamily="50" charset="-127"/>
+            </a:endParaRPr>
           </a:p>
         </p:txBody>
       </p:sp>
@@ -17708,18 +17742,14 @@
   <p:clrMapOvr>
     <a:masterClrMapping/>
   </p:clrMapOvr>
-  <mc:AlternateContent xmlns:mc="http://schemas.openxmlformats.org/markup-compatibility/2006">
-    <mc:Choice xmlns:p159="http://schemas.microsoft.com/office/powerpoint/2015/09/main" Requires="p159">
-      <p:transition>
-        <p159:morph option="byChar"/>
-      </p:transition>
-    </mc:Choice>
-    <mc:Fallback>
-      <p:transition>
-        <p:fade/>
-      </p:transition>
-    </mc:Fallback>
-  </mc:AlternateContent>
+  <p:transition spd="med"/>
+  <p:timing>
+    <p:tnLst>
+      <p:par>
+        <p:cTn id="1" dur="indefinite" restart="never" nodeType="tmRoot"/>
+      </p:par>
+    </p:tnLst>
+  </p:timing>
 </p:sld>
 </file>
 
@@ -17762,7 +17792,7 @@
               </a:rPr>
               <a:t>First Order Transient Circuits</a:t>
             </a:r>
-            <a:endParaRPr lang="ko-KR" altLang="en-US" sz="1800"/>
+            <a:endParaRPr lang="ko-KR" altLang="en-US" sz="1800" smtClean="0"/>
           </a:p>
         </p:txBody>
       </p:sp>
@@ -17795,7 +17825,7 @@
               <a:defRPr/>
             </a:pPr>
             <a:r>
-              <a:rPr lang="en-US" altLang="ko-KR" sz="2800" b="1" dirty="0">
+              <a:rPr lang="en-US" altLang="ko-KR" sz="2800" b="1" dirty="0" smtClean="0">
                 <a:solidFill>
                   <a:srgbClr val="0099E7"/>
                 </a:solidFill>
@@ -17803,7 +17833,7 @@
               </a:rPr>
               <a:t>Step Response of RC Circuit</a:t>
             </a:r>
-            <a:endParaRPr lang="en-US" altLang="ko-KR" sz="2800" b="1" dirty="0">
+            <a:endParaRPr lang="en-US" altLang="ko-KR" sz="2800" b="1" dirty="0" smtClean="0">
               <a:solidFill>
                 <a:srgbClr val="0099D7"/>
               </a:solidFill>
@@ -17926,12 +17956,12 @@
           <a:graphicData uri="http://schemas.openxmlformats.org/presentationml/2006/ole">
             <mc:AlternateContent xmlns:mc="http://schemas.openxmlformats.org/markup-compatibility/2006">
               <mc:Choice xmlns:v="urn:schemas-microsoft-com:vml" Requires="v">
-                <p:oleObj name="Equation" r:id="rId2" imgW="1256755" imgH="393529" progId="Equation.DSMT4">
+                <p:oleObj spid="_x0000_s32785" name="Equation" r:id="rId3" imgW="1256755" imgH="393529" progId="Equation.DSMT4">
                   <p:embed/>
                 </p:oleObj>
               </mc:Choice>
               <mc:Fallback>
-                <p:oleObj name="Equation" r:id="rId2" imgW="1256755" imgH="393529" progId="Equation.DSMT4">
+                <p:oleObj name="Equation" r:id="rId3" imgW="1256755" imgH="393529" progId="Equation.DSMT4">
                   <p:embed/>
                   <p:pic>
                     <p:nvPicPr>
@@ -17942,7 +17972,7 @@
                       <p:nvPr/>
                     </p:nvPicPr>
                     <p:blipFill>
-                      <a:blip r:embed="rId3">
+                      <a:blip r:embed="rId4">
                         <a:extLst>
                           <a:ext uri="{28A0092B-C50C-407E-A947-70E740481C1C}">
                             <a14:useLocalDpi xmlns:a14="http://schemas.microsoft.com/office/drawing/2010/main" val="0"/>
@@ -18015,12 +18045,12 @@
           <a:graphicData uri="http://schemas.openxmlformats.org/presentationml/2006/ole">
             <mc:AlternateContent xmlns:mc="http://schemas.openxmlformats.org/markup-compatibility/2006">
               <mc:Choice xmlns:v="urn:schemas-microsoft-com:vml" Requires="v">
-                <p:oleObj name="Equation" r:id="rId4" imgW="977476" imgH="393529" progId="Equation.DSMT4">
+                <p:oleObj spid="_x0000_s32786" name="Equation" r:id="rId5" imgW="977476" imgH="393529" progId="Equation.DSMT4">
                   <p:embed/>
                 </p:oleObj>
               </mc:Choice>
               <mc:Fallback>
-                <p:oleObj name="Equation" r:id="rId4" imgW="977476" imgH="393529" progId="Equation.DSMT4">
+                <p:oleObj name="Equation" r:id="rId5" imgW="977476" imgH="393529" progId="Equation.DSMT4">
                   <p:embed/>
                   <p:pic>
                     <p:nvPicPr>
@@ -18031,7 +18061,7 @@
                       <p:nvPr/>
                     </p:nvPicPr>
                     <p:blipFill>
-                      <a:blip r:embed="rId5">
+                      <a:blip r:embed="rId6">
                         <a:extLst>
                           <a:ext uri="{28A0092B-C50C-407E-A947-70E740481C1C}">
                             <a14:useLocalDpi xmlns:a14="http://schemas.microsoft.com/office/drawing/2010/main" val="0"/>
@@ -18085,12 +18115,12 @@
           <a:graphicData uri="http://schemas.openxmlformats.org/presentationml/2006/ole">
             <mc:AlternateContent xmlns:mc="http://schemas.openxmlformats.org/markup-compatibility/2006">
               <mc:Choice xmlns:v="urn:schemas-microsoft-com:vml" Requires="v">
-                <p:oleObj name="Equation" r:id="rId6" imgW="1993900" imgH="482600" progId="Equation.DSMT4">
+                <p:oleObj spid="_x0000_s32787" name="Equation" r:id="rId7" imgW="1993900" imgH="482600" progId="Equation.DSMT4">
                   <p:embed/>
                 </p:oleObj>
               </mc:Choice>
               <mc:Fallback>
-                <p:oleObj name="Equation" r:id="rId6" imgW="1993900" imgH="482600" progId="Equation.DSMT4">
+                <p:oleObj name="Equation" r:id="rId7" imgW="1993900" imgH="482600" progId="Equation.DSMT4">
                   <p:embed/>
                   <p:pic>
                     <p:nvPicPr>
@@ -18101,7 +18131,7 @@
                       <p:nvPr/>
                     </p:nvPicPr>
                     <p:blipFill>
-                      <a:blip r:embed="rId7">
+                      <a:blip r:embed="rId8">
                         <a:extLst>
                           <a:ext uri="{28A0092B-C50C-407E-A947-70E740481C1C}">
                             <a14:useLocalDpi xmlns:a14="http://schemas.microsoft.com/office/drawing/2010/main" val="0"/>
@@ -18161,7 +18191,7 @@
           <p:nvPr/>
         </p:nvPicPr>
         <p:blipFill>
-          <a:blip r:embed="rId8"/>
+          <a:blip r:embed="rId9"/>
           <a:stretch>
             <a:fillRect/>
           </a:stretch>
@@ -18185,7 +18215,7 @@
           <p:nvPr/>
         </p:nvPicPr>
         <p:blipFill>
-          <a:blip r:embed="rId9"/>
+          <a:blip r:embed="rId10"/>
           <a:stretch>
             <a:fillRect/>
           </a:stretch>
@@ -18210,18 +18240,14 @@
   <p:clrMapOvr>
     <a:masterClrMapping/>
   </p:clrMapOvr>
-  <mc:AlternateContent xmlns:mc="http://schemas.openxmlformats.org/markup-compatibility/2006">
-    <mc:Choice xmlns:p159="http://schemas.microsoft.com/office/powerpoint/2015/09/main" Requires="p159">
-      <p:transition>
-        <p159:morph option="byChar"/>
-      </p:transition>
-    </mc:Choice>
-    <mc:Fallback>
-      <p:transition>
-        <p:fade/>
-      </p:transition>
-    </mc:Fallback>
-  </mc:AlternateContent>
+  <p:transition spd="med"/>
+  <p:timing>
+    <p:tnLst>
+      <p:par>
+        <p:cTn id="1" dur="indefinite" restart="never" nodeType="tmRoot"/>
+      </p:par>
+    </p:tnLst>
+  </p:timing>
 </p:sld>
 </file>
 
@@ -18264,7 +18290,7 @@
               </a:rPr>
               <a:t>First Order Transient Circuits</a:t>
             </a:r>
-            <a:endParaRPr lang="ko-KR" altLang="en-US" sz="1800"/>
+            <a:endParaRPr lang="ko-KR" altLang="en-US" sz="1800" smtClean="0"/>
           </a:p>
         </p:txBody>
       </p:sp>
@@ -18297,7 +18323,7 @@
               <a:defRPr/>
             </a:pPr>
             <a:r>
-              <a:rPr lang="en-US" altLang="ko-KR" sz="2800" b="1" dirty="0">
+              <a:rPr lang="en-US" altLang="ko-KR" sz="2800" b="1" dirty="0" smtClean="0">
                 <a:solidFill>
                   <a:srgbClr val="0099E7"/>
                 </a:solidFill>
@@ -18305,7 +18331,7 @@
               </a:rPr>
               <a:t>Step Response of RL Circuit</a:t>
             </a:r>
-            <a:endParaRPr lang="en-US" altLang="ko-KR" sz="2800" b="1" dirty="0">
+            <a:endParaRPr lang="en-US" altLang="ko-KR" sz="2800" b="1" dirty="0" smtClean="0">
               <a:solidFill>
                 <a:srgbClr val="0099D7"/>
               </a:solidFill>
@@ -18323,7 +18349,13 @@
               <a:rPr lang="en-US" altLang="ko-KR" dirty="0">
                 <a:ea typeface="굴림" panose="020B0600000101010101" pitchFamily="50" charset="-127"/>
               </a:rPr>
-              <a:t>After a sufficiently long time: </a:t>
+              <a:t>After a sufficiently long </a:t>
+            </a:r>
+            <a:r>
+              <a:rPr lang="en-US" altLang="ko-KR" dirty="0" smtClean="0">
+                <a:ea typeface="굴림" panose="020B0600000101010101" pitchFamily="50" charset="-127"/>
+              </a:rPr>
+              <a:t>time: </a:t>
             </a:r>
           </a:p>
           <a:p>
@@ -18334,11 +18366,14 @@
               <a:defRPr/>
             </a:pPr>
             <a:r>
-              <a:rPr lang="en-US" altLang="ko-KR" dirty="0">
+              <a:rPr lang="en-US" altLang="ko-KR" dirty="0" smtClean="0">
                 <a:ea typeface="굴림" panose="020B0600000101010101" pitchFamily="50" charset="-127"/>
               </a:rPr>
               <a:t>This yields:</a:t>
             </a:r>
+            <a:endParaRPr lang="en-US" altLang="ko-KR" dirty="0">
+              <a:ea typeface="굴림" panose="020B0600000101010101" pitchFamily="50" charset="-127"/>
+            </a:endParaRPr>
           </a:p>
           <a:p>
             <a:pPr>
@@ -18348,11 +18383,14 @@
               <a:defRPr/>
             </a:pPr>
             <a:r>
-              <a:rPr lang="en-US" altLang="ko-KR" dirty="0">
+              <a:rPr lang="en-US" altLang="ko-KR" dirty="0" smtClean="0">
                 <a:ea typeface="굴림" panose="020B0600000101010101" pitchFamily="50" charset="-127"/>
               </a:rPr>
               <a:t>To determine A:</a:t>
             </a:r>
+            <a:endParaRPr lang="en-US" altLang="ko-KR" dirty="0">
+              <a:ea typeface="굴림" panose="020B0600000101010101" pitchFamily="50" charset="-127"/>
+            </a:endParaRPr>
           </a:p>
           <a:p>
             <a:pPr>
@@ -18373,7 +18411,7 @@
               <a:defRPr/>
             </a:pPr>
             <a:r>
-              <a:rPr lang="en-US" altLang="ko-KR" dirty="0">
+              <a:rPr lang="en-US" altLang="ko-KR" dirty="0" smtClean="0">
                 <a:ea typeface="굴림" panose="020B0600000101010101" pitchFamily="50" charset="-127"/>
               </a:rPr>
               <a:t>Complete response:</a:t>
@@ -18390,7 +18428,7 @@
           <p:nvPr/>
         </p:nvPicPr>
         <p:blipFill>
-          <a:blip r:embed="rId2"/>
+          <a:blip r:embed="rId3"/>
           <a:stretch>
             <a:fillRect/>
           </a:stretch>
@@ -18427,12 +18465,12 @@
           <a:graphicData uri="http://schemas.openxmlformats.org/presentationml/2006/ole">
             <mc:AlternateContent xmlns:mc="http://schemas.openxmlformats.org/markup-compatibility/2006">
               <mc:Choice xmlns:v="urn:schemas-microsoft-com:vml" Requires="v">
-                <p:oleObj name="Equation" r:id="rId3" imgW="482391" imgH="393529" progId="Equation.DSMT4">
+                <p:oleObj spid="_x0000_s33822" name="Equation" r:id="rId4" imgW="482391" imgH="393529" progId="Equation.DSMT4">
                   <p:embed/>
                 </p:oleObj>
               </mc:Choice>
               <mc:Fallback>
-                <p:oleObj name="Equation" r:id="rId3" imgW="482391" imgH="393529" progId="Equation.DSMT4">
+                <p:oleObj name="Equation" r:id="rId4" imgW="482391" imgH="393529" progId="Equation.DSMT4">
                   <p:embed/>
                   <p:pic>
                     <p:nvPicPr>
@@ -18443,7 +18481,7 @@
                       <p:nvPr/>
                     </p:nvPicPr>
                     <p:blipFill>
-                      <a:blip r:embed="rId4">
+                      <a:blip r:embed="rId5">
                         <a:extLst>
                           <a:ext uri="{28A0092B-C50C-407E-A947-70E740481C1C}">
                             <a14:useLocalDpi xmlns:a14="http://schemas.microsoft.com/office/drawing/2010/main" val="0"/>
@@ -18516,12 +18554,12 @@
           <a:graphicData uri="http://schemas.openxmlformats.org/presentationml/2006/ole">
             <mc:AlternateContent xmlns:mc="http://schemas.openxmlformats.org/markup-compatibility/2006">
               <mc:Choice xmlns:v="urn:schemas-microsoft-com:vml" Requires="v">
-                <p:oleObj name="Equation" r:id="rId5" imgW="888614" imgH="393529" progId="Equation.DSMT4">
+                <p:oleObj spid="_x0000_s33823" name="Equation" r:id="rId6" imgW="888614" imgH="393529" progId="Equation.DSMT4">
                   <p:embed/>
                 </p:oleObj>
               </mc:Choice>
               <mc:Fallback>
-                <p:oleObj name="Equation" r:id="rId5" imgW="888614" imgH="393529" progId="Equation.DSMT4">
+                <p:oleObj name="Equation" r:id="rId6" imgW="888614" imgH="393529" progId="Equation.DSMT4">
                   <p:embed/>
                   <p:pic>
                     <p:nvPicPr>
@@ -18532,7 +18570,7 @@
                       <p:nvPr/>
                     </p:nvPicPr>
                     <p:blipFill>
-                      <a:blip r:embed="rId6">
+                      <a:blip r:embed="rId7">
                         <a:extLst>
                           <a:ext uri="{28A0092B-C50C-407E-A947-70E740481C1C}">
                             <a14:useLocalDpi xmlns:a14="http://schemas.microsoft.com/office/drawing/2010/main" val="0"/>
@@ -18586,12 +18624,12 @@
           <a:graphicData uri="http://schemas.openxmlformats.org/presentationml/2006/ole">
             <mc:AlternateContent xmlns:mc="http://schemas.openxmlformats.org/markup-compatibility/2006">
               <mc:Choice xmlns:v="urn:schemas-microsoft-com:vml" Requires="v">
-                <p:oleObj name="Equation" r:id="rId7" imgW="1104900" imgH="279400" progId="Equation.DSMT4">
+                <p:oleObj spid="_x0000_s33824" name="Equation" r:id="rId8" imgW="1104900" imgH="279400" progId="Equation.DSMT4">
                   <p:embed/>
                 </p:oleObj>
               </mc:Choice>
               <mc:Fallback>
-                <p:oleObj name="Equation" r:id="rId7" imgW="1104900" imgH="279400" progId="Equation.DSMT4">
+                <p:oleObj name="Equation" r:id="rId8" imgW="1104900" imgH="279400" progId="Equation.DSMT4">
                   <p:embed/>
                   <p:pic>
                     <p:nvPicPr>
@@ -18602,7 +18640,7 @@
                       <p:nvPr/>
                     </p:nvPicPr>
                     <p:blipFill>
-                      <a:blip r:embed="rId8">
+                      <a:blip r:embed="rId9">
                         <a:extLst>
                           <a:ext uri="{28A0092B-C50C-407E-A947-70E740481C1C}">
                             <a14:useLocalDpi xmlns:a14="http://schemas.microsoft.com/office/drawing/2010/main" val="0"/>
@@ -18656,12 +18694,12 @@
           <a:graphicData uri="http://schemas.openxmlformats.org/presentationml/2006/ole">
             <mc:AlternateContent xmlns:mc="http://schemas.openxmlformats.org/markup-compatibility/2006">
               <mc:Choice xmlns:v="urn:schemas-microsoft-com:vml" Requires="v">
-                <p:oleObj name="Equation" r:id="rId9" imgW="710891" imgH="393529" progId="Equation.DSMT4">
+                <p:oleObj spid="_x0000_s33825" name="Equation" r:id="rId10" imgW="710891" imgH="393529" progId="Equation.DSMT4">
                   <p:embed/>
                 </p:oleObj>
               </mc:Choice>
               <mc:Fallback>
-                <p:oleObj name="Equation" r:id="rId9" imgW="710891" imgH="393529" progId="Equation.DSMT4">
+                <p:oleObj name="Equation" r:id="rId10" imgW="710891" imgH="393529" progId="Equation.DSMT4">
                   <p:embed/>
                   <p:pic>
                     <p:nvPicPr>
@@ -18672,7 +18710,7 @@
                       <p:nvPr/>
                     </p:nvPicPr>
                     <p:blipFill>
-                      <a:blip r:embed="rId10">
+                      <a:blip r:embed="rId11">
                         <a:extLst>
                           <a:ext uri="{28A0092B-C50C-407E-A947-70E740481C1C}">
                             <a14:useLocalDpi xmlns:a14="http://schemas.microsoft.com/office/drawing/2010/main" val="0"/>
@@ -18726,12 +18764,12 @@
           <a:graphicData uri="http://schemas.openxmlformats.org/presentationml/2006/ole">
             <mc:AlternateContent xmlns:mc="http://schemas.openxmlformats.org/markup-compatibility/2006">
               <mc:Choice xmlns:v="urn:schemas-microsoft-com:vml" Requires="v">
-                <p:oleObj name="Equation" r:id="rId11" imgW="1536700" imgH="431800" progId="Equation.DSMT4">
+                <p:oleObj spid="_x0000_s33826" name="Equation" r:id="rId12" imgW="1536700" imgH="431800" progId="Equation.DSMT4">
                   <p:embed/>
                 </p:oleObj>
               </mc:Choice>
               <mc:Fallback>
-                <p:oleObj name="Equation" r:id="rId11" imgW="1536700" imgH="431800" progId="Equation.DSMT4">
+                <p:oleObj name="Equation" r:id="rId12" imgW="1536700" imgH="431800" progId="Equation.DSMT4">
                   <p:embed/>
                   <p:pic>
                     <p:nvPicPr>
@@ -18742,7 +18780,7 @@
                       <p:nvPr/>
                     </p:nvPicPr>
                     <p:blipFill>
-                      <a:blip r:embed="rId12">
+                      <a:blip r:embed="rId13">
                         <a:extLst>
                           <a:ext uri="{28A0092B-C50C-407E-A947-70E740481C1C}">
                             <a14:useLocalDpi xmlns:a14="http://schemas.microsoft.com/office/drawing/2010/main" val="0"/>
@@ -18783,7 +18821,7 @@
           <p:nvPr/>
         </p:nvPicPr>
         <p:blipFill>
-          <a:blip r:embed="rId13"/>
+          <a:blip r:embed="rId14"/>
           <a:stretch>
             <a:fillRect/>
           </a:stretch>
@@ -18808,18 +18846,14 @@
   <p:clrMapOvr>
     <a:masterClrMapping/>
   </p:clrMapOvr>
-  <mc:AlternateContent xmlns:mc="http://schemas.openxmlformats.org/markup-compatibility/2006">
-    <mc:Choice xmlns:p159="http://schemas.microsoft.com/office/powerpoint/2015/09/main" Requires="p159">
-      <p:transition>
-        <p159:morph option="byChar"/>
-      </p:transition>
-    </mc:Choice>
-    <mc:Fallback>
-      <p:transition>
-        <p:fade/>
-      </p:transition>
-    </mc:Fallback>
-  </mc:AlternateContent>
+  <p:transition spd="med"/>
+  <p:timing>
+    <p:tnLst>
+      <p:par>
+        <p:cTn id="1" dur="indefinite" restart="never" nodeType="tmRoot"/>
+      </p:par>
+    </p:tnLst>
+  </p:timing>
 </p:sld>
 </file>
 
@@ -18857,12 +18891,12 @@
           <a:p>
             <a:pPr eaLnBrk="1" hangingPunct="1"/>
             <a:r>
-              <a:rPr lang="en-US" altLang="ko-KR" sz="1800" dirty="0">
+              <a:rPr lang="en-US" altLang="ko-KR" sz="1800" dirty="0" smtClean="0">
                 <a:ea typeface="굴림" panose="020B0600000101010101" pitchFamily="50" charset="-127"/>
               </a:rPr>
               <a:t>Second Order Transient Circuits</a:t>
             </a:r>
-            <a:endParaRPr lang="ko-KR" altLang="en-US" sz="1800" dirty="0"/>
+            <a:endParaRPr lang="ko-KR" altLang="en-US" sz="1800" dirty="0" smtClean="0"/>
           </a:p>
         </p:txBody>
       </p:sp>
@@ -18895,13 +18929,31 @@
               <a:defRPr/>
             </a:pPr>
             <a:r>
+              <a:rPr lang="en-US" altLang="ko-KR" sz="2800" b="1" i="1" dirty="0" smtClean="0">
+                <a:solidFill>
+                  <a:srgbClr val="0070C0"/>
+                </a:solidFill>
+                <a:ea typeface="굴림" panose="020B0600000101010101" pitchFamily="50" charset="-127"/>
+              </a:rPr>
+              <a:t>Second </a:t>
+            </a:r>
+            <a:r>
               <a:rPr lang="en-US" altLang="ko-KR" sz="2800" b="1" i="1" dirty="0">
                 <a:solidFill>
                   <a:srgbClr val="0070C0"/>
                 </a:solidFill>
                 <a:ea typeface="굴림" panose="020B0600000101010101" pitchFamily="50" charset="-127"/>
               </a:rPr>
-              <a:t>Second Order Transient Circuits</a:t>
+              <a:t>Order </a:t>
+            </a:r>
+            <a:r>
+              <a:rPr lang="en-US" altLang="ko-KR" sz="2800" b="1" i="1" dirty="0" smtClean="0">
+                <a:solidFill>
+                  <a:srgbClr val="0070C0"/>
+                </a:solidFill>
+                <a:ea typeface="굴림" panose="020B0600000101010101" pitchFamily="50" charset="-127"/>
+              </a:rPr>
+              <a:t>Transient Circuits</a:t>
             </a:r>
           </a:p>
           <a:p>
@@ -18909,7 +18961,7 @@
               <a:defRPr/>
             </a:pPr>
             <a:r>
-              <a:rPr lang="en-US" altLang="ko-KR" dirty="0">
+              <a:rPr lang="en-US" altLang="ko-KR" dirty="0" smtClean="0">
                 <a:ea typeface="굴림" panose="020B0600000101010101" pitchFamily="50" charset="-127"/>
               </a:rPr>
               <a:t>The previous passage considered circuits which only required first order differential equations to solve.</a:t>
@@ -18920,10 +18972,16 @@
               <a:defRPr/>
             </a:pPr>
             <a:r>
+              <a:rPr lang="en-US" altLang="ko-KR" dirty="0" smtClean="0">
+                <a:ea typeface="굴림" panose="020B0600000101010101" pitchFamily="50" charset="-127"/>
+              </a:rPr>
+              <a:t>However</a:t>
+            </a:r>
+            <a:r>
               <a:rPr lang="en-US" altLang="ko-KR" dirty="0">
                 <a:ea typeface="굴림" panose="020B0600000101010101" pitchFamily="50" charset="-127"/>
               </a:rPr>
-              <a:t>However, when more than one “storage element”, </a:t>
+              <a:t>, when more than one “storage element”, </a:t>
             </a:r>
             <a:r>
               <a:rPr lang="en-US" altLang="ko-KR" i="1" dirty="0">
@@ -19043,18 +19101,14 @@
   <p:clrMapOvr>
     <a:masterClrMapping/>
   </p:clrMapOvr>
-  <mc:AlternateContent xmlns:mc="http://schemas.openxmlformats.org/markup-compatibility/2006">
-    <mc:Choice xmlns:p159="http://schemas.microsoft.com/office/powerpoint/2015/09/main" Requires="p159">
-      <p:transition>
-        <p159:morph option="byChar"/>
-      </p:transition>
-    </mc:Choice>
-    <mc:Fallback>
-      <p:transition>
-        <p:fade/>
-      </p:transition>
-    </mc:Fallback>
-  </mc:AlternateContent>
+  <p:transition spd="med"/>
+  <p:timing>
+    <p:tnLst>
+      <p:par>
+        <p:cTn id="1" dur="indefinite" restart="never" nodeType="tmRoot"/>
+      </p:par>
+    </p:tnLst>
+  </p:timing>
 </p:sld>
 </file>
 
@@ -19092,12 +19146,12 @@
           <a:p>
             <a:pPr eaLnBrk="1" hangingPunct="1"/>
             <a:r>
-              <a:rPr lang="en-US" altLang="ko-KR" sz="1800" dirty="0">
+              <a:rPr lang="en-US" altLang="ko-KR" sz="1800" dirty="0" smtClean="0">
                 <a:ea typeface="굴림" panose="020B0600000101010101" pitchFamily="50" charset="-127"/>
               </a:rPr>
               <a:t>Second Order Transient Circuits</a:t>
             </a:r>
-            <a:endParaRPr lang="ko-KR" altLang="en-US" sz="1800" dirty="0"/>
+            <a:endParaRPr lang="ko-KR" altLang="en-US" sz="1800" dirty="0" smtClean="0"/>
           </a:p>
         </p:txBody>
       </p:sp>
@@ -19130,7 +19184,7 @@
               <a:defRPr/>
             </a:pPr>
             <a:r>
-              <a:rPr lang="en-US" altLang="ko-KR" sz="2800" b="1" i="1" dirty="0">
+              <a:rPr lang="en-US" altLang="ko-KR" sz="2800" b="1" i="1" dirty="0" smtClean="0">
                 <a:solidFill>
                   <a:srgbClr val="0070C0"/>
                 </a:solidFill>
@@ -19199,18 +19253,14 @@
   <p:clrMapOvr>
     <a:masterClrMapping/>
   </p:clrMapOvr>
-  <mc:AlternateContent xmlns:mc="http://schemas.openxmlformats.org/markup-compatibility/2006">
-    <mc:Choice xmlns:p159="http://schemas.microsoft.com/office/powerpoint/2015/09/main" Requires="p159">
-      <p:transition>
-        <p159:morph option="byChar"/>
-      </p:transition>
-    </mc:Choice>
-    <mc:Fallback>
-      <p:transition>
-        <p:fade/>
-      </p:transition>
-    </mc:Fallback>
-  </mc:AlternateContent>
+  <p:transition spd="med"/>
+  <p:timing>
+    <p:tnLst>
+      <p:par>
+        <p:cTn id="1" dur="indefinite" restart="never" nodeType="tmRoot"/>
+      </p:par>
+    </p:tnLst>
+  </p:timing>
 </p:sld>
 </file>
 
@@ -19248,12 +19298,12 @@
           <a:p>
             <a:pPr eaLnBrk="1" hangingPunct="1"/>
             <a:r>
-              <a:rPr lang="en-US" altLang="ko-KR" sz="1800" dirty="0">
+              <a:rPr lang="en-US" altLang="ko-KR" sz="1800" dirty="0" smtClean="0">
                 <a:ea typeface="굴림" panose="020B0600000101010101" pitchFamily="50" charset="-127"/>
               </a:rPr>
               <a:t>Second Order Transient Circuits</a:t>
             </a:r>
-            <a:endParaRPr lang="ko-KR" altLang="en-US" sz="1800" dirty="0"/>
+            <a:endParaRPr lang="ko-KR" altLang="en-US" sz="1800" dirty="0" smtClean="0"/>
           </a:p>
         </p:txBody>
       </p:sp>
@@ -19286,7 +19336,7 @@
               <a:defRPr/>
             </a:pPr>
             <a:r>
-              <a:rPr lang="en-US" altLang="ko-KR" sz="2800" b="1" i="1" dirty="0">
+              <a:rPr lang="en-US" altLang="ko-KR" sz="2800" b="1" i="1" dirty="0" smtClean="0">
                 <a:solidFill>
                   <a:srgbClr val="0070C0"/>
                 </a:solidFill>
@@ -19355,18 +19405,14 @@
   <p:clrMapOvr>
     <a:masterClrMapping/>
   </p:clrMapOvr>
-  <mc:AlternateContent xmlns:mc="http://schemas.openxmlformats.org/markup-compatibility/2006">
-    <mc:Choice xmlns:p159="http://schemas.microsoft.com/office/powerpoint/2015/09/main" Requires="p159">
-      <p:transition>
-        <p159:morph option="byChar"/>
-      </p:transition>
-    </mc:Choice>
-    <mc:Fallback>
-      <p:transition>
-        <p:fade/>
-      </p:transition>
-    </mc:Fallback>
-  </mc:AlternateContent>
+  <p:transition spd="med"/>
+  <p:timing>
+    <p:tnLst>
+      <p:par>
+        <p:cTn id="1" dur="indefinite" restart="never" nodeType="tmRoot"/>
+      </p:par>
+    </p:tnLst>
+  </p:timing>
 </p:sld>
 </file>
 
@@ -19404,12 +19450,12 @@
           <a:p>
             <a:pPr eaLnBrk="1" hangingPunct="1"/>
             <a:r>
-              <a:rPr lang="en-US" altLang="ko-KR" sz="1800" dirty="0">
+              <a:rPr lang="en-US" altLang="ko-KR" sz="1800" dirty="0" smtClean="0">
                 <a:ea typeface="굴림" panose="020B0600000101010101" pitchFamily="50" charset="-127"/>
               </a:rPr>
               <a:t>Capacitors</a:t>
             </a:r>
-            <a:endParaRPr lang="ko-KR" altLang="en-US" sz="1800" dirty="0"/>
+            <a:endParaRPr lang="ko-KR" altLang="en-US" sz="1800" dirty="0" smtClean="0"/>
           </a:p>
         </p:txBody>
       </p:sp>
@@ -19439,7 +19485,7 @@
               <a:defRPr/>
             </a:pPr>
             <a:r>
-              <a:rPr lang="en-US" altLang="ko-KR" sz="3200" b="1" dirty="0">
+              <a:rPr lang="en-US" altLang="ko-KR" sz="3200" b="1" dirty="0" smtClean="0">
                 <a:solidFill>
                   <a:srgbClr val="0070C0"/>
                 </a:solidFill>
@@ -19571,16 +19617,28 @@
               </a:rPr>
               <a:t>Inversely proportional to the space </a:t>
             </a:r>
+            <a:r>
+              <a:rPr lang="en-US" altLang="ko-KR" dirty="0" smtClean="0">
+                <a:ea typeface="굴림" panose="020B0600000101010101" pitchFamily="50" charset="-127"/>
+              </a:rPr>
+              <a:t/>
+            </a:r>
             <a:br>
+              <a:rPr lang="en-US" altLang="ko-KR" dirty="0" smtClean="0">
+                <a:ea typeface="굴림" panose="020B0600000101010101" pitchFamily="50" charset="-127"/>
+              </a:rPr>
+            </a:br>
+            <a:r>
+              <a:rPr lang="en-US" altLang="ko-KR" dirty="0" smtClean="0">
+                <a:ea typeface="굴림" panose="020B0600000101010101" pitchFamily="50" charset="-127"/>
+              </a:rPr>
+              <a:t>between </a:t>
+            </a:r>
+            <a:r>
               <a:rPr lang="en-US" altLang="ko-KR" dirty="0">
                 <a:ea typeface="굴림" panose="020B0600000101010101" pitchFamily="50" charset="-127"/>
               </a:rPr>
-            </a:br>
-            <a:r>
-              <a:rPr lang="en-US" altLang="ko-KR" dirty="0">
-                <a:ea typeface="굴림" panose="020B0600000101010101" pitchFamily="50" charset="-127"/>
-              </a:rPr>
-              <a:t>between them (d)</a:t>
+              <a:t>them (d)</a:t>
             </a:r>
           </a:p>
           <a:p>
@@ -19639,12 +19697,12 @@
           <a:graphicData uri="http://schemas.openxmlformats.org/presentationml/2006/ole">
             <mc:AlternateContent xmlns:mc="http://schemas.openxmlformats.org/markup-compatibility/2006">
               <mc:Choice xmlns:v="urn:schemas-microsoft-com:vml" Requires="v">
-                <p:oleObj name="Equation" r:id="rId2" imgW="507780" imgH="393529" progId="Equation.DSMT4">
+                <p:oleObj spid="_x0000_s23564" name="Equation" r:id="rId3" imgW="507780" imgH="393529" progId="Equation.DSMT4">
                   <p:embed/>
                 </p:oleObj>
               </mc:Choice>
               <mc:Fallback>
-                <p:oleObj name="Equation" r:id="rId2" imgW="507780" imgH="393529" progId="Equation.DSMT4">
+                <p:oleObj name="Equation" r:id="rId3" imgW="507780" imgH="393529" progId="Equation.DSMT4">
                   <p:embed/>
                   <p:pic>
                     <p:nvPicPr>
@@ -19655,7 +19713,7 @@
                       <p:nvPr/>
                     </p:nvPicPr>
                     <p:blipFill>
-                      <a:blip r:embed="rId3">
+                      <a:blip r:embed="rId4">
                         <a:extLst>
                           <a:ext uri="{28A0092B-C50C-407E-A947-70E740481C1C}">
                             <a14:useLocalDpi xmlns:a14="http://schemas.microsoft.com/office/drawing/2010/main" val="0"/>
@@ -19715,7 +19773,7 @@
           <p:nvPr/>
         </p:nvPicPr>
         <p:blipFill>
-          <a:blip r:embed="rId4" cstate="print">
+          <a:blip r:embed="rId5" cstate="print">
             <a:extLst>
               <a:ext uri="{28A0092B-C50C-407E-A947-70E740481C1C}">
                 <a14:useLocalDpi xmlns:a14="http://schemas.microsoft.com/office/drawing/2010/main" val="0"/>
@@ -19746,18 +19804,14 @@
   <p:clrMapOvr>
     <a:masterClrMapping/>
   </p:clrMapOvr>
-  <mc:AlternateContent xmlns:mc="http://schemas.openxmlformats.org/markup-compatibility/2006">
-    <mc:Choice xmlns:p159="http://schemas.microsoft.com/office/powerpoint/2015/09/main" Requires="p159">
-      <p:transition>
-        <p159:morph option="byChar"/>
-      </p:transition>
-    </mc:Choice>
-    <mc:Fallback>
-      <p:transition>
-        <p:fade/>
-      </p:transition>
-    </mc:Fallback>
-  </mc:AlternateContent>
+  <p:transition spd="med"/>
+  <p:timing>
+    <p:tnLst>
+      <p:par>
+        <p:cTn id="1" dur="indefinite" restart="never" nodeType="tmRoot"/>
+      </p:par>
+    </p:tnLst>
+  </p:timing>
 </p:sld>
 </file>
 
@@ -19795,12 +19849,12 @@
           <a:p>
             <a:pPr eaLnBrk="1" hangingPunct="1"/>
             <a:r>
-              <a:rPr lang="en-US" altLang="ko-KR" sz="1800" dirty="0">
+              <a:rPr lang="en-US" altLang="ko-KR" sz="1800" dirty="0" smtClean="0">
                 <a:ea typeface="굴림" panose="020B0600000101010101" pitchFamily="50" charset="-127"/>
               </a:rPr>
               <a:t>Second Order Transient Circuits</a:t>
             </a:r>
-            <a:endParaRPr lang="ko-KR" altLang="en-US" sz="1800" dirty="0"/>
+            <a:endParaRPr lang="ko-KR" altLang="en-US" sz="1800" dirty="0" smtClean="0"/>
           </a:p>
         </p:txBody>
       </p:sp>
@@ -19833,7 +19887,7 @@
               <a:defRPr/>
             </a:pPr>
             <a:r>
-              <a:rPr lang="en-US" altLang="ko-KR" sz="2800" b="1" i="1" dirty="0">
+              <a:rPr lang="en-US" altLang="ko-KR" sz="2800" b="1" i="1" dirty="0" smtClean="0">
                 <a:solidFill>
                   <a:srgbClr val="0070C0"/>
                 </a:solidFill>
@@ -19878,18 +19932,14 @@
   <p:clrMapOvr>
     <a:masterClrMapping/>
   </p:clrMapOvr>
-  <mc:AlternateContent xmlns:mc="http://schemas.openxmlformats.org/markup-compatibility/2006">
-    <mc:Choice xmlns:p159="http://schemas.microsoft.com/office/powerpoint/2015/09/main" Requires="p159">
-      <p:transition>
-        <p159:morph option="byChar"/>
-      </p:transition>
-    </mc:Choice>
-    <mc:Fallback>
-      <p:transition>
-        <p:fade/>
-      </p:transition>
-    </mc:Fallback>
-  </mc:AlternateContent>
+  <p:transition spd="med"/>
+  <p:timing>
+    <p:tnLst>
+      <p:par>
+        <p:cTn id="1" dur="indefinite" restart="never" nodeType="tmRoot"/>
+      </p:par>
+    </p:tnLst>
+  </p:timing>
 </p:sld>
 </file>
 
@@ -19927,12 +19977,12 @@
           <a:p>
             <a:pPr eaLnBrk="1" hangingPunct="1"/>
             <a:r>
-              <a:rPr lang="en-US" altLang="ko-KR" sz="1800" dirty="0">
+              <a:rPr lang="en-US" altLang="ko-KR" sz="1800" dirty="0" smtClean="0">
                 <a:ea typeface="굴림" panose="020B0600000101010101" pitchFamily="50" charset="-127"/>
               </a:rPr>
               <a:t>Second Order Transient Circuits</a:t>
             </a:r>
-            <a:endParaRPr lang="ko-KR" altLang="en-US" sz="1800" dirty="0"/>
+            <a:endParaRPr lang="ko-KR" altLang="en-US" sz="1800" dirty="0" smtClean="0"/>
           </a:p>
         </p:txBody>
       </p:sp>
@@ -19965,7 +20015,7 @@
               <a:defRPr/>
             </a:pPr>
             <a:r>
-              <a:rPr lang="en-US" altLang="ko-KR" sz="2800" b="1" i="1" dirty="0">
+              <a:rPr lang="en-US" altLang="ko-KR" sz="2800" b="1" i="1" dirty="0" smtClean="0">
                 <a:solidFill>
                   <a:srgbClr val="0070C0"/>
                 </a:solidFill>
@@ -20010,18 +20060,14 @@
   <p:clrMapOvr>
     <a:masterClrMapping/>
   </p:clrMapOvr>
-  <mc:AlternateContent xmlns:mc="http://schemas.openxmlformats.org/markup-compatibility/2006">
-    <mc:Choice xmlns:p159="http://schemas.microsoft.com/office/powerpoint/2015/09/main" Requires="p159">
-      <p:transition>
-        <p159:morph option="byChar"/>
-      </p:transition>
-    </mc:Choice>
-    <mc:Fallback>
-      <p:transition>
-        <p:fade/>
-      </p:transition>
-    </mc:Fallback>
-  </mc:AlternateContent>
+  <p:transition spd="med"/>
+  <p:timing>
+    <p:tnLst>
+      <p:par>
+        <p:cTn id="1" dur="indefinite" restart="never" nodeType="tmRoot"/>
+      </p:par>
+    </p:tnLst>
+  </p:timing>
 </p:sld>
 </file>
 
@@ -20068,6 +20114,9 @@
               </a:rPr>
               <a:t>Second Order Transient Circuits</a:t>
             </a:r>
+            <a:endParaRPr lang="en-US" altLang="ko-KR" sz="1800" dirty="0" smtClean="0">
+              <a:ea typeface="굴림" panose="020B0600000101010101" pitchFamily="50" charset="-127"/>
+            </a:endParaRPr>
           </a:p>
         </p:txBody>
       </p:sp>
@@ -20097,13 +20146,49 @@
               <a:defRPr/>
             </a:pPr>
             <a:r>
+              <a:rPr lang="en-US" altLang="ko-KR" sz="2800" b="1" dirty="0" smtClean="0">
+                <a:solidFill>
+                  <a:srgbClr val="0070C0"/>
+                </a:solidFill>
+                <a:ea typeface="굴림" charset="-127"/>
+              </a:rPr>
+              <a:t>Source </a:t>
+            </a:r>
+            <a:r>
               <a:rPr lang="en-US" altLang="ko-KR" sz="2800" b="1" dirty="0">
                 <a:solidFill>
                   <a:srgbClr val="0070C0"/>
                 </a:solidFill>
                 <a:ea typeface="굴림" charset="-127"/>
               </a:rPr>
-              <a:t>Source Free Parallel RLC Circuit</a:t>
+              <a:t>Free </a:t>
+            </a:r>
+            <a:r>
+              <a:rPr lang="en-US" altLang="ko-KR" sz="2800" b="1" dirty="0" smtClean="0">
+                <a:solidFill>
+                  <a:srgbClr val="0070C0"/>
+                </a:solidFill>
+                <a:ea typeface="굴림" charset="-127"/>
+              </a:rPr>
+              <a:t>Parallel </a:t>
+            </a:r>
+            <a:r>
+              <a:rPr lang="en-US" altLang="ko-KR" sz="2800" b="1" dirty="0">
+                <a:solidFill>
+                  <a:srgbClr val="0070C0"/>
+                </a:solidFill>
+                <a:ea typeface="굴림" charset="-127"/>
+              </a:rPr>
+              <a:t>RLC </a:t>
+            </a:r>
+            <a:r>
+              <a:rPr lang="en-US" altLang="ko-KR" sz="2800" b="1" dirty="0" smtClean="0">
+                <a:solidFill>
+                  <a:srgbClr val="0070C0"/>
+                </a:solidFill>
+                <a:ea typeface="굴림" charset="-127"/>
+              </a:rPr>
+              <a:t>Circuit</a:t>
             </a:r>
           </a:p>
           <a:p>
@@ -20116,16 +20201,28 @@
               </a:rPr>
               <a:t>Now let us look at parallel </a:t>
             </a:r>
+            <a:r>
+              <a:rPr lang="en-US" altLang="ko-KR" dirty="0" smtClean="0">
+                <a:ea typeface="굴림" panose="020B0600000101010101" pitchFamily="50" charset="-127"/>
+              </a:rPr>
+              <a:t/>
+            </a:r>
             <a:br>
+              <a:rPr lang="en-US" altLang="ko-KR" dirty="0" smtClean="0">
+                <a:ea typeface="굴림" panose="020B0600000101010101" pitchFamily="50" charset="-127"/>
+              </a:rPr>
+            </a:br>
+            <a:r>
+              <a:rPr lang="en-US" altLang="ko-KR" dirty="0" smtClean="0">
+                <a:ea typeface="굴림" panose="020B0600000101010101" pitchFamily="50" charset="-127"/>
+              </a:rPr>
+              <a:t>forms </a:t>
+            </a:r>
+            <a:r>
               <a:rPr lang="en-US" altLang="ko-KR" dirty="0">
                 <a:ea typeface="굴림" panose="020B0600000101010101" pitchFamily="50" charset="-127"/>
               </a:rPr>
-            </a:br>
-            <a:r>
-              <a:rPr lang="en-US" altLang="ko-KR" dirty="0">
-                <a:ea typeface="굴림" panose="020B0600000101010101" pitchFamily="50" charset="-127"/>
-              </a:rPr>
-              <a:t>forms of RLC networks</a:t>
+              <a:t>of RLC networks</a:t>
             </a:r>
           </a:p>
           <a:p>
@@ -20149,16 +20246,28 @@
               </a:rPr>
               <a:t>Assume the initial current </a:t>
             </a:r>
+            <a:r>
+              <a:rPr lang="en-US" altLang="ko-KR" dirty="0" smtClean="0">
+                <a:ea typeface="굴림" panose="020B0600000101010101" pitchFamily="50" charset="-127"/>
+              </a:rPr>
+              <a:t/>
+            </a:r>
             <a:br>
+              <a:rPr lang="en-US" altLang="ko-KR" dirty="0" smtClean="0">
+                <a:ea typeface="굴림" panose="020B0600000101010101" pitchFamily="50" charset="-127"/>
+              </a:rPr>
+            </a:br>
+            <a:r>
+              <a:rPr lang="en-US" altLang="ko-KR" dirty="0" smtClean="0">
+                <a:ea typeface="굴림" panose="020B0600000101010101" pitchFamily="50" charset="-127"/>
+              </a:rPr>
+              <a:t>and </a:t>
+            </a:r>
+            <a:r>
               <a:rPr lang="en-US" altLang="ko-KR" dirty="0">
                 <a:ea typeface="굴림" panose="020B0600000101010101" pitchFamily="50" charset="-127"/>
               </a:rPr>
-            </a:br>
-            <a:r>
-              <a:rPr lang="en-US" altLang="ko-KR" dirty="0">
-                <a:ea typeface="굴림" panose="020B0600000101010101" pitchFamily="50" charset="-127"/>
-              </a:rPr>
-              <a:t>and voltage to be:</a:t>
+              <a:t>voltage to be:</a:t>
             </a:r>
           </a:p>
         </p:txBody>
@@ -20185,12 +20294,12 @@
           <a:graphicData uri="http://schemas.openxmlformats.org/presentationml/2006/ole">
             <mc:AlternateContent xmlns:mc="http://schemas.openxmlformats.org/markup-compatibility/2006">
               <mc:Choice xmlns:v="urn:schemas-microsoft-com:vml" Requires="v">
-                <p:oleObj name="Equation" r:id="rId2" imgW="1459866" imgH="660113" progId="Equation.DSMT4">
+                <p:oleObj spid="_x0000_s34820" name="Equation" r:id="rId3" imgW="1459866" imgH="660113" progId="Equation.DSMT4">
                   <p:embed/>
                 </p:oleObj>
               </mc:Choice>
               <mc:Fallback>
-                <p:oleObj name="Equation" r:id="rId2" imgW="1459866" imgH="660113" progId="Equation.DSMT4">
+                <p:oleObj name="Equation" r:id="rId3" imgW="1459866" imgH="660113" progId="Equation.DSMT4">
                   <p:embed/>
                   <p:pic>
                     <p:nvPicPr>
@@ -20201,7 +20310,7 @@
                       <p:nvPr/>
                     </p:nvPicPr>
                     <p:blipFill>
-                      <a:blip r:embed="rId3">
+                      <a:blip r:embed="rId4">
                         <a:extLst>
                           <a:ext uri="{28A0092B-C50C-407E-A947-70E740481C1C}">
                             <a14:useLocalDpi xmlns:a14="http://schemas.microsoft.com/office/drawing/2010/main" val="0"/>
@@ -20261,7 +20370,7 @@
           <p:nvPr/>
         </p:nvPicPr>
         <p:blipFill>
-          <a:blip r:embed="rId4">
+          <a:blip r:embed="rId5">
             <a:extLst>
               <a:ext uri="{28A0092B-C50C-407E-A947-70E740481C1C}">
                 <a14:useLocalDpi xmlns:a14="http://schemas.microsoft.com/office/drawing/2010/main" val="0"/>
@@ -20316,18 +20425,14 @@
   <p:clrMapOvr>
     <a:masterClrMapping/>
   </p:clrMapOvr>
-  <mc:AlternateContent xmlns:mc="http://schemas.openxmlformats.org/markup-compatibility/2006">
-    <mc:Choice xmlns:p159="http://schemas.microsoft.com/office/powerpoint/2015/09/main" Requires="p159">
-      <p:transition>
-        <p159:morph option="byChar"/>
-      </p:transition>
-    </mc:Choice>
-    <mc:Fallback>
-      <p:transition>
-        <p:fade/>
-      </p:transition>
-    </mc:Fallback>
-  </mc:AlternateContent>
+  <p:transition spd="med"/>
+  <p:timing>
+    <p:tnLst>
+      <p:par>
+        <p:cTn id="1" dur="indefinite" restart="never" nodeType="tmRoot"/>
+      </p:par>
+    </p:tnLst>
+  </p:timing>
 </p:sld>
 </file>
 
@@ -20374,6 +20479,9 @@
               </a:rPr>
               <a:t>Second Order Transient Circuits</a:t>
             </a:r>
+            <a:endParaRPr lang="en-US" altLang="ko-KR" sz="1800" dirty="0" smtClean="0">
+              <a:ea typeface="굴림" panose="020B0600000101010101" pitchFamily="50" charset="-127"/>
+            </a:endParaRPr>
           </a:p>
         </p:txBody>
       </p:sp>
@@ -20406,13 +20514,49 @@
               <a:defRPr/>
             </a:pPr>
             <a:r>
+              <a:rPr lang="en-US" altLang="ko-KR" sz="2800" b="1" dirty="0" smtClean="0">
+                <a:solidFill>
+                  <a:srgbClr val="0070C0"/>
+                </a:solidFill>
+                <a:ea typeface="굴림" charset="-127"/>
+              </a:rPr>
+              <a:t>Source </a:t>
+            </a:r>
+            <a:r>
               <a:rPr lang="en-US" altLang="ko-KR" sz="2800" b="1" dirty="0">
                 <a:solidFill>
                   <a:srgbClr val="0070C0"/>
                 </a:solidFill>
                 <a:ea typeface="굴림" charset="-127"/>
               </a:rPr>
-              <a:t>Source Free Parallel RLC Circuit II</a:t>
+              <a:t>Free </a:t>
+            </a:r>
+            <a:r>
+              <a:rPr lang="en-US" altLang="ko-KR" sz="2800" b="1" dirty="0" smtClean="0">
+                <a:solidFill>
+                  <a:srgbClr val="0070C0"/>
+                </a:solidFill>
+                <a:ea typeface="굴림" charset="-127"/>
+              </a:rPr>
+              <a:t>Parallel </a:t>
+            </a:r>
+            <a:r>
+              <a:rPr lang="en-US" altLang="ko-KR" sz="2800" b="1" dirty="0">
+                <a:solidFill>
+                  <a:srgbClr val="0070C0"/>
+                </a:solidFill>
+                <a:ea typeface="굴림" charset="-127"/>
+              </a:rPr>
+              <a:t>RLC </a:t>
+            </a:r>
+            <a:r>
+              <a:rPr lang="en-US" altLang="ko-KR" sz="2800" b="1" dirty="0" smtClean="0">
+                <a:solidFill>
+                  <a:srgbClr val="0070C0"/>
+                </a:solidFill>
+                <a:ea typeface="굴림" charset="-127"/>
+              </a:rPr>
+              <a:t>Circuit II</a:t>
             </a:r>
           </a:p>
           <a:p>
@@ -20512,12 +20656,12 @@
           <a:graphicData uri="http://schemas.openxmlformats.org/presentationml/2006/ole">
             <mc:AlternateContent xmlns:mc="http://schemas.openxmlformats.org/markup-compatibility/2006">
               <mc:Choice xmlns:v="urn:schemas-microsoft-com:vml" Requires="v">
-                <p:oleObj name="Equation" r:id="rId2" imgW="1765300" imgH="393700" progId="Equation.DSMT4">
+                <p:oleObj spid="_x0000_s35848" name="Equation" r:id="rId3" imgW="1765300" imgH="393700" progId="Equation.DSMT4">
                   <p:embed/>
                 </p:oleObj>
               </mc:Choice>
               <mc:Fallback>
-                <p:oleObj name="Equation" r:id="rId2" imgW="1765300" imgH="393700" progId="Equation.DSMT4">
+                <p:oleObj name="Equation" r:id="rId3" imgW="1765300" imgH="393700" progId="Equation.DSMT4">
                   <p:embed/>
                   <p:pic>
                     <p:nvPicPr>
@@ -20528,7 +20672,7 @@
                       <p:nvPr/>
                     </p:nvPicPr>
                     <p:blipFill>
-                      <a:blip r:embed="rId3">
+                      <a:blip r:embed="rId4">
                         <a:extLst>
                           <a:ext uri="{28A0092B-C50C-407E-A947-70E740481C1C}">
                             <a14:useLocalDpi xmlns:a14="http://schemas.microsoft.com/office/drawing/2010/main" val="0"/>
@@ -20601,12 +20745,12 @@
           <a:graphicData uri="http://schemas.openxmlformats.org/presentationml/2006/ole">
             <mc:AlternateContent xmlns:mc="http://schemas.openxmlformats.org/markup-compatibility/2006">
               <mc:Choice xmlns:v="urn:schemas-microsoft-com:vml" Requires="v">
-                <p:oleObj name="Equation" r:id="rId4" imgW="1536700" imgH="419100" progId="Equation.DSMT4">
+                <p:oleObj spid="_x0000_s35849" name="Equation" r:id="rId5" imgW="1536700" imgH="419100" progId="Equation.DSMT4">
                   <p:embed/>
                 </p:oleObj>
               </mc:Choice>
               <mc:Fallback>
-                <p:oleObj name="Equation" r:id="rId4" imgW="1536700" imgH="419100" progId="Equation.DSMT4">
+                <p:oleObj name="Equation" r:id="rId5" imgW="1536700" imgH="419100" progId="Equation.DSMT4">
                   <p:embed/>
                   <p:pic>
                     <p:nvPicPr>
@@ -20617,7 +20761,7 @@
                       <p:nvPr/>
                     </p:nvPicPr>
                     <p:blipFill>
-                      <a:blip r:embed="rId5">
+                      <a:blip r:embed="rId6">
                         <a:extLst>
                           <a:ext uri="{28A0092B-C50C-407E-A947-70E740481C1C}">
                             <a14:useLocalDpi xmlns:a14="http://schemas.microsoft.com/office/drawing/2010/main" val="0"/>
@@ -20690,12 +20834,12 @@
           <a:graphicData uri="http://schemas.openxmlformats.org/presentationml/2006/ole">
             <mc:AlternateContent xmlns:mc="http://schemas.openxmlformats.org/markup-compatibility/2006">
               <mc:Choice xmlns:v="urn:schemas-microsoft-com:vml" Requires="v">
-                <p:oleObj name="Equation" r:id="rId6" imgW="1218671" imgH="393529" progId="Equation.DSMT4">
+                <p:oleObj spid="_x0000_s35850" name="Equation" r:id="rId7" imgW="1218671" imgH="393529" progId="Equation.DSMT4">
                   <p:embed/>
                 </p:oleObj>
               </mc:Choice>
               <mc:Fallback>
-                <p:oleObj name="Equation" r:id="rId6" imgW="1218671" imgH="393529" progId="Equation.DSMT4">
+                <p:oleObj name="Equation" r:id="rId7" imgW="1218671" imgH="393529" progId="Equation.DSMT4">
                   <p:embed/>
                   <p:pic>
                     <p:nvPicPr>
@@ -20706,7 +20850,7 @@
                       <p:nvPr/>
                     </p:nvPicPr>
                     <p:blipFill>
-                      <a:blip r:embed="rId7">
+                      <a:blip r:embed="rId8">
                         <a:extLst>
                           <a:ext uri="{28A0092B-C50C-407E-A947-70E740481C1C}">
                             <a14:useLocalDpi xmlns:a14="http://schemas.microsoft.com/office/drawing/2010/main" val="0"/>
@@ -20767,18 +20911,14 @@
   <p:clrMapOvr>
     <a:masterClrMapping/>
   </p:clrMapOvr>
-  <mc:AlternateContent xmlns:mc="http://schemas.openxmlformats.org/markup-compatibility/2006">
-    <mc:Choice xmlns:p159="http://schemas.microsoft.com/office/powerpoint/2015/09/main" Requires="p159">
-      <p:transition>
-        <p159:morph option="byChar"/>
-      </p:transition>
-    </mc:Choice>
-    <mc:Fallback>
-      <p:transition>
-        <p:fade/>
-      </p:transition>
-    </mc:Fallback>
-  </mc:AlternateContent>
+  <p:transition spd="med"/>
+  <p:timing>
+    <p:tnLst>
+      <p:par>
+        <p:cTn id="1" dur="indefinite" restart="never" nodeType="tmRoot"/>
+      </p:par>
+    </p:tnLst>
+  </p:timing>
 </p:sld>
 </file>
 
@@ -20825,6 +20965,9 @@
               </a:rPr>
               <a:t>Second Order Transient Circuits</a:t>
             </a:r>
+            <a:endParaRPr lang="en-US" altLang="ko-KR" sz="1800" dirty="0" smtClean="0">
+              <a:ea typeface="굴림" panose="020B0600000101010101" pitchFamily="50" charset="-127"/>
+            </a:endParaRPr>
           </a:p>
         </p:txBody>
       </p:sp>
@@ -20854,13 +20997,49 @@
               <a:defRPr/>
             </a:pPr>
             <a:r>
+              <a:rPr lang="en-US" altLang="ko-KR" sz="2800" b="1" dirty="0" smtClean="0">
+                <a:solidFill>
+                  <a:srgbClr val="0070C0"/>
+                </a:solidFill>
+                <a:ea typeface="굴림" charset="-127"/>
+              </a:rPr>
+              <a:t>Source </a:t>
+            </a:r>
+            <a:r>
               <a:rPr lang="en-US" altLang="ko-KR" sz="2800" b="1" dirty="0">
                 <a:solidFill>
                   <a:srgbClr val="0070C0"/>
                 </a:solidFill>
                 <a:ea typeface="굴림" charset="-127"/>
               </a:rPr>
-              <a:t>Source Free Parallel RLC Circuit  III</a:t>
+              <a:t>Free </a:t>
+            </a:r>
+            <a:r>
+              <a:rPr lang="en-US" altLang="ko-KR" sz="2800" b="1" dirty="0" smtClean="0">
+                <a:solidFill>
+                  <a:srgbClr val="0070C0"/>
+                </a:solidFill>
+                <a:ea typeface="굴림" charset="-127"/>
+              </a:rPr>
+              <a:t>Parallel </a:t>
+            </a:r>
+            <a:r>
+              <a:rPr lang="en-US" altLang="ko-KR" sz="2800" b="1" dirty="0">
+                <a:solidFill>
+                  <a:srgbClr val="0070C0"/>
+                </a:solidFill>
+                <a:ea typeface="굴림" charset="-127"/>
+              </a:rPr>
+              <a:t>RLC </a:t>
+            </a:r>
+            <a:r>
+              <a:rPr lang="en-US" altLang="ko-KR" sz="2800" b="1" dirty="0" smtClean="0">
+                <a:solidFill>
+                  <a:srgbClr val="0070C0"/>
+                </a:solidFill>
+                <a:ea typeface="굴림" charset="-127"/>
+              </a:rPr>
+              <a:t>Circuit  III</a:t>
             </a:r>
           </a:p>
           <a:p>
@@ -20943,12 +21122,12 @@
           <a:graphicData uri="http://schemas.openxmlformats.org/presentationml/2006/ole">
             <mc:AlternateContent xmlns:mc="http://schemas.openxmlformats.org/markup-compatibility/2006">
               <mc:Choice xmlns:v="urn:schemas-microsoft-com:vml" Requires="v">
-                <p:oleObj name="Equation" r:id="rId2" imgW="1409088" imgH="710891" progId="Equation.DSMT4">
+                <p:oleObj spid="_x0000_s36869" name="Equation" r:id="rId3" imgW="1409088" imgH="710891" progId="Equation.DSMT4">
                   <p:embed/>
                 </p:oleObj>
               </mc:Choice>
               <mc:Fallback>
-                <p:oleObj name="Equation" r:id="rId2" imgW="1409088" imgH="710891" progId="Equation.DSMT4">
+                <p:oleObj name="Equation" r:id="rId3" imgW="1409088" imgH="710891" progId="Equation.DSMT4">
                   <p:embed/>
                   <p:pic>
                     <p:nvPicPr>
@@ -20959,7 +21138,7 @@
                       <p:nvPr/>
                     </p:nvPicPr>
                     <p:blipFill>
-                      <a:blip r:embed="rId3">
+                      <a:blip r:embed="rId4">
                         <a:extLst>
                           <a:ext uri="{28A0092B-C50C-407E-A947-70E740481C1C}">
                             <a14:useLocalDpi xmlns:a14="http://schemas.microsoft.com/office/drawing/2010/main" val="0"/>
@@ -20983,6 +21162,7 @@
                       <a:ln>
                         <a:noFill/>
                       </a:ln>
+                      <a:extLst/>
                     </p:spPr>
                   </p:pic>
                 </p:oleObj>
@@ -21001,18 +21181,14 @@
   <p:clrMapOvr>
     <a:masterClrMapping/>
   </p:clrMapOvr>
-  <mc:AlternateContent xmlns:mc="http://schemas.openxmlformats.org/markup-compatibility/2006">
-    <mc:Choice xmlns:p159="http://schemas.microsoft.com/office/powerpoint/2015/09/main" Requires="p159">
-      <p:transition>
-        <p159:morph option="byChar"/>
-      </p:transition>
-    </mc:Choice>
-    <mc:Fallback>
-      <p:transition>
-        <p:fade/>
-      </p:transition>
-    </mc:Fallback>
-  </mc:AlternateContent>
+  <p:transition spd="med"/>
+  <p:timing>
+    <p:tnLst>
+      <p:par>
+        <p:cTn id="1" dur="indefinite" restart="never" nodeType="tmRoot"/>
+      </p:par>
+    </p:tnLst>
+  </p:timing>
 </p:sld>
 </file>
 
@@ -21059,6 +21235,9 @@
               </a:rPr>
               <a:t>Second Order Transient Circuits</a:t>
             </a:r>
+            <a:endParaRPr lang="en-US" altLang="ko-KR" sz="1800" dirty="0" smtClean="0">
+              <a:ea typeface="굴림" panose="020B0600000101010101" pitchFamily="50" charset="-127"/>
+            </a:endParaRPr>
           </a:p>
         </p:txBody>
       </p:sp>
@@ -21091,7 +21270,7 @@
               <a:defRPr/>
             </a:pPr>
             <a:r>
-              <a:rPr lang="en-US" altLang="ko-KR" sz="2800" b="1" dirty="0">
+              <a:rPr lang="en-US" altLang="ko-KR" sz="2800" b="1" dirty="0" smtClean="0">
                 <a:solidFill>
                   <a:srgbClr val="0070C0"/>
                 </a:solidFill>
@@ -21123,7 +21302,19 @@
               <a:rPr lang="en-US" altLang="ko-KR" dirty="0">
                 <a:ea typeface="굴림" panose="020B0600000101010101" pitchFamily="50" charset="-127"/>
               </a:rPr>
-              <a:t>, the roots are real and negative, so the response is:</a:t>
+              <a:t>, the roots are real and </a:t>
+            </a:r>
+            <a:r>
+              <a:rPr lang="en-US" altLang="ko-KR" dirty="0" smtClean="0">
+                <a:ea typeface="굴림" panose="020B0600000101010101" pitchFamily="50" charset="-127"/>
+              </a:rPr>
+              <a:t>negative</a:t>
+            </a:r>
+            <a:r>
+              <a:rPr lang="en-US" altLang="ko-KR" dirty="0">
+                <a:ea typeface="굴림" panose="020B0600000101010101" pitchFamily="50" charset="-127"/>
+              </a:rPr>
+              <a:t>, so the response is:</a:t>
             </a:r>
           </a:p>
           <a:p>
@@ -21192,12 +21383,12 @@
           <a:graphicData uri="http://schemas.openxmlformats.org/presentationml/2006/ole">
             <mc:AlternateContent xmlns:mc="http://schemas.openxmlformats.org/markup-compatibility/2006">
               <mc:Choice xmlns:v="urn:schemas-microsoft-com:vml" Requires="v">
-                <p:oleObj name="Equation" r:id="rId2" imgW="1205977" imgH="253890" progId="Equation.DSMT4">
+                <p:oleObj spid="_x0000_s37896" name="Equation" r:id="rId3" imgW="1205977" imgH="253890" progId="Equation.DSMT4">
                   <p:embed/>
                 </p:oleObj>
               </mc:Choice>
               <mc:Fallback>
-                <p:oleObj name="Equation" r:id="rId2" imgW="1205977" imgH="253890" progId="Equation.DSMT4">
+                <p:oleObj name="Equation" r:id="rId3" imgW="1205977" imgH="253890" progId="Equation.DSMT4">
                   <p:embed/>
                   <p:pic>
                     <p:nvPicPr>
@@ -21208,7 +21399,7 @@
                       <p:nvPr/>
                     </p:nvPicPr>
                     <p:blipFill>
-                      <a:blip r:embed="rId3">
+                      <a:blip r:embed="rId4">
                         <a:extLst>
                           <a:ext uri="{28A0092B-C50C-407E-A947-70E740481C1C}">
                             <a14:useLocalDpi xmlns:a14="http://schemas.microsoft.com/office/drawing/2010/main" val="0"/>
@@ -21281,12 +21472,12 @@
           <a:graphicData uri="http://schemas.openxmlformats.org/presentationml/2006/ole">
             <mc:AlternateContent xmlns:mc="http://schemas.openxmlformats.org/markup-compatibility/2006">
               <mc:Choice xmlns:v="urn:schemas-microsoft-com:vml" Requires="v">
-                <p:oleObj name="Equation" r:id="rId4" imgW="1269449" imgH="253890" progId="Equation.DSMT4">
+                <p:oleObj spid="_x0000_s37897" name="Equation" r:id="rId5" imgW="1269449" imgH="253890" progId="Equation.DSMT4">
                   <p:embed/>
                 </p:oleObj>
               </mc:Choice>
               <mc:Fallback>
-                <p:oleObj name="Equation" r:id="rId4" imgW="1269449" imgH="253890" progId="Equation.DSMT4">
+                <p:oleObj name="Equation" r:id="rId5" imgW="1269449" imgH="253890" progId="Equation.DSMT4">
                   <p:embed/>
                   <p:pic>
                     <p:nvPicPr>
@@ -21297,7 +21488,7 @@
                       <p:nvPr/>
                     </p:nvPicPr>
                     <p:blipFill>
-                      <a:blip r:embed="rId5">
+                      <a:blip r:embed="rId6">
                         <a:extLst>
                           <a:ext uri="{28A0092B-C50C-407E-A947-70E740481C1C}">
                             <a14:useLocalDpi xmlns:a14="http://schemas.microsoft.com/office/drawing/2010/main" val="0"/>
@@ -21358,18 +21549,14 @@
   <p:clrMapOvr>
     <a:masterClrMapping/>
   </p:clrMapOvr>
-  <mc:AlternateContent xmlns:mc="http://schemas.openxmlformats.org/markup-compatibility/2006">
-    <mc:Choice xmlns:p159="http://schemas.microsoft.com/office/powerpoint/2015/09/main" Requires="p159">
-      <p:transition>
-        <p159:morph option="byChar"/>
-      </p:transition>
-    </mc:Choice>
-    <mc:Fallback>
-      <p:transition>
-        <p:fade/>
-      </p:transition>
-    </mc:Fallback>
-  </mc:AlternateContent>
+  <p:transition spd="med"/>
+  <p:timing>
+    <p:tnLst>
+      <p:par>
+        <p:cTn id="1" dur="indefinite" restart="never" nodeType="tmRoot"/>
+      </p:par>
+    </p:tnLst>
+  </p:timing>
 </p:sld>
 </file>
 
@@ -21416,6 +21603,9 @@
               </a:rPr>
               <a:t>Second Order Transient Circuits</a:t>
             </a:r>
+            <a:endParaRPr lang="en-US" altLang="ko-KR" sz="1800" dirty="0" smtClean="0">
+              <a:ea typeface="굴림" panose="020B0600000101010101" pitchFamily="50" charset="-127"/>
+            </a:endParaRPr>
           </a:p>
         </p:txBody>
       </p:sp>
@@ -21448,7 +21638,7 @@
               <a:defRPr/>
             </a:pPr>
             <a:r>
-              <a:rPr lang="en-US" altLang="ko-KR" sz="2800" b="1" dirty="0">
+              <a:rPr lang="en-US" altLang="ko-KR" sz="2800" b="1" dirty="0" smtClean="0">
                 <a:solidFill>
                   <a:srgbClr val="0070C0"/>
                 </a:solidFill>
@@ -21572,12 +21762,12 @@
           <a:graphicData uri="http://schemas.openxmlformats.org/presentationml/2006/ole">
             <mc:AlternateContent xmlns:mc="http://schemas.openxmlformats.org/markup-compatibility/2006">
               <mc:Choice xmlns:v="urn:schemas-microsoft-com:vml" Requires="v">
-                <p:oleObj name="Equation" r:id="rId2" imgW="2120900" imgH="254000" progId="Equation.DSMT4">
+                <p:oleObj spid="_x0000_s38920" name="Equation" r:id="rId3" imgW="2120900" imgH="254000" progId="Equation.DSMT4">
                   <p:embed/>
                 </p:oleObj>
               </mc:Choice>
               <mc:Fallback>
-                <p:oleObj name="Equation" r:id="rId2" imgW="2120900" imgH="254000" progId="Equation.DSMT4">
+                <p:oleObj name="Equation" r:id="rId3" imgW="2120900" imgH="254000" progId="Equation.DSMT4">
                   <p:embed/>
                   <p:pic>
                     <p:nvPicPr>
@@ -21588,7 +21778,7 @@
                       <p:nvPr/>
                     </p:nvPicPr>
                     <p:blipFill>
-                      <a:blip r:embed="rId3">
+                      <a:blip r:embed="rId4">
                         <a:extLst>
                           <a:ext uri="{28A0092B-C50C-407E-A947-70E740481C1C}">
                             <a14:useLocalDpi xmlns:a14="http://schemas.microsoft.com/office/drawing/2010/main" val="0"/>
@@ -21661,12 +21851,12 @@
           <a:graphicData uri="http://schemas.openxmlformats.org/presentationml/2006/ole">
             <mc:AlternateContent xmlns:mc="http://schemas.openxmlformats.org/markup-compatibility/2006">
               <mc:Choice xmlns:v="urn:schemas-microsoft-com:vml" Requires="v">
-                <p:oleObj name="Equation" r:id="rId4" imgW="1333500" imgH="419100" progId="Equation.DSMT4">
+                <p:oleObj spid="_x0000_s38921" name="Equation" r:id="rId5" imgW="1333500" imgH="419100" progId="Equation.DSMT4">
                   <p:embed/>
                 </p:oleObj>
               </mc:Choice>
               <mc:Fallback>
-                <p:oleObj name="Equation" r:id="rId4" imgW="1333500" imgH="419100" progId="Equation.DSMT4">
+                <p:oleObj name="Equation" r:id="rId5" imgW="1333500" imgH="419100" progId="Equation.DSMT4">
                   <p:embed/>
                   <p:pic>
                     <p:nvPicPr>
@@ -21677,7 +21867,7 @@
                       <p:nvPr/>
                     </p:nvPicPr>
                     <p:blipFill>
-                      <a:blip r:embed="rId5">
+                      <a:blip r:embed="rId6">
                         <a:extLst>
                           <a:ext uri="{28A0092B-C50C-407E-A947-70E740481C1C}">
                             <a14:useLocalDpi xmlns:a14="http://schemas.microsoft.com/office/drawing/2010/main" val="0"/>
@@ -21738,18 +21928,14 @@
   <p:clrMapOvr>
     <a:masterClrMapping/>
   </p:clrMapOvr>
-  <mc:AlternateContent xmlns:mc="http://schemas.openxmlformats.org/markup-compatibility/2006">
-    <mc:Choice xmlns:p159="http://schemas.microsoft.com/office/powerpoint/2015/09/main" Requires="p159">
-      <p:transition>
-        <p159:morph option="byChar"/>
-      </p:transition>
-    </mc:Choice>
-    <mc:Fallback>
-      <p:transition>
-        <p:fade/>
-      </p:transition>
-    </mc:Fallback>
-  </mc:AlternateContent>
+  <p:transition spd="med"/>
+  <p:timing>
+    <p:tnLst>
+      <p:par>
+        <p:cTn id="1" dur="indefinite" restart="never" nodeType="tmRoot"/>
+      </p:par>
+    </p:tnLst>
+  </p:timing>
 </p:sld>
 </file>
 
@@ -21796,6 +21982,9 @@
               </a:rPr>
               <a:t>Second Order Transient Circuits</a:t>
             </a:r>
+            <a:endParaRPr lang="en-US" altLang="ko-KR" sz="1800" dirty="0" smtClean="0">
+              <a:ea typeface="굴림" panose="020B0600000101010101" pitchFamily="50" charset="-127"/>
+            </a:endParaRPr>
           </a:p>
         </p:txBody>
       </p:sp>
@@ -21825,7 +22014,7 @@
               <a:defRPr/>
             </a:pPr>
             <a:r>
-              <a:rPr lang="en-US" altLang="ko-KR" sz="2800" b="1" dirty="0">
+              <a:rPr lang="en-US" altLang="ko-KR" sz="2800" b="1" dirty="0" smtClean="0">
                 <a:solidFill>
                   <a:srgbClr val="0070C0"/>
                 </a:solidFill>
@@ -21879,18 +22068,14 @@
   <p:clrMapOvr>
     <a:masterClrMapping/>
   </p:clrMapOvr>
-  <mc:AlternateContent xmlns:mc="http://schemas.openxmlformats.org/markup-compatibility/2006">
-    <mc:Choice xmlns:p159="http://schemas.microsoft.com/office/powerpoint/2015/09/main" Requires="p159">
-      <p:transition>
-        <p159:morph option="byChar"/>
-      </p:transition>
-    </mc:Choice>
-    <mc:Fallback>
-      <p:transition>
-        <p:fade/>
-      </p:transition>
-    </mc:Fallback>
-  </mc:AlternateContent>
+  <p:transition spd="med"/>
+  <p:timing>
+    <p:tnLst>
+      <p:par>
+        <p:cTn id="1" dur="indefinite" restart="never" nodeType="tmRoot"/>
+      </p:par>
+    </p:tnLst>
+  </p:timing>
 </p:sld>
 </file>
 
@@ -21937,6 +22122,9 @@
               </a:rPr>
               <a:t>Second Order Transient Circuits</a:t>
             </a:r>
+            <a:endParaRPr lang="en-US" altLang="ko-KR" sz="1800" dirty="0" smtClean="0">
+              <a:ea typeface="굴림" panose="020B0600000101010101" pitchFamily="50" charset="-127"/>
+            </a:endParaRPr>
           </a:p>
         </p:txBody>
       </p:sp>
@@ -21968,7 +22156,7 @@
               <a:buNone/>
             </a:pPr>
             <a:r>
-              <a:rPr lang="en-US" altLang="ko-KR" sz="2800" b="1" dirty="0">
+              <a:rPr lang="en-US" altLang="ko-KR" sz="2800" b="1" dirty="0" smtClean="0">
                 <a:solidFill>
                   <a:srgbClr val="0070C0"/>
                 </a:solidFill>
@@ -22073,18 +22261,7 @@
   <p:clrMapOvr>
     <a:masterClrMapping/>
   </p:clrMapOvr>
-  <mc:AlternateContent xmlns:mc="http://schemas.openxmlformats.org/markup-compatibility/2006">
-    <mc:Choice xmlns:p159="http://schemas.microsoft.com/office/powerpoint/2015/09/main" Requires="p159">
-      <p:transition>
-        <p159:morph option="byChar"/>
-      </p:transition>
-    </mc:Choice>
-    <mc:Fallback>
-      <p:transition>
-        <p:fade/>
-      </p:transition>
-    </mc:Fallback>
-  </mc:AlternateContent>
+  <p:transition spd="med"/>
   <p:timing>
     <p:tnLst>
       <p:par>
@@ -22197,12 +22374,12 @@
           <a:p>
             <a:pPr eaLnBrk="1" hangingPunct="1"/>
             <a:r>
-              <a:rPr lang="en-US" altLang="ko-KR" sz="1800" dirty="0">
+              <a:rPr lang="en-US" altLang="ko-KR" sz="1800" dirty="0" smtClean="0">
                 <a:ea typeface="굴림" panose="020B0600000101010101" pitchFamily="50" charset="-127"/>
               </a:rPr>
               <a:t>Second Order Transient Circuits</a:t>
             </a:r>
-            <a:endParaRPr lang="ko-KR" altLang="en-US" sz="1800" dirty="0"/>
+            <a:endParaRPr lang="ko-KR" altLang="en-US" sz="1800" dirty="0" smtClean="0"/>
           </a:p>
         </p:txBody>
       </p:sp>
@@ -22235,7 +22412,7 @@
               <a:defRPr/>
             </a:pPr>
             <a:r>
-              <a:rPr lang="en-US" altLang="ko-KR" sz="2800" b="1" i="1" dirty="0">
+              <a:rPr lang="en-US" altLang="ko-KR" sz="2800" b="1" i="1" dirty="0" smtClean="0">
                 <a:solidFill>
                   <a:srgbClr val="0070C0"/>
                 </a:solidFill>
@@ -22420,18 +22597,14 @@
   <p:clrMapOvr>
     <a:masterClrMapping/>
   </p:clrMapOvr>
-  <mc:AlternateContent xmlns:mc="http://schemas.openxmlformats.org/markup-compatibility/2006">
-    <mc:Choice xmlns:p159="http://schemas.microsoft.com/office/powerpoint/2015/09/main" Requires="p159">
-      <p:transition>
-        <p159:morph option="byChar"/>
-      </p:transition>
-    </mc:Choice>
-    <mc:Fallback>
-      <p:transition>
-        <p:fade/>
-      </p:transition>
-    </mc:Fallback>
-  </mc:AlternateContent>
+  <p:transition spd="med"/>
+  <p:timing>
+    <p:tnLst>
+      <p:par>
+        <p:cTn id="1" dur="indefinite" restart="never" nodeType="tmRoot"/>
+      </p:par>
+    </p:tnLst>
+  </p:timing>
 </p:sld>
 </file>
 
@@ -22469,12 +22642,12 @@
           <a:p>
             <a:pPr eaLnBrk="1" hangingPunct="1"/>
             <a:r>
-              <a:rPr lang="en-US" altLang="ko-KR" sz="1800" dirty="0">
+              <a:rPr lang="en-US" altLang="ko-KR" sz="1800" dirty="0" smtClean="0">
                 <a:ea typeface="굴림" panose="020B0600000101010101" pitchFamily="50" charset="-127"/>
               </a:rPr>
               <a:t>Capacitors</a:t>
             </a:r>
-            <a:endParaRPr lang="ko-KR" altLang="en-US" sz="1800" dirty="0"/>
+            <a:endParaRPr lang="ko-KR" altLang="en-US" sz="1800" dirty="0" smtClean="0"/>
           </a:p>
         </p:txBody>
       </p:sp>
@@ -22506,7 +22679,7 @@
                   <a:defRPr/>
                 </a:pPr>
                 <a:r>
-                  <a:rPr lang="en-US" altLang="ko-KR" sz="2800" b="1" dirty="0">
+                  <a:rPr lang="en-US" altLang="ko-KR" sz="2800" b="1" dirty="0" smtClean="0">
                     <a:solidFill>
                       <a:srgbClr val="0070C0"/>
                     </a:solidFill>
@@ -22520,10 +22693,22 @@
                   <a:defRPr/>
                 </a:pPr>
                 <a:r>
+                  <a:rPr lang="en-US" altLang="ko-KR" b="1" dirty="0" smtClean="0">
+                    <a:ea typeface="굴림" panose="020B0600000101010101" pitchFamily="50" charset="-127"/>
+                  </a:rPr>
+                  <a:t>The </a:t>
+                </a:r>
+                <a:r>
                   <a:rPr lang="en-US" altLang="ko-KR" b="1" dirty="0">
                     <a:ea typeface="굴림" panose="020B0600000101010101" pitchFamily="50" charset="-127"/>
                   </a:rPr>
-                  <a:t>The amount of charge is proportional to the voltage:</a:t>
+                  <a:t>amount of charge is proportional to the voltage</a:t>
+                </a:r>
+                <a:r>
+                  <a:rPr lang="en-US" altLang="ko-KR" b="1" dirty="0" smtClean="0">
+                    <a:ea typeface="굴림" panose="020B0600000101010101" pitchFamily="50" charset="-127"/>
+                  </a:rPr>
+                  <a:t>:</a:t>
                 </a:r>
               </a:p>
               <a:p>
@@ -22610,7 +22795,7 @@
                   <a:buNone/>
                   <a:defRPr/>
                 </a:pPr>
-                <a:endParaRPr lang="en-US" altLang="ko-KR" sz="2800" dirty="0">
+                <a:endParaRPr lang="en-US" altLang="ko-KR" sz="2800" dirty="0" smtClean="0">
                   <a:ea typeface="굴림" panose="020B0600000101010101" pitchFamily="50" charset="-127"/>
                 </a:endParaRPr>
               </a:p>
@@ -22628,7 +22813,7 @@
                   <a:buNone/>
                   <a:defRPr/>
                 </a:pPr>
-                <a:endParaRPr lang="en-US" altLang="ko-KR" sz="2800" dirty="0">
+                <a:endParaRPr lang="en-US" altLang="ko-KR" sz="2800" dirty="0" smtClean="0">
                   <a:ea typeface="굴림" panose="020B0600000101010101" pitchFamily="50" charset="-127"/>
                 </a:endParaRPr>
               </a:p>
@@ -22646,7 +22831,7 @@
                   <a:buNone/>
                   <a:defRPr/>
                 </a:pPr>
-                <a:endParaRPr lang="en-US" altLang="ko-KR" sz="2800" dirty="0">
+                <a:endParaRPr lang="en-US" altLang="ko-KR" sz="2800" dirty="0" smtClean="0">
                   <a:ea typeface="굴림" panose="020B0600000101010101" pitchFamily="50" charset="-127"/>
                 </a:endParaRPr>
               </a:p>
@@ -22760,7 +22945,7 @@
           <a:graphicData uri="http://schemas.openxmlformats.org/presentationml/2006/ole">
             <mc:AlternateContent xmlns:mc="http://schemas.openxmlformats.org/markup-compatibility/2006">
               <mc:Choice xmlns:v="urn:schemas-microsoft-com:vml" Requires="v">
-                <p:oleObj name="Equation" r:id="rId5" imgW="545863" imgH="393529" progId="Equation.DSMT4">
+                <p:oleObj spid="_x0000_s18460" name="Equation" r:id="rId5" imgW="545863" imgH="393529" progId="Equation.DSMT4">
                   <p:embed/>
                 </p:oleObj>
               </mc:Choice>
@@ -22849,7 +23034,7 @@
           <a:graphicData uri="http://schemas.openxmlformats.org/presentationml/2006/ole">
             <mc:AlternateContent xmlns:mc="http://schemas.openxmlformats.org/markup-compatibility/2006">
               <mc:Choice xmlns:v="urn:schemas-microsoft-com:vml" Requires="v">
-                <p:oleObj name="Equation" r:id="rId7" imgW="1536033" imgH="495085" progId="Equation.DSMT4">
+                <p:oleObj spid="_x0000_s18461" name="Equation" r:id="rId7" imgW="1536033" imgH="495085" progId="Equation.DSMT4">
                   <p:embed/>
                 </p:oleObj>
               </mc:Choice>
@@ -22926,18 +23111,14 @@
   <p:clrMapOvr>
     <a:masterClrMapping/>
   </p:clrMapOvr>
-  <mc:AlternateContent xmlns:mc="http://schemas.openxmlformats.org/markup-compatibility/2006">
-    <mc:Choice xmlns:p159="http://schemas.microsoft.com/office/powerpoint/2015/09/main" Requires="p159">
-      <p:transition>
-        <p159:morph option="byChar"/>
-      </p:transition>
-    </mc:Choice>
-    <mc:Fallback>
-      <p:transition>
-        <p:fade/>
-      </p:transition>
-    </mc:Fallback>
-  </mc:AlternateContent>
+  <p:transition spd="med"/>
+  <p:timing>
+    <p:tnLst>
+      <p:par>
+        <p:cTn id="1" dur="indefinite" restart="never" nodeType="tmRoot"/>
+      </p:par>
+    </p:tnLst>
+  </p:timing>
 </p:sld>
 </file>
 
@@ -22984,6 +23165,9 @@
               </a:rPr>
               <a:t>Second Order Transient Circuits</a:t>
             </a:r>
+            <a:endParaRPr lang="en-US" altLang="ko-KR" sz="1800" dirty="0" smtClean="0">
+              <a:ea typeface="굴림" panose="020B0600000101010101" pitchFamily="50" charset="-127"/>
+            </a:endParaRPr>
           </a:p>
         </p:txBody>
       </p:sp>
@@ -23016,7 +23200,7 @@
               <a:defRPr/>
             </a:pPr>
             <a:r>
-              <a:rPr lang="en-US" altLang="ko-KR" sz="2800" b="1" dirty="0">
+              <a:rPr lang="en-US" altLang="ko-KR" sz="2800" b="1" dirty="0" smtClean="0">
                 <a:solidFill>
                   <a:srgbClr val="0070C0"/>
                 </a:solidFill>
@@ -23050,7 +23234,13 @@
               <a:rPr lang="en-US" altLang="ko-KR" dirty="0">
                 <a:ea typeface="굴림" panose="020B0600000101010101" pitchFamily="50" charset="-127"/>
               </a:rPr>
-              <a:t>The following four steps need to be taken:</a:t>
+              <a:t>The following four steps need to be taken</a:t>
+            </a:r>
+            <a:r>
+              <a:rPr lang="en-US" altLang="ko-KR" dirty="0" smtClean="0">
+                <a:ea typeface="굴림" panose="020B0600000101010101" pitchFamily="50" charset="-127"/>
+              </a:rPr>
+              <a:t>:</a:t>
             </a:r>
           </a:p>
           <a:p>
@@ -23063,42 +23253,42 @@
               <a:defRPr/>
             </a:pPr>
             <a:r>
-              <a:rPr lang="en-US" altLang="ko-KR" dirty="0">
+              <a:rPr lang="en-US" altLang="ko-KR" dirty="0" smtClean="0">
                 <a:ea typeface="굴림" panose="020B0600000101010101" pitchFamily="50" charset="-127"/>
               </a:rPr>
               <a:t> First determine the initial conditions, </a:t>
             </a:r>
             <a:r>
-              <a:rPr lang="en-US" altLang="ko-KR" i="1" dirty="0">
+              <a:rPr lang="en-US" altLang="ko-KR" i="1" dirty="0" smtClean="0">
                 <a:ea typeface="굴림" panose="020B0600000101010101" pitchFamily="50" charset="-127"/>
               </a:rPr>
               <a:t>x(0)</a:t>
             </a:r>
             <a:r>
-              <a:rPr lang="en-US" altLang="ko-KR" dirty="0">
+              <a:rPr lang="en-US" altLang="ko-KR" dirty="0" smtClean="0">
                 <a:ea typeface="굴림" panose="020B0600000101010101" pitchFamily="50" charset="-127"/>
               </a:rPr>
               <a:t> and </a:t>
             </a:r>
             <a:r>
-              <a:rPr lang="en-US" altLang="ko-KR" i="1" dirty="0">
+              <a:rPr lang="en-US" altLang="ko-KR" i="1" dirty="0" smtClean="0">
                 <a:ea typeface="굴림" panose="020B0600000101010101" pitchFamily="50" charset="-127"/>
               </a:rPr>
               <a:t>dx(0)/</a:t>
             </a:r>
             <a:r>
-              <a:rPr lang="en-US" altLang="ko-KR" i="1" dirty="0" err="1">
+              <a:rPr lang="en-US" altLang="ko-KR" i="1" dirty="0" err="1" smtClean="0">
                 <a:ea typeface="굴림" panose="020B0600000101010101" pitchFamily="50" charset="-127"/>
               </a:rPr>
               <a:t>dt</a:t>
             </a:r>
             <a:r>
-              <a:rPr lang="en-US" altLang="ko-KR" dirty="0" err="1">
+              <a:rPr lang="en-US" altLang="ko-KR" dirty="0" err="1" smtClean="0">
                 <a:ea typeface="굴림" panose="020B0600000101010101" pitchFamily="50" charset="-127"/>
               </a:rPr>
               <a:t>.</a:t>
             </a:r>
-            <a:endParaRPr lang="en-US" altLang="ko-KR" dirty="0">
+            <a:endParaRPr lang="en-US" altLang="ko-KR" dirty="0" smtClean="0">
               <a:ea typeface="굴림" panose="020B0600000101010101" pitchFamily="50" charset="-127"/>
             </a:endParaRPr>
           </a:p>
@@ -23112,7 +23302,7 @@
               <a:defRPr/>
             </a:pPr>
             <a:r>
-              <a:rPr lang="en-US" altLang="ko-KR" dirty="0">
+              <a:rPr lang="en-US" altLang="ko-KR" dirty="0" smtClean="0">
                 <a:ea typeface="굴림" panose="020B0600000101010101" pitchFamily="50" charset="-127"/>
               </a:rPr>
               <a:t>Turn off the independent sources and find the form of the transient response by  applying KVL and KCL.</a:t>
@@ -23126,10 +23316,16 @@
               <a:defRPr/>
             </a:pPr>
             <a:r>
+              <a:rPr lang="en-US" altLang="ko-KR" dirty="0" smtClean="0">
+                <a:ea typeface="굴림" panose="020B0600000101010101" pitchFamily="50" charset="-127"/>
+              </a:rPr>
+              <a:t>Depending </a:t>
+            </a:r>
+            <a:r>
               <a:rPr lang="en-US" altLang="ko-KR" dirty="0">
                 <a:ea typeface="굴림" panose="020B0600000101010101" pitchFamily="50" charset="-127"/>
               </a:rPr>
-              <a:t>Depending on the damping found, the unknown constants will be found.</a:t>
+              <a:t>on the damping found, the unknown constants will be found.</a:t>
             </a:r>
           </a:p>
           <a:p>
@@ -23142,10 +23338,16 @@
               <a:defRPr/>
             </a:pPr>
             <a:r>
+              <a:rPr lang="en-US" altLang="ko-KR" dirty="0" smtClean="0">
+                <a:ea typeface="굴림" panose="020B0600000101010101" pitchFamily="50" charset="-127"/>
+              </a:rPr>
+              <a:t>We </a:t>
+            </a:r>
+            <a:r>
               <a:rPr lang="en-US" altLang="ko-KR" dirty="0">
                 <a:ea typeface="굴림" panose="020B0600000101010101" pitchFamily="50" charset="-127"/>
               </a:rPr>
-              <a:t>We obtain the stead state response as:</a:t>
+              <a:t>obtain the stead state response as:</a:t>
             </a:r>
           </a:p>
           <a:p>
@@ -23248,12 +23450,12 @@
           <a:graphicData uri="http://schemas.openxmlformats.org/presentationml/2006/ole">
             <mc:AlternateContent xmlns:mc="http://schemas.openxmlformats.org/markup-compatibility/2006">
               <mc:Choice xmlns:v="urn:schemas-microsoft-com:vml" Requires="v">
-                <p:oleObj name="Equation" r:id="rId2" imgW="863225" imgH="253890" progId="Equation.DSMT4">
+                <p:oleObj spid="_x0000_s39939" name="Equation" r:id="rId3" imgW="863225" imgH="253890" progId="Equation.DSMT4">
                   <p:embed/>
                 </p:oleObj>
               </mc:Choice>
               <mc:Fallback>
-                <p:oleObj name="Equation" r:id="rId2" imgW="863225" imgH="253890" progId="Equation.DSMT4">
+                <p:oleObj name="Equation" r:id="rId3" imgW="863225" imgH="253890" progId="Equation.DSMT4">
                   <p:embed/>
                   <p:pic>
                     <p:nvPicPr>
@@ -23264,7 +23466,7 @@
                       <p:nvPr/>
                     </p:nvPicPr>
                     <p:blipFill>
-                      <a:blip r:embed="rId3">
+                      <a:blip r:embed="rId4">
                         <a:extLst>
                           <a:ext uri="{28A0092B-C50C-407E-A947-70E740481C1C}">
                             <a14:useLocalDpi xmlns:a14="http://schemas.microsoft.com/office/drawing/2010/main" val="0"/>
@@ -23325,18 +23527,14 @@
   <p:clrMapOvr>
     <a:masterClrMapping/>
   </p:clrMapOvr>
-  <mc:AlternateContent xmlns:mc="http://schemas.openxmlformats.org/markup-compatibility/2006">
-    <mc:Choice xmlns:p159="http://schemas.microsoft.com/office/powerpoint/2015/09/main" Requires="p159">
-      <p:transition>
-        <p159:morph option="byChar"/>
-      </p:transition>
-    </mc:Choice>
-    <mc:Fallback>
-      <p:transition>
-        <p:fade/>
-      </p:transition>
-    </mc:Fallback>
-  </mc:AlternateContent>
+  <p:transition spd="med"/>
+  <p:timing>
+    <p:tnLst>
+      <p:par>
+        <p:cTn id="1" dur="indefinite" restart="never" nodeType="tmRoot"/>
+      </p:par>
+    </p:tnLst>
+  </p:timing>
 </p:sld>
 </file>
 
@@ -23374,12 +23572,12 @@
           <a:p>
             <a:pPr eaLnBrk="1" hangingPunct="1"/>
             <a:r>
-              <a:rPr lang="en-US" altLang="ko-KR" sz="1800" dirty="0">
+              <a:rPr lang="en-US" altLang="ko-KR" sz="1800" dirty="0" smtClean="0">
                 <a:ea typeface="굴림" panose="020B0600000101010101" pitchFamily="50" charset="-127"/>
               </a:rPr>
               <a:t>Second Order Transient Circuits</a:t>
             </a:r>
-            <a:endParaRPr lang="ko-KR" altLang="en-US" sz="1800" dirty="0"/>
+            <a:endParaRPr lang="ko-KR" altLang="en-US" sz="1800" dirty="0" smtClean="0"/>
           </a:p>
         </p:txBody>
       </p:sp>
@@ -23414,7 +23612,7 @@
                   <a:defRPr/>
                 </a:pPr>
                 <a:r>
-                  <a:rPr lang="en-US" altLang="ko-KR" sz="2800" b="1" i="1" dirty="0">
+                  <a:rPr lang="en-US" altLang="ko-KR" sz="2800" b="1" i="1" dirty="0" smtClean="0">
                     <a:solidFill>
                       <a:srgbClr val="0070C0"/>
                     </a:solidFill>
@@ -23428,7 +23626,7 @@
                   <a:defRPr/>
                 </a:pPr>
                 <a:r>
-                  <a:rPr lang="en-US" altLang="ko-KR" dirty="0">
+                  <a:rPr lang="en-US" altLang="ko-KR" dirty="0" smtClean="0">
                     <a:ea typeface="굴림" panose="020B0600000101010101" pitchFamily="50" charset="-127"/>
                   </a:rPr>
                   <a:t>Fine voltage </a:t>
@@ -23502,7 +23700,7 @@
                   </m:oMath>
                 </a14:m>
                 <a:r>
-                  <a:rPr lang="en-US" altLang="ko-KR" dirty="0">
+                  <a:rPr lang="en-US" altLang="ko-KR" dirty="0" smtClean="0">
                     <a:ea typeface="굴림" panose="020B0600000101010101" pitchFamily="50" charset="-127"/>
                   </a:rPr>
                   <a:t>.</a:t>
@@ -23513,40 +23711,46 @@
                   <a:defRPr/>
                 </a:pPr>
                 <a:r>
-                  <a:rPr lang="en-US" altLang="ko-KR" dirty="0">
+                  <a:rPr lang="en-US" altLang="ko-KR" dirty="0" smtClean="0">
                     <a:ea typeface="굴림" panose="020B0600000101010101" pitchFamily="50" charset="-127"/>
                   </a:rPr>
                   <a:t>a) R=2/5</a:t>
+                </a:r>
+                <a:r>
+                  <a:rPr lang="el-GR" altLang="ko-KR" dirty="0" smtClean="0">
+                    <a:ea typeface="굴림" panose="020B0600000101010101" pitchFamily="50" charset="-127"/>
+                  </a:rPr>
+                  <a:t>Ω</a:t>
+                </a:r>
+                <a:r>
+                  <a:rPr lang="en-US" altLang="ko-KR" dirty="0" smtClean="0">
+                    <a:ea typeface="굴림" panose="020B0600000101010101" pitchFamily="50" charset="-127"/>
+                  </a:rPr>
+                  <a:t>, b) R=1/2</a:t>
+                </a:r>
+                <a:r>
+                  <a:rPr lang="el-GR" altLang="ko-KR" dirty="0" smtClean="0">
+                    <a:ea typeface="굴림" panose="020B0600000101010101" pitchFamily="50" charset="-127"/>
+                  </a:rPr>
+                  <a:t> Ω</a:t>
+                </a:r>
+                <a:r>
+                  <a:rPr lang="en-US" altLang="ko-KR" dirty="0" smtClean="0">
+                    <a:ea typeface="굴림" panose="020B0600000101010101" pitchFamily="50" charset="-127"/>
+                  </a:rPr>
+                  <a:t>, c) R=1</a:t>
+                </a:r>
+                <a:r>
+                  <a:rPr lang="el-GR" altLang="ko-KR" dirty="0" smtClean="0">
+                    <a:ea typeface="굴림" panose="020B0600000101010101" pitchFamily="50" charset="-127"/>
+                  </a:rPr>
+                  <a:t> </a:t>
                 </a:r>
                 <a:r>
                   <a:rPr lang="el-GR" altLang="ko-KR" dirty="0">
                     <a:ea typeface="굴림" panose="020B0600000101010101" pitchFamily="50" charset="-127"/>
                   </a:rPr>
                   <a:t>Ω</a:t>
-                </a:r>
-                <a:r>
-                  <a:rPr lang="en-US" altLang="ko-KR" dirty="0">
-                    <a:ea typeface="굴림" panose="020B0600000101010101" pitchFamily="50" charset="-127"/>
-                  </a:rPr>
-                  <a:t>, b) R=1/2</a:t>
-                </a:r>
-                <a:r>
-                  <a:rPr lang="el-GR" altLang="ko-KR" dirty="0">
-                    <a:ea typeface="굴림" panose="020B0600000101010101" pitchFamily="50" charset="-127"/>
-                  </a:rPr>
-                  <a:t> Ω</a:t>
-                </a:r>
-                <a:r>
-                  <a:rPr lang="en-US" altLang="ko-KR" dirty="0">
-                    <a:ea typeface="굴림" panose="020B0600000101010101" pitchFamily="50" charset="-127"/>
-                  </a:rPr>
-                  <a:t>, c) R=1</a:t>
-                </a:r>
-                <a:r>
-                  <a:rPr lang="el-GR" altLang="ko-KR" dirty="0">
-                    <a:ea typeface="굴림" panose="020B0600000101010101" pitchFamily="50" charset="-127"/>
-                  </a:rPr>
-                  <a:t> Ω</a:t>
                 </a:r>
                 <a:endParaRPr lang="en-US" altLang="ko-KR" dirty="0">
                   <a:ea typeface="굴림" panose="020B0600000101010101" pitchFamily="50" charset="-127"/>
@@ -23633,18 +23837,14 @@
   <p:clrMapOvr>
     <a:masterClrMapping/>
   </p:clrMapOvr>
-  <mc:AlternateContent xmlns:mc="http://schemas.openxmlformats.org/markup-compatibility/2006">
-    <mc:Choice xmlns:p159="http://schemas.microsoft.com/office/powerpoint/2015/09/main" Requires="p159">
-      <p:transition>
-        <p159:morph option="byChar"/>
-      </p:transition>
-    </mc:Choice>
-    <mc:Fallback>
-      <p:transition>
-        <p:fade/>
-      </p:transition>
-    </mc:Fallback>
-  </mc:AlternateContent>
+  <p:transition spd="med"/>
+  <p:timing>
+    <p:tnLst>
+      <p:par>
+        <p:cTn id="1" dur="indefinite" restart="never" nodeType="tmRoot"/>
+      </p:par>
+    </p:tnLst>
+  </p:timing>
 </p:sld>
 </file>
 
@@ -23682,12 +23882,12 @@
           <a:p>
             <a:pPr eaLnBrk="1" hangingPunct="1"/>
             <a:r>
-              <a:rPr lang="en-US" altLang="ko-KR" sz="1800" dirty="0">
+              <a:rPr lang="en-US" altLang="ko-KR" sz="1800" dirty="0" smtClean="0">
                 <a:ea typeface="굴림" panose="020B0600000101010101" pitchFamily="50" charset="-127"/>
               </a:rPr>
               <a:t>Second Order Transient Circuits</a:t>
             </a:r>
-            <a:endParaRPr lang="ko-KR" altLang="en-US" sz="1800" dirty="0"/>
+            <a:endParaRPr lang="ko-KR" altLang="en-US" sz="1800" dirty="0" smtClean="0"/>
           </a:p>
         </p:txBody>
       </p:sp>
@@ -23722,7 +23922,7 @@
                   <a:defRPr/>
                 </a:pPr>
                 <a:r>
-                  <a:rPr lang="en-US" altLang="ko-KR" sz="2800" b="1" i="1" dirty="0">
+                  <a:rPr lang="en-US" altLang="ko-KR" sz="2800" b="1" i="1" dirty="0" smtClean="0">
                     <a:solidFill>
                       <a:srgbClr val="0070C0"/>
                     </a:solidFill>
@@ -23736,7 +23936,7 @@
                   <a:defRPr/>
                 </a:pPr>
                 <a:r>
-                  <a:rPr lang="en-US" altLang="ko-KR" dirty="0">
+                  <a:rPr lang="en-US" altLang="ko-KR" dirty="0" smtClean="0">
                     <a:ea typeface="굴림" panose="020B0600000101010101" pitchFamily="50" charset="-127"/>
                   </a:rPr>
                   <a:t>Fine voltage </a:t>
@@ -23810,7 +24010,7 @@
                   </m:oMath>
                 </a14:m>
                 <a:r>
-                  <a:rPr lang="en-US" altLang="ko-KR" dirty="0">
+                  <a:rPr lang="en-US" altLang="ko-KR" dirty="0" smtClean="0">
                     <a:ea typeface="굴림" panose="020B0600000101010101" pitchFamily="50" charset="-127"/>
                   </a:rPr>
                   <a:t>.</a:t>
@@ -23897,18 +24097,14 @@
   <p:clrMapOvr>
     <a:masterClrMapping/>
   </p:clrMapOvr>
-  <mc:AlternateContent xmlns:mc="http://schemas.openxmlformats.org/markup-compatibility/2006">
-    <mc:Choice xmlns:p159="http://schemas.microsoft.com/office/powerpoint/2015/09/main" Requires="p159">
-      <p:transition>
-        <p159:morph option="byChar"/>
-      </p:transition>
-    </mc:Choice>
-    <mc:Fallback>
-      <p:transition>
-        <p:fade/>
-      </p:transition>
-    </mc:Fallback>
-  </mc:AlternateContent>
+  <p:transition spd="med"/>
+  <p:timing>
+    <p:tnLst>
+      <p:par>
+        <p:cTn id="1" dur="indefinite" restart="never" nodeType="tmRoot"/>
+      </p:par>
+    </p:tnLst>
+  </p:timing>
 </p:sld>
 </file>
 
@@ -23945,10 +24141,10 @@
           <a:lstStyle/>
           <a:p>
             <a:r>
-              <a:rPr lang="en-US" altLang="ko-KR" sz="2400"/>
+              <a:rPr lang="en-US" altLang="ko-KR" sz="2400" smtClean="0"/>
               <a:t>Homework</a:t>
             </a:r>
-            <a:endParaRPr lang="ko-KR" altLang="en-US" sz="2400"/>
+            <a:endParaRPr lang="ko-KR" altLang="en-US" sz="2400" smtClean="0"/>
           </a:p>
         </p:txBody>
       </p:sp>
@@ -23981,7 +24177,7 @@
               <a:defRPr/>
             </a:pPr>
             <a:r>
-              <a:rPr lang="en-US" altLang="ko-KR" sz="3200" dirty="0">
+              <a:rPr lang="en-US" altLang="ko-KR" sz="3200" dirty="0" smtClean="0">
                 <a:solidFill>
                   <a:srgbClr val="0070C0"/>
                 </a:solidFill>
@@ -23998,14 +24194,22 @@
               <a:defRPr/>
             </a:pPr>
             <a:r>
-              <a:rPr lang="en-US" altLang="ko-KR" sz="2000" b="1" i="1">
+              <a:rPr lang="en-US" altLang="ko-KR" sz="2000" b="1" i="1" smtClean="0">
                 <a:solidFill>
                   <a:srgbClr val="A50021"/>
                 </a:solidFill>
               </a:rPr>
-              <a:t>Solve Problems 4.6, 4.22, 4.42, 4.54, 4.55</a:t>
-            </a:r>
-            <a:endParaRPr lang="en-US" altLang="ko-KR" sz="2000" b="1" i="1" dirty="0">
+              <a:t>Solve </a:t>
+            </a:r>
+            <a:r>
+              <a:rPr lang="en-US" altLang="ko-KR" sz="2000" b="1" i="1" smtClean="0">
+                <a:solidFill>
+                  <a:srgbClr val="A50021"/>
+                </a:solidFill>
+              </a:rPr>
+              <a:t>Problems 4.6, 4.22, 4.42, 4.54, 4.55</a:t>
+            </a:r>
+            <a:endParaRPr lang="en-US" altLang="ko-KR" sz="2000" b="1" i="1" dirty="0" smtClean="0">
               <a:solidFill>
                 <a:srgbClr val="A50021"/>
               </a:solidFill>
@@ -24019,7 +24223,7 @@
               <a:defRPr/>
             </a:pPr>
             <a:r>
-              <a:rPr lang="en-US" altLang="ko-KR" sz="2000" b="1" dirty="0"/>
+              <a:rPr lang="en-US" altLang="ko-KR" sz="2000" b="1" dirty="0" smtClean="0"/>
               <a:t>Read Text Chapter 5. </a:t>
             </a:r>
           </a:p>
@@ -24031,7 +24235,7 @@
               <a:defRPr/>
             </a:pPr>
             <a:r>
-              <a:rPr lang="en-US" altLang="ko-KR" sz="2000" b="1" dirty="0"/>
+              <a:rPr lang="en-US" altLang="ko-KR" sz="2000" b="1" dirty="0" smtClean="0"/>
               <a:t>Prepare Presentation</a:t>
             </a:r>
           </a:p>
@@ -24039,7 +24243,7 @@
             <a:pPr>
               <a:defRPr/>
             </a:pPr>
-            <a:endParaRPr lang="ko-KR" altLang="en-US" sz="2000" dirty="0"/>
+            <a:endParaRPr lang="ko-KR" altLang="en-US" sz="2000" dirty="0" smtClean="0"/>
           </a:p>
         </p:txBody>
       </p:sp>
@@ -24048,18 +24252,14 @@
   <p:clrMapOvr>
     <a:masterClrMapping/>
   </p:clrMapOvr>
-  <mc:AlternateContent xmlns:mc="http://schemas.openxmlformats.org/markup-compatibility/2006">
-    <mc:Choice xmlns:p159="http://schemas.microsoft.com/office/powerpoint/2015/09/main" Requires="p159">
-      <p:transition>
-        <p159:morph option="byChar"/>
-      </p:transition>
-    </mc:Choice>
-    <mc:Fallback>
-      <p:transition>
-        <p:fade/>
-      </p:transition>
-    </mc:Fallback>
-  </mc:AlternateContent>
+  <p:transition spd="med"/>
+  <p:timing>
+    <p:tnLst>
+      <p:par>
+        <p:cTn id="1" dur="indefinite" restart="never" nodeType="tmRoot"/>
+      </p:par>
+    </p:tnLst>
+  </p:timing>
 </p:sld>
 </file>
 
@@ -24097,12 +24297,12 @@
           <a:p>
             <a:pPr eaLnBrk="1" hangingPunct="1"/>
             <a:r>
-              <a:rPr lang="en-US" altLang="ko-KR" sz="1800" dirty="0">
+              <a:rPr lang="en-US" altLang="ko-KR" sz="1800" dirty="0" smtClean="0">
                 <a:ea typeface="굴림" panose="020B0600000101010101" pitchFamily="50" charset="-127"/>
               </a:rPr>
               <a:t>Capacitors</a:t>
             </a:r>
-            <a:endParaRPr lang="ko-KR" altLang="en-US" sz="1800" dirty="0"/>
+            <a:endParaRPr lang="ko-KR" altLang="en-US" sz="1800" dirty="0" smtClean="0"/>
           </a:p>
         </p:txBody>
       </p:sp>
@@ -24132,7 +24332,7 @@
               <a:defRPr/>
             </a:pPr>
             <a:r>
-              <a:rPr lang="en-US" altLang="ko-KR" sz="2800" b="1" dirty="0">
+              <a:rPr lang="en-US" altLang="ko-KR" sz="2800" b="1" dirty="0" smtClean="0">
                 <a:solidFill>
                   <a:srgbClr val="0070C0"/>
                 </a:solidFill>
@@ -24203,12 +24403,12 @@
           <a:graphicData uri="http://schemas.openxmlformats.org/presentationml/2006/ole">
             <mc:AlternateContent xmlns:mc="http://schemas.openxmlformats.org/markup-compatibility/2006">
               <mc:Choice xmlns:v="urn:schemas-microsoft-com:vml" Requires="v">
-                <p:oleObj name="Equation" r:id="rId2" imgW="926698" imgH="393529" progId="Equation.DSMT4">
+                <p:oleObj spid="_x0000_s16410" name="Equation" r:id="rId3" imgW="926698" imgH="393529" progId="Equation.DSMT4">
                   <p:embed/>
                 </p:oleObj>
               </mc:Choice>
               <mc:Fallback>
-                <p:oleObj name="Equation" r:id="rId2" imgW="926698" imgH="393529" progId="Equation.DSMT4">
+                <p:oleObj name="Equation" r:id="rId3" imgW="926698" imgH="393529" progId="Equation.DSMT4">
                   <p:embed/>
                   <p:pic>
                     <p:nvPicPr>
@@ -24219,7 +24419,7 @@
                       <p:nvPr/>
                     </p:nvPicPr>
                     <p:blipFill>
-                      <a:blip r:embed="rId3">
+                      <a:blip r:embed="rId4">
                         <a:extLst>
                           <a:ext uri="{28A0092B-C50C-407E-A947-70E740481C1C}">
                             <a14:useLocalDpi xmlns:a14="http://schemas.microsoft.com/office/drawing/2010/main" val="0"/>
@@ -24292,12 +24492,12 @@
           <a:graphicData uri="http://schemas.openxmlformats.org/presentationml/2006/ole">
             <mc:AlternateContent xmlns:mc="http://schemas.openxmlformats.org/markup-compatibility/2006">
               <mc:Choice xmlns:v="urn:schemas-microsoft-com:vml" Requires="v">
-                <p:oleObj name="Equation" r:id="rId4" imgW="647419" imgH="393529" progId="Equation.DSMT4">
+                <p:oleObj spid="_x0000_s16411" name="Equation" r:id="rId5" imgW="647419" imgH="393529" progId="Equation.DSMT4">
                   <p:embed/>
                 </p:oleObj>
               </mc:Choice>
               <mc:Fallback>
-                <p:oleObj name="Equation" r:id="rId4" imgW="647419" imgH="393529" progId="Equation.DSMT4">
+                <p:oleObj name="Equation" r:id="rId5" imgW="647419" imgH="393529" progId="Equation.DSMT4">
                   <p:embed/>
                   <p:pic>
                     <p:nvPicPr>
@@ -24308,7 +24508,7 @@
                       <p:nvPr/>
                     </p:nvPicPr>
                     <p:blipFill>
-                      <a:blip r:embed="rId5">
+                      <a:blip r:embed="rId6">
                         <a:extLst>
                           <a:ext uri="{28A0092B-C50C-407E-A947-70E740481C1C}">
                             <a14:useLocalDpi xmlns:a14="http://schemas.microsoft.com/office/drawing/2010/main" val="0"/>
@@ -24369,18 +24569,14 @@
   <p:clrMapOvr>
     <a:masterClrMapping/>
   </p:clrMapOvr>
-  <mc:AlternateContent xmlns:mc="http://schemas.openxmlformats.org/markup-compatibility/2006">
-    <mc:Choice xmlns:p159="http://schemas.microsoft.com/office/powerpoint/2015/09/main" Requires="p159">
-      <p:transition>
-        <p159:morph option="byChar"/>
-      </p:transition>
-    </mc:Choice>
-    <mc:Fallback>
-      <p:transition>
-        <p:fade/>
-      </p:transition>
-    </mc:Fallback>
-  </mc:AlternateContent>
+  <p:transition spd="med"/>
+  <p:timing>
+    <p:tnLst>
+      <p:par>
+        <p:cTn id="1" dur="indefinite" restart="never" nodeType="tmRoot"/>
+      </p:par>
+    </p:tnLst>
+  </p:timing>
 </p:sld>
 </file>
 
@@ -24418,12 +24614,12 @@
           <a:p>
             <a:pPr eaLnBrk="1" hangingPunct="1"/>
             <a:r>
-              <a:rPr lang="en-US" altLang="ko-KR" sz="1800" dirty="0">
+              <a:rPr lang="en-US" altLang="ko-KR" sz="1800" dirty="0" smtClean="0">
                 <a:ea typeface="굴림" panose="020B0600000101010101" pitchFamily="50" charset="-127"/>
               </a:rPr>
               <a:t>Capacitors</a:t>
             </a:r>
-            <a:endParaRPr lang="ko-KR" altLang="en-US" sz="1800" dirty="0"/>
+            <a:endParaRPr lang="ko-KR" altLang="en-US" sz="1800" dirty="0" smtClean="0"/>
           </a:p>
         </p:txBody>
       </p:sp>
@@ -24455,7 +24651,7 @@
                   <a:defRPr/>
                 </a:pPr>
                 <a:r>
-                  <a:rPr lang="en-US" altLang="ko-KR" sz="2800" b="1" dirty="0">
+                  <a:rPr lang="en-US" altLang="ko-KR" sz="2800" b="1" dirty="0" smtClean="0">
                     <a:solidFill>
                       <a:srgbClr val="0099D7"/>
                     </a:solidFill>
@@ -24463,16 +24659,28 @@
                   </a:rPr>
                   <a:t>Parallel Capacitors</a:t>
                 </a:r>
+                <a:endParaRPr lang="en-US" altLang="ko-KR" sz="2800" b="1" dirty="0">
+                  <a:solidFill>
+                    <a:srgbClr val="0099D7"/>
+                  </a:solidFill>
+                  <a:ea typeface="굴림" charset="-127"/>
+                </a:endParaRPr>
               </a:p>
               <a:p>
                 <a:pPr>
                   <a:defRPr/>
                 </a:pPr>
                 <a:r>
+                  <a:rPr lang="en-US" altLang="ko-KR" b="1" dirty="0" smtClean="0">
+                    <a:ea typeface="굴림" panose="020B0600000101010101" pitchFamily="50" charset="-127"/>
+                  </a:rPr>
+                  <a:t>Starting </a:t>
+                </a:r>
+                <a:r>
                   <a:rPr lang="en-US" altLang="ko-KR" b="1" dirty="0">
                     <a:ea typeface="굴림" panose="020B0600000101010101" pitchFamily="50" charset="-127"/>
                   </a:rPr>
-                  <a:t>Starting with </a:t>
+                  <a:t>with </a:t>
                 </a:r>
                 <a:r>
                   <a:rPr lang="en-US" altLang="ko-KR" b="1" i="1" dirty="0">
@@ -24495,13 +24703,16 @@
                   </a:rPr>
                   <a:t> </a:t>
                 </a:r>
+                <a:endParaRPr lang="en-US" altLang="ko-KR" sz="2800" b="1" dirty="0" smtClean="0">
+                  <a:ea typeface="굴림" panose="020B0600000101010101" pitchFamily="50" charset="-127"/>
+                </a:endParaRPr>
               </a:p>
               <a:p>
                 <a:pPr>
                   <a:defRPr/>
                 </a:pPr>
                 <a:r>
-                  <a:rPr lang="en-US" altLang="ko-KR" b="1" dirty="0">
+                  <a:rPr lang="en-US" altLang="ko-KR" b="1" dirty="0" smtClean="0">
                     <a:ea typeface="굴림" panose="020B0600000101010101" pitchFamily="50" charset="-127"/>
                   </a:rPr>
                   <a:t>Applying </a:t>
@@ -24516,7 +24727,7 @@
                   <a:t>KCL</a:t>
                 </a:r>
                 <a:r>
-                  <a:rPr lang="en-US" altLang="ko-KR" b="1" dirty="0">
+                  <a:rPr lang="en-US" altLang="ko-KR" b="1" dirty="0" smtClean="0">
                     <a:ea typeface="굴림" panose="020B0600000101010101" pitchFamily="50" charset="-127"/>
                   </a:rPr>
                   <a:t>:</a:t>
@@ -24671,18 +24882,18 @@
                   <a:defRPr/>
                 </a:pPr>
                 <a:r>
-                  <a:rPr lang="en-US" altLang="ko-KR" b="1" dirty="0">
+                  <a:rPr lang="en-US" altLang="ko-KR" b="1" dirty="0" smtClean="0">
                     <a:ea typeface="굴림" panose="020B0600000101010101" pitchFamily="50" charset="-127"/>
                   </a:rPr>
                   <a:t>Taking the current voltage </a:t>
                 </a:r>
                 <a:br>
-                  <a:rPr lang="en-US" altLang="ko-KR" b="1" dirty="0">
+                  <a:rPr lang="en-US" altLang="ko-KR" b="1" dirty="0" smtClean="0">
                     <a:ea typeface="굴림" panose="020B0600000101010101" pitchFamily="50" charset="-127"/>
                   </a:rPr>
                 </a:br>
                 <a:r>
-                  <a:rPr lang="en-US" altLang="ko-KR" b="1" dirty="0">
+                  <a:rPr lang="en-US" altLang="ko-KR" b="1" dirty="0" smtClean="0">
                     <a:ea typeface="굴림" panose="020B0600000101010101" pitchFamily="50" charset="-127"/>
                   </a:rPr>
                   <a:t>relationship</a:t>
@@ -24700,7 +24911,7 @@
                 <a:pPr>
                   <a:defRPr/>
                 </a:pPr>
-                <a:endParaRPr lang="en-US" altLang="ko-KR" b="1" dirty="0">
+                <a:endParaRPr lang="en-US" altLang="ko-KR" b="1" dirty="0" smtClean="0">
                   <a:ea typeface="굴림" panose="020B0600000101010101" pitchFamily="50" charset="-127"/>
                 </a:endParaRPr>
               </a:p>
@@ -24716,7 +24927,7 @@
                 <a:pPr>
                   <a:defRPr/>
                 </a:pPr>
-                <a:endParaRPr lang="en-US" altLang="ko-KR" b="1" dirty="0">
+                <a:endParaRPr lang="en-US" altLang="ko-KR" b="1" dirty="0" smtClean="0">
                   <a:ea typeface="굴림" panose="020B0600000101010101" pitchFamily="50" charset="-127"/>
                 </a:endParaRPr>
               </a:p>
@@ -24725,7 +24936,7 @@
                   <a:defRPr/>
                 </a:pPr>
                 <a:r>
-                  <a:rPr lang="en-US" altLang="ko-KR" b="1" dirty="0">
+                  <a:rPr lang="en-US" altLang="ko-KR" b="1" dirty="0" smtClean="0">
                     <a:ea typeface="굴림" panose="020B0600000101010101" pitchFamily="50" charset="-127"/>
                   </a:rPr>
                   <a:t>Thus    </a:t>
@@ -25010,7 +25221,7 @@
           <a:graphicData uri="http://schemas.openxmlformats.org/presentationml/2006/ole">
             <mc:AlternateContent xmlns:mc="http://schemas.openxmlformats.org/markup-compatibility/2006">
               <mc:Choice xmlns:v="urn:schemas-microsoft-com:vml" Requires="v">
-                <p:oleObj name="Equation" r:id="rId5" imgW="2324100" imgH="863600" progId="Equation.DSMT4">
+                <p:oleObj spid="_x0000_s19470" name="Equation" r:id="rId5" imgW="2324100" imgH="863600" progId="Equation.DSMT4">
                   <p:embed/>
                 </p:oleObj>
               </mc:Choice>
@@ -25068,18 +25279,14 @@
   <p:clrMapOvr>
     <a:masterClrMapping/>
   </p:clrMapOvr>
-  <mc:AlternateContent xmlns:mc="http://schemas.openxmlformats.org/markup-compatibility/2006">
-    <mc:Choice xmlns:p159="http://schemas.microsoft.com/office/powerpoint/2015/09/main" Requires="p159">
-      <p:transition>
-        <p159:morph option="byChar"/>
-      </p:transition>
-    </mc:Choice>
-    <mc:Fallback>
-      <p:transition>
-        <p:fade/>
-      </p:transition>
-    </mc:Fallback>
-  </mc:AlternateContent>
+  <p:transition spd="med"/>
+  <p:timing>
+    <p:tnLst>
+      <p:par>
+        <p:cTn id="1" dur="indefinite" restart="never" nodeType="tmRoot"/>
+      </p:par>
+    </p:tnLst>
+  </p:timing>
 </p:sld>
 </file>
 
@@ -25117,12 +25324,12 @@
           <a:p>
             <a:pPr eaLnBrk="1" hangingPunct="1"/>
             <a:r>
-              <a:rPr lang="en-US" altLang="ko-KR" sz="1800" dirty="0">
+              <a:rPr lang="en-US" altLang="ko-KR" sz="1800" dirty="0" smtClean="0">
                 <a:ea typeface="굴림" panose="020B0600000101010101" pitchFamily="50" charset="-127"/>
               </a:rPr>
               <a:t>Capacitors</a:t>
             </a:r>
-            <a:endParaRPr lang="ko-KR" altLang="en-US" sz="1800" dirty="0"/>
+            <a:endParaRPr lang="ko-KR" altLang="en-US" sz="1800" dirty="0" smtClean="0"/>
           </a:p>
         </p:txBody>
       </p:sp>
@@ -25154,7 +25361,7 @@
                   <a:defRPr/>
                 </a:pPr>
                 <a:r>
-                  <a:rPr lang="en-US" altLang="ko-KR" sz="2800" b="1" dirty="0">
+                  <a:rPr lang="en-US" altLang="ko-KR" sz="2800" b="1" dirty="0" smtClean="0">
                     <a:solidFill>
                       <a:srgbClr val="0099D7"/>
                     </a:solidFill>
@@ -25162,16 +25369,31 @@
                   </a:rPr>
                   <a:t>Series Capacitors</a:t>
                 </a:r>
+                <a:endParaRPr lang="en-US" altLang="ko-KR" sz="2800" b="1" dirty="0">
+                  <a:solidFill>
+                    <a:srgbClr val="0099D7"/>
+                  </a:solidFill>
+                  <a:ea typeface="굴림" charset="-127"/>
+                </a:endParaRPr>
               </a:p>
               <a:p>
                 <a:pPr>
                   <a:defRPr/>
                 </a:pPr>
                 <a:r>
-                  <a:rPr lang="en-US" altLang="ko-KR" b="1" dirty="0">
+                  <a:rPr lang="en-US" altLang="ko-KR" b="1" dirty="0" smtClean="0">
                     <a:ea typeface="굴림" panose="020B0600000101010101" pitchFamily="50" charset="-127"/>
                   </a:rPr>
                   <a:t>Turning to </a:t>
+                </a:r>
+                <a:r>
+                  <a:rPr lang="en-US" altLang="ko-KR" b="1" i="1" dirty="0" smtClean="0">
+                    <a:solidFill>
+                      <a:srgbClr val="A50021"/>
+                    </a:solidFill>
+                    <a:ea typeface="굴림" panose="020B0600000101010101" pitchFamily="50" charset="-127"/>
+                  </a:rPr>
+                  <a:t>N series </a:t>
                 </a:r>
                 <a:r>
                   <a:rPr lang="en-US" altLang="ko-KR" b="1" i="1" dirty="0">
@@ -25180,7 +25402,7 @@
                     </a:solidFill>
                     <a:ea typeface="굴림" panose="020B0600000101010101" pitchFamily="50" charset="-127"/>
                   </a:rPr>
-                  <a:t>N series capacitors</a:t>
+                  <a:t>capacitors</a:t>
                 </a:r>
                 <a:r>
                   <a:rPr lang="en-US" altLang="ko-KR" b="1" dirty="0">
@@ -25194,19 +25416,22 @@
                   </a:rPr>
                   <a:t> </a:t>
                 </a:r>
+                <a:endParaRPr lang="en-US" altLang="ko-KR" sz="2800" b="1" dirty="0" smtClean="0">
+                  <a:ea typeface="굴림" panose="020B0600000101010101" pitchFamily="50" charset="-127"/>
+                </a:endParaRPr>
               </a:p>
               <a:p>
                 <a:pPr>
                   <a:defRPr/>
                 </a:pPr>
                 <a:r>
-                  <a:rPr lang="en-US" altLang="ko-KR" b="1" dirty="0">
+                  <a:rPr lang="en-US" altLang="ko-KR" b="1" dirty="0" smtClean="0">
                     <a:ea typeface="굴림" panose="020B0600000101010101" pitchFamily="50" charset="-127"/>
                   </a:rPr>
                   <a:t>Applying </a:t>
                 </a:r>
                 <a:r>
-                  <a:rPr lang="en-US" altLang="ko-KR" b="1" i="1" dirty="0">
+                  <a:rPr lang="en-US" altLang="ko-KR" b="1" i="1" dirty="0" smtClean="0">
                     <a:solidFill>
                       <a:srgbClr val="A50021"/>
                     </a:solidFill>
@@ -25215,7 +25440,7 @@
                   <a:t>KVL</a:t>
                 </a:r>
                 <a:r>
-                  <a:rPr lang="en-US" altLang="ko-KR" b="1" dirty="0">
+                  <a:rPr lang="en-US" altLang="ko-KR" b="1" dirty="0" smtClean="0">
                     <a:ea typeface="굴림" panose="020B0600000101010101" pitchFamily="50" charset="-127"/>
                   </a:rPr>
                   <a:t>:</a:t>
@@ -25376,7 +25601,7 @@
                 <a:pPr>
                   <a:defRPr/>
                 </a:pPr>
-                <a:endParaRPr lang="en-US" altLang="ko-KR" b="1" dirty="0">
+                <a:endParaRPr lang="en-US" altLang="ko-KR" b="1" dirty="0" smtClean="0">
                   <a:ea typeface="굴림" panose="020B0600000101010101" pitchFamily="50" charset="-127"/>
                 </a:endParaRPr>
               </a:p>
@@ -25392,7 +25617,7 @@
                 <a:pPr>
                   <a:defRPr/>
                 </a:pPr>
-                <a:endParaRPr lang="en-US" altLang="ko-KR" b="1" dirty="0">
+                <a:endParaRPr lang="en-US" altLang="ko-KR" b="1" dirty="0" smtClean="0">
                   <a:ea typeface="굴림" panose="020B0600000101010101" pitchFamily="50" charset="-127"/>
                 </a:endParaRPr>
               </a:p>
@@ -25408,7 +25633,7 @@
                 <a:pPr>
                   <a:defRPr/>
                 </a:pPr>
-                <a:endParaRPr lang="en-US" altLang="ko-KR" b="1" dirty="0">
+                <a:endParaRPr lang="en-US" altLang="ko-KR" b="1" dirty="0" smtClean="0">
                   <a:ea typeface="굴림" panose="020B0600000101010101" pitchFamily="50" charset="-127"/>
                 </a:endParaRPr>
               </a:p>
@@ -25525,18 +25750,14 @@
   <p:clrMapOvr>
     <a:masterClrMapping/>
   </p:clrMapOvr>
-  <mc:AlternateContent xmlns:mc="http://schemas.openxmlformats.org/markup-compatibility/2006">
-    <mc:Choice xmlns:p159="http://schemas.microsoft.com/office/powerpoint/2015/09/main" Requires="p159">
-      <p:transition>
-        <p159:morph option="byChar"/>
-      </p:transition>
-    </mc:Choice>
-    <mc:Fallback>
-      <p:transition>
-        <p:fade/>
-      </p:transition>
-    </mc:Fallback>
-  </mc:AlternateContent>
+  <p:transition spd="med"/>
+  <p:timing>
+    <p:tnLst>
+      <p:par>
+        <p:cTn id="1" dur="indefinite" restart="never" nodeType="tmRoot"/>
+      </p:par>
+    </p:tnLst>
+  </p:timing>
 </p:sld>
 </file>
 
@@ -25574,12 +25795,12 @@
           <a:p>
             <a:pPr eaLnBrk="1" hangingPunct="1"/>
             <a:r>
-              <a:rPr lang="en-US" altLang="ko-KR" sz="1800" dirty="0">
+              <a:rPr lang="en-US" altLang="ko-KR" sz="1800" dirty="0" smtClean="0">
                 <a:ea typeface="굴림" panose="020B0600000101010101" pitchFamily="50" charset="-127"/>
               </a:rPr>
               <a:t>Capacitors</a:t>
             </a:r>
-            <a:endParaRPr lang="ko-KR" altLang="en-US" sz="1800" dirty="0"/>
+            <a:endParaRPr lang="ko-KR" altLang="en-US" sz="1800" dirty="0" smtClean="0"/>
           </a:p>
         </p:txBody>
       </p:sp>
@@ -25611,7 +25832,7 @@
                   <a:defRPr/>
                 </a:pPr>
                 <a:r>
-                  <a:rPr lang="en-US" altLang="ko-KR" sz="2800" b="1" dirty="0">
+                  <a:rPr lang="en-US" altLang="ko-KR" sz="2800" b="1" dirty="0" smtClean="0">
                     <a:solidFill>
                       <a:srgbClr val="0070C0"/>
                     </a:solidFill>
@@ -25619,13 +25840,19 @@
                   </a:rPr>
                   <a:t>Series Capacitors</a:t>
                 </a:r>
+                <a:endParaRPr lang="en-US" altLang="ko-KR" sz="2800" b="1" dirty="0">
+                  <a:solidFill>
+                    <a:srgbClr val="0070C0"/>
+                  </a:solidFill>
+                  <a:ea typeface="굴림" charset="-127"/>
+                </a:endParaRPr>
               </a:p>
               <a:p>
                 <a:pPr>
                   <a:defRPr/>
                 </a:pPr>
                 <a:r>
-                  <a:rPr lang="en-US" altLang="ko-KR" b="1" dirty="0">
+                  <a:rPr lang="en-US" altLang="ko-KR" b="1" dirty="0" smtClean="0">
                     <a:ea typeface="굴림" panose="020B0600000101010101" pitchFamily="50" charset="-127"/>
                   </a:rPr>
                   <a:t>Apply the voltage current relationship</a:t>
@@ -25635,7 +25862,15 @@
                 <a:pPr>
                   <a:defRPr/>
                 </a:pPr>
-                <a:endParaRPr lang="en-US" altLang="ko-KR" b="1" dirty="0">
+                <a:endParaRPr lang="en-US" altLang="ko-KR" b="1" dirty="0" smtClean="0">
+                  <a:ea typeface="굴림" panose="020B0600000101010101" pitchFamily="50" charset="-127"/>
+                </a:endParaRPr>
+              </a:p>
+              <a:p>
+                <a:pPr>
+                  <a:defRPr/>
+                </a:pPr>
+                <a:endParaRPr lang="en-US" altLang="ko-KR" b="1" dirty="0" smtClean="0">
                   <a:ea typeface="굴림" panose="020B0600000101010101" pitchFamily="50" charset="-127"/>
                 </a:endParaRPr>
               </a:p>
@@ -25651,7 +25886,7 @@
                 <a:pPr>
                   <a:defRPr/>
                 </a:pPr>
-                <a:endParaRPr lang="en-US" altLang="ko-KR" b="1" dirty="0">
+                <a:endParaRPr lang="en-US" altLang="ko-KR" b="1" dirty="0" smtClean="0">
                   <a:ea typeface="굴림" panose="020B0600000101010101" pitchFamily="50" charset="-127"/>
                 </a:endParaRPr>
               </a:p>
@@ -25667,15 +25902,7 @@
                 <a:pPr>
                   <a:defRPr/>
                 </a:pPr>
-                <a:endParaRPr lang="en-US" altLang="ko-KR" b="1" dirty="0">
-                  <a:ea typeface="굴림" panose="020B0600000101010101" pitchFamily="50" charset="-127"/>
-                </a:endParaRPr>
-              </a:p>
-              <a:p>
-                <a:pPr>
-                  <a:defRPr/>
-                </a:pPr>
-                <a:endParaRPr lang="en-US" altLang="ko-KR" b="1" dirty="0">
+                <a:endParaRPr lang="en-US" altLang="ko-KR" b="1" dirty="0" smtClean="0">
                   <a:ea typeface="굴림" panose="020B0600000101010101" pitchFamily="50" charset="-127"/>
                 </a:endParaRPr>
               </a:p>
@@ -25684,7 +25911,7 @@
                   <a:defRPr/>
                 </a:pPr>
                 <a:r>
-                  <a:rPr lang="en-US" altLang="ko-KR" b="1" dirty="0">
+                  <a:rPr lang="en-US" altLang="ko-KR" b="1" dirty="0" smtClean="0">
                     <a:ea typeface="굴림" panose="020B0600000101010101" pitchFamily="50" charset="-127"/>
                   </a:rPr>
                   <a:t>Thus </a:t>
@@ -25984,7 +26211,7 @@
           <a:graphicData uri="http://schemas.openxmlformats.org/presentationml/2006/ole">
             <mc:AlternateContent xmlns:mc="http://schemas.openxmlformats.org/markup-compatibility/2006">
               <mc:Choice xmlns:v="urn:schemas-microsoft-com:vml" Requires="v">
-                <p:oleObj name="Equation" r:id="rId4" imgW="5905500" imgH="1511300" progId="Equation.DSMT4">
+                <p:oleObj spid="_x0000_s21517" name="Equation" r:id="rId4" imgW="5905500" imgH="1511300" progId="Equation.DSMT4">
                   <p:embed/>
                 </p:oleObj>
               </mc:Choice>
@@ -26061,18 +26288,14 @@
   <p:clrMapOvr>
     <a:masterClrMapping/>
   </p:clrMapOvr>
-  <mc:AlternateContent xmlns:mc="http://schemas.openxmlformats.org/markup-compatibility/2006">
-    <mc:Choice xmlns:p159="http://schemas.microsoft.com/office/powerpoint/2015/09/main" Requires="p159">
-      <p:transition>
-        <p159:morph option="byChar"/>
-      </p:transition>
-    </mc:Choice>
-    <mc:Fallback>
-      <p:transition>
-        <p:fade/>
-      </p:transition>
-    </mc:Fallback>
-  </mc:AlternateContent>
+  <p:transition spd="med"/>
+  <p:timing>
+    <p:tnLst>
+      <p:par>
+        <p:cTn id="1" dur="indefinite" restart="never" nodeType="tmRoot"/>
+      </p:par>
+    </p:tnLst>
+  </p:timing>
 </p:sld>
 </file>
 
